--- a/Data Analysis/DATA SCIENTIST SALARY.pptx
+++ b/Data Analysis/DATA SCIENTIST SALARY.pptx
@@ -249,7 +249,7 @@
           <a:p>
             <a:fld id="{B5E1A4F0-2AB2-4320-8E3D-1AF99F1B2BFC}" type="datetimeFigureOut">
               <a:rPr lang="en-ZA" smtClean="0"/>
-              <a:t>2023/08/10</a:t>
+              <a:t>2023/08/17</a:t>
             </a:fld>
             <a:endParaRPr lang="en-ZA"/>
           </a:p>
@@ -1002,7 +1002,7 @@
           <a:p>
             <a:fld id="{9184DA70-C731-4C70-880D-CCD4705E623C}" type="datetime1">
               <a:rPr lang="en-US" noProof="0" smtClean="0"/>
-              <a:t>8/10/2023</a:t>
+              <a:t>8/17/2023</a:t>
             </a:fld>
             <a:endParaRPr lang="en-US" noProof="0" dirty="0"/>
           </a:p>
@@ -1123,7 +1123,7 @@
           <a:p>
             <a:fld id="{39667345-2558-425A-8533-9BFDBCE15005}" type="datetime1">
               <a:rPr lang="en-US" noProof="0" smtClean="0"/>
-              <a:t>8/10/2023</a:t>
+              <a:t>8/17/2023</a:t>
             </a:fld>
             <a:endParaRPr lang="en-US" noProof="0" dirty="0"/>
           </a:p>
@@ -1512,7 +1512,7 @@
           <a:p>
             <a:fld id="{39667345-2558-425A-8533-9BFDBCE15005}" type="datetime1">
               <a:rPr lang="en-US" noProof="0" smtClean="0"/>
-              <a:t>8/10/2023</a:t>
+              <a:t>8/17/2023</a:t>
             </a:fld>
             <a:endParaRPr lang="en-US" noProof="0" dirty="0"/>
           </a:p>
@@ -2350,7 +2350,7 @@
           <a:p>
             <a:fld id="{4907D986-8816-4272-A432-0437A28A9828}" type="datetime1">
               <a:rPr lang="en-US" noProof="0" smtClean="0"/>
-              <a:t>8/10/2023</a:t>
+              <a:t>8/17/2023</a:t>
             </a:fld>
             <a:endParaRPr lang="en-US" noProof="0" dirty="0"/>
           </a:p>
@@ -4649,7 +4649,7 @@
           <a:p>
             <a:fld id="{9184DA70-C731-4C70-880D-CCD4705E623C}" type="datetime1">
               <a:rPr lang="en-US" noProof="0" smtClean="0"/>
-              <a:t>8/10/2023</a:t>
+              <a:t>8/17/2023</a:t>
             </a:fld>
             <a:endParaRPr lang="en-US" noProof="0" dirty="0"/>
           </a:p>
@@ -4958,7 +4958,7 @@
           <a:p>
             <a:fld id="{4BE1D723-8F53-4F53-90B0-1982A396982E}" type="datetime1">
               <a:rPr lang="en-US" noProof="0" smtClean="0"/>
-              <a:t>8/10/2023</a:t>
+              <a:t>8/17/2023</a:t>
             </a:fld>
             <a:endParaRPr lang="en-US" noProof="0" dirty="0"/>
           </a:p>
@@ -5553,7 +5553,7 @@
           <a:p>
             <a:fld id="{D9DF0F1C-5577-4ACB-BB62-DF8F3C494C7E}" type="datetime1">
               <a:rPr lang="en-US" noProof="0" smtClean="0"/>
-              <a:t>8/10/2023</a:t>
+              <a:t>8/17/2023</a:t>
             </a:fld>
             <a:endParaRPr lang="en-US" noProof="0" dirty="0"/>
           </a:p>
@@ -5816,7 +5816,7 @@
           <a:p>
             <a:fld id="{1775B394-D9F9-4F0C-B15D-605F45CB9E9F}" type="datetime1">
               <a:rPr lang="en-US" noProof="0" smtClean="0"/>
-              <a:t>8/10/2023</a:t>
+              <a:t>8/17/2023</a:t>
             </a:fld>
             <a:endParaRPr lang="en-US" noProof="0" dirty="0"/>
           </a:p>
@@ -6079,7 +6079,7 @@
           <a:p>
             <a:fld id="{1775B394-D9F9-4F0C-B15D-605F45CB9E9F}" type="datetime1">
               <a:rPr lang="en-US" noProof="0" smtClean="0"/>
-              <a:t>8/10/2023</a:t>
+              <a:t>8/17/2023</a:t>
             </a:fld>
             <a:endParaRPr lang="en-US" noProof="0" dirty="0"/>
           </a:p>
@@ -6596,7 +6596,7 @@
           <a:p>
             <a:fld id="{39667345-2558-425A-8533-9BFDBCE15005}" type="datetime1">
               <a:rPr lang="en-US" noProof="0" smtClean="0"/>
-              <a:t>8/10/2023</a:t>
+              <a:t>8/17/2023</a:t>
             </a:fld>
             <a:endParaRPr lang="en-US" noProof="0" dirty="0"/>
           </a:p>
@@ -6717,7 +6717,7 @@
           <a:p>
             <a:fld id="{39667345-2558-425A-8533-9BFDBCE15005}" type="datetime1">
               <a:rPr lang="en-US" noProof="0" smtClean="0"/>
-              <a:t>8/10/2023</a:t>
+              <a:t>8/17/2023</a:t>
             </a:fld>
             <a:endParaRPr lang="en-US" noProof="0" dirty="0"/>
           </a:p>
@@ -7150,7 +7150,7 @@
           <a:p>
             <a:fld id="{39667345-2558-425A-8533-9BFDBCE15005}" type="datetime1">
               <a:rPr lang="en-US" noProof="0" smtClean="0"/>
-              <a:t>8/10/2023</a:t>
+              <a:t>8/17/2023</a:t>
             </a:fld>
             <a:endParaRPr lang="en-US" noProof="0" dirty="0"/>
           </a:p>
@@ -7694,7 +7694,7 @@
           <a:p>
             <a:fld id="{62D6E202-B606-4609-B914-27C9371A1F6D}" type="datetime1">
               <a:rPr lang="en-US" noProof="0" smtClean="0"/>
-              <a:t>8/10/2023</a:t>
+              <a:t>8/17/2023</a:t>
             </a:fld>
             <a:endParaRPr lang="en-US" noProof="0" dirty="0"/>
           </a:p>
@@ -8923,7 +8923,19 @@
             </a:pPr>
             <a:r>
               <a:rPr lang="en-ZA" sz="1800" dirty="0"/>
-              <a:t>Web development and business finance’s courses represent almost 60% of the all courses combined in the database.</a:t>
+              <a:t>Web development and business finance’s courses represent almost 60% of </a:t>
+            </a:r>
+            <a:r>
+              <a:rPr lang="en-ZA" sz="1800" dirty="0" smtClean="0"/>
+              <a:t>all </a:t>
+            </a:r>
+            <a:r>
+              <a:rPr lang="en-ZA" sz="1800" dirty="0" smtClean="0"/>
+              <a:t>courses </a:t>
+            </a:r>
+            <a:r>
+              <a:rPr lang="en-ZA" sz="1800" dirty="0"/>
+              <a:t>combined in the database.</a:t>
             </a:r>
           </a:p>
         </p:txBody>
@@ -9007,7 +9019,7 @@
       </p:sp>
       <p:pic>
         <p:nvPicPr>
-          <p:cNvPr id="4" name="Content Placeholder 3"/>
+          <p:cNvPr id="5" name="Content Placeholder 4"/>
           <p:cNvPicPr>
             <a:picLocks noGrp="1" noChangeAspect="1"/>
           </p:cNvPicPr>
@@ -9029,8 +9041,8 @@
         </p:blipFill>
         <p:spPr>
           <a:xfrm>
-            <a:off x="1809945" y="1913641"/>
-            <a:ext cx="9078013" cy="4068083"/>
+            <a:off x="1866507" y="1687398"/>
+            <a:ext cx="8333294" cy="4401720"/>
           </a:xfrm>
           <a:prstGeom prst="rect">
             <a:avLst/>
@@ -10729,7 +10741,15 @@
           <a:p>
             <a:r>
               <a:rPr lang="en-GB" dirty="0" smtClean="0"/>
-              <a:t>As an IT graduate, I am very fascinated by the huge impact of data science on  businesses and how data analysis allows companies to be efficient in marketing and decision making. Data science has become so important that many companies are willing to invest a huge amount of money, which at the same time attracted by curiosity to find out how good is the salary for anyone who wishes to start a data science career mostly based in the USA, Canada and UK. </a:t>
+              <a:t>As an IT graduate, I am very fascinated by the huge impact of data science on  businesses and how data analysis allows companies to be efficient in marketing and decision making. Data science has become so important that many companies are willing to invest a huge amount of money, which at the same time </a:t>
+            </a:r>
+            <a:r>
+              <a:rPr lang="en-GB" dirty="0" smtClean="0"/>
+              <a:t>I am attracted </a:t>
+            </a:r>
+            <a:r>
+              <a:rPr lang="en-GB" dirty="0" smtClean="0"/>
+              <a:t>by curiosity to find out how good is the salary for anyone who wishes to start a data science career mostly based in the USA, Canada and UK. </a:t>
             </a:r>
           </a:p>
           <a:p>
@@ -13763,15 +13783,7 @@
             </a:pPr>
             <a:r>
               <a:rPr lang="en-ZA" dirty="0" smtClean="0"/>
-              <a:t>In conclusion, the united states have the highest </a:t>
-            </a:r>
-            <a:r>
-              <a:rPr lang="en-ZA" dirty="0" smtClean="0"/>
-              <a:t>average salary </a:t>
-            </a:r>
-            <a:r>
-              <a:rPr lang="en-ZA" dirty="0" smtClean="0"/>
-              <a:t>pay rate, followed by the united kingdom and Canada.</a:t>
+              <a:t>In conclusion, the united states have the highest average salary pay rate, followed by the united kingdom and Canada.</a:t>
             </a:r>
           </a:p>
           <a:p>
@@ -15502,24 +15514,6 @@
 </file>
 
 <file path=customXml/item1.xml><?xml version="1.0" encoding="utf-8"?>
-<?mso-contentType ?>
-<FormTemplates xmlns="http://schemas.microsoft.com/sharepoint/v3/contenttype/forms">
-  <Display>DocumentLibraryForm</Display>
-  <Edit>DocumentLibraryForm</Edit>
-  <New>DocumentLibraryForm</New>
-</FormTemplates>
-</file>
-
-<file path=customXml/item2.xml><?xml version="1.0" encoding="utf-8"?>
-<p:properties xmlns:p="http://schemas.microsoft.com/office/2006/metadata/properties" xmlns:xsi="http://www.w3.org/2001/XMLSchema-instance" xmlns:pc="http://schemas.microsoft.com/office/infopath/2007/PartnerControls">
-  <documentManagement>
-    <Status xmlns="71af3243-3dd4-4a8d-8c0d-dd76da1f02a5">Not started</Status>
-    <MediaServiceKeyPoints xmlns="71af3243-3dd4-4a8d-8c0d-dd76da1f02a5" xsi:nil="true"/>
-  </documentManagement>
-</p:properties>
-</file>
-
-<file path=customXml/item3.xml><?xml version="1.0" encoding="utf-8"?>
 <ct:contentTypeSchema xmlns:ct="http://schemas.microsoft.com/office/2006/metadata/contentType" xmlns:ma="http://schemas.microsoft.com/office/2006/metadata/properties/metaAttributes" ct:_="" ma:_="" ma:contentTypeName="Document" ma:contentTypeID="0x01010079F111ED35F8CC479449609E8A0923A6" ma:contentTypeVersion="12" ma:contentTypeDescription="Create a new document." ma:contentTypeScope="" ma:versionID="fa6e671f1cd7e4d96ff9652be322dd5e">
   <xsd:schema xmlns:xsd="http://www.w3.org/2001/XMLSchema" xmlns:xs="http://www.w3.org/2001/XMLSchema" xmlns:p="http://schemas.microsoft.com/office/2006/metadata/properties" xmlns:ns2="71af3243-3dd4-4a8d-8c0d-dd76da1f02a5" xmlns:ns3="16c05727-aa75-4e4a-9b5f-8a80a1165891" targetNamespace="http://schemas.microsoft.com/office/2006/metadata/properties" ma:root="true" ma:fieldsID="4e2496f70b101db0b8013f30a071bbf7" ns2:_="" ns3:_="">
     <xsd:import namespace="71af3243-3dd4-4a8d-8c0d-dd76da1f02a5"/>
@@ -15740,32 +15734,25 @@
 </ct:contentTypeSchema>
 </file>
 
-<file path=customXml/itemProps1.xml><?xml version="1.0" encoding="utf-8"?>
-<ds:datastoreItem xmlns:ds="http://schemas.openxmlformats.org/officeDocument/2006/customXml" ds:itemID="{5029FA76-0C86-4BF1-99F1-A3115FBFFAB0}">
-  <ds:schemaRefs>
-    <ds:schemaRef ds:uri="http://schemas.microsoft.com/sharepoint/v3/contenttype/forms"/>
-  </ds:schemaRefs>
-</ds:datastoreItem>
+<file path=customXml/item2.xml><?xml version="1.0" encoding="utf-8"?>
+<?mso-contentType ?>
+<FormTemplates xmlns="http://schemas.microsoft.com/sharepoint/v3/contenttype/forms">
+  <Display>DocumentLibraryForm</Display>
+  <Edit>DocumentLibraryForm</Edit>
+  <New>DocumentLibraryForm</New>
+</FormTemplates>
 </file>
 
-<file path=customXml/itemProps2.xml><?xml version="1.0" encoding="utf-8"?>
-<ds:datastoreItem xmlns:ds="http://schemas.openxmlformats.org/officeDocument/2006/customXml" ds:itemID="{44FAF7B5-E40C-46BE-9C83-DA251FCAE61E}">
-  <ds:schemaRefs>
-    <ds:schemaRef ds:uri="http://schemas.microsoft.com/office/2006/documentManagement/types"/>
-    <ds:schemaRef ds:uri="16c05727-aa75-4e4a-9b5f-8a80a1165891"/>
-    <ds:schemaRef ds:uri="http://purl.org/dc/elements/1.1/"/>
-    <ds:schemaRef ds:uri="http://schemas.openxmlformats.org/package/2006/metadata/core-properties"/>
-    <ds:schemaRef ds:uri="http://schemas.microsoft.com/office/infopath/2007/PartnerControls"/>
-    <ds:schemaRef ds:uri="http://purl.org/dc/dcmitype/"/>
-    <ds:schemaRef ds:uri="http://www.w3.org/XML/1998/namespace"/>
-    <ds:schemaRef ds:uri="71af3243-3dd4-4a8d-8c0d-dd76da1f02a5"/>
-    <ds:schemaRef ds:uri="http://schemas.microsoft.com/office/2006/metadata/properties"/>
-    <ds:schemaRef ds:uri="http://purl.org/dc/terms/"/>
-  </ds:schemaRefs>
-</ds:datastoreItem>
+<file path=customXml/item3.xml><?xml version="1.0" encoding="utf-8"?>
+<p:properties xmlns:p="http://schemas.microsoft.com/office/2006/metadata/properties" xmlns:xsi="http://www.w3.org/2001/XMLSchema-instance" xmlns:pc="http://schemas.microsoft.com/office/infopath/2007/PartnerControls">
+  <documentManagement>
+    <Status xmlns="71af3243-3dd4-4a8d-8c0d-dd76da1f02a5">Not started</Status>
+    <MediaServiceKeyPoints xmlns="71af3243-3dd4-4a8d-8c0d-dd76da1f02a5" xsi:nil="true"/>
+  </documentManagement>
+</p:properties>
 </file>
 
-<file path=customXml/itemProps3.xml><?xml version="1.0" encoding="utf-8"?>
+<file path=customXml/itemProps1.xml><?xml version="1.0" encoding="utf-8"?>
 <ds:datastoreItem xmlns:ds="http://schemas.openxmlformats.org/officeDocument/2006/customXml" ds:itemID="{E0A43D08-F4F9-4D95-9CB2-7DE374416074}">
   <ds:schemaRefs>
     <ds:schemaRef ds:uri="http://schemas.microsoft.com/office/2006/metadata/contentType"/>
@@ -15782,4 +15769,29 @@
     <ds:schemaRef ds:uri="http://schemas.microsoft.com/internal/obd"/>
   </ds:schemaRefs>
 </ds:datastoreItem>
+</file>
+
+<file path=customXml/itemProps2.xml><?xml version="1.0" encoding="utf-8"?>
+<ds:datastoreItem xmlns:ds="http://schemas.openxmlformats.org/officeDocument/2006/customXml" ds:itemID="{5029FA76-0C86-4BF1-99F1-A3115FBFFAB0}">
+  <ds:schemaRefs>
+    <ds:schemaRef ds:uri="http://schemas.microsoft.com/sharepoint/v3/contenttype/forms"/>
+  </ds:schemaRefs>
+</ds:datastoreItem>
+</file>
+
+<file path=customXml/itemProps3.xml><?xml version="1.0" encoding="utf-8"?>
+<ds:datastoreItem xmlns:ds="http://schemas.openxmlformats.org/officeDocument/2006/customXml" ds:itemID="{44FAF7B5-E40C-46BE-9C83-DA251FCAE61E}">
+  <ds:schemaRefs>
+    <ds:schemaRef ds:uri="http://purl.org/dc/dcmitype/"/>
+    <ds:schemaRef ds:uri="http://schemas.openxmlformats.org/package/2006/metadata/core-properties"/>
+    <ds:schemaRef ds:uri="http://purl.org/dc/elements/1.1/"/>
+    <ds:schemaRef ds:uri="http://schemas.microsoft.com/office/2006/documentManagement/types"/>
+    <ds:schemaRef ds:uri="71af3243-3dd4-4a8d-8c0d-dd76da1f02a5"/>
+    <ds:schemaRef ds:uri="http://purl.org/dc/terms/"/>
+    <ds:schemaRef ds:uri="http://www.w3.org/XML/1998/namespace"/>
+    <ds:schemaRef ds:uri="http://schemas.microsoft.com/office/2006/metadata/properties"/>
+    <ds:schemaRef ds:uri="http://schemas.microsoft.com/office/infopath/2007/PartnerControls"/>
+    <ds:schemaRef ds:uri="16c05727-aa75-4e4a-9b5f-8a80a1165891"/>
+  </ds:schemaRefs>
+</ds:datastoreItem>
 </file>
--- a/Data Analysis/DATA SCIENTIST SALARY.pptx
+++ b/Data Analysis/DATA SCIENTIST SALARY.pptx
@@ -5,7 +5,7 @@
     <p:sldMasterId id="2147483685" r:id="rId4"/>
   </p:sldMasterIdLst>
   <p:notesMasterIdLst>
-    <p:notesMasterId r:id="rId58"/>
+    <p:notesMasterId r:id="rId63"/>
   </p:notesMasterIdLst>
   <p:sldIdLst>
     <p:sldId id="390" r:id="rId5"/>
@@ -21,46 +21,51 @@
     <p:sldId id="396" r:id="rId15"/>
     <p:sldId id="397" r:id="rId16"/>
     <p:sldId id="398" r:id="rId17"/>
-    <p:sldId id="399" r:id="rId18"/>
-    <p:sldId id="404" r:id="rId19"/>
-    <p:sldId id="400" r:id="rId20"/>
-    <p:sldId id="405" r:id="rId21"/>
-    <p:sldId id="401" r:id="rId22"/>
-    <p:sldId id="406" r:id="rId23"/>
-    <p:sldId id="402" r:id="rId24"/>
-    <p:sldId id="387" r:id="rId25"/>
-    <p:sldId id="408" r:id="rId26"/>
-    <p:sldId id="409" r:id="rId27"/>
-    <p:sldId id="410" r:id="rId28"/>
-    <p:sldId id="407" r:id="rId29"/>
-    <p:sldId id="351" r:id="rId30"/>
-    <p:sldId id="379" r:id="rId31"/>
-    <p:sldId id="352" r:id="rId32"/>
-    <p:sldId id="353" r:id="rId33"/>
-    <p:sldId id="354" r:id="rId34"/>
-    <p:sldId id="355" r:id="rId35"/>
-    <p:sldId id="356" r:id="rId36"/>
-    <p:sldId id="357" r:id="rId37"/>
-    <p:sldId id="358" r:id="rId38"/>
-    <p:sldId id="359" r:id="rId39"/>
-    <p:sldId id="360" r:id="rId40"/>
-    <p:sldId id="361" r:id="rId41"/>
-    <p:sldId id="362" r:id="rId42"/>
-    <p:sldId id="363" r:id="rId43"/>
-    <p:sldId id="364" r:id="rId44"/>
-    <p:sldId id="365" r:id="rId45"/>
-    <p:sldId id="366" r:id="rId46"/>
-    <p:sldId id="368" r:id="rId47"/>
-    <p:sldId id="369" r:id="rId48"/>
-    <p:sldId id="367" r:id="rId49"/>
-    <p:sldId id="370" r:id="rId50"/>
-    <p:sldId id="371" r:id="rId51"/>
-    <p:sldId id="372" r:id="rId52"/>
-    <p:sldId id="373" r:id="rId53"/>
-    <p:sldId id="374" r:id="rId54"/>
-    <p:sldId id="380" r:id="rId55"/>
-    <p:sldId id="375" r:id="rId56"/>
-    <p:sldId id="376" r:id="rId57"/>
+    <p:sldId id="416" r:id="rId18"/>
+    <p:sldId id="399" r:id="rId19"/>
+    <p:sldId id="404" r:id="rId20"/>
+    <p:sldId id="417" r:id="rId21"/>
+    <p:sldId id="400" r:id="rId22"/>
+    <p:sldId id="405" r:id="rId23"/>
+    <p:sldId id="401" r:id="rId24"/>
+    <p:sldId id="406" r:id="rId25"/>
+    <p:sldId id="402" r:id="rId26"/>
+    <p:sldId id="387" r:id="rId27"/>
+    <p:sldId id="408" r:id="rId28"/>
+    <p:sldId id="409" r:id="rId29"/>
+    <p:sldId id="410" r:id="rId30"/>
+    <p:sldId id="407" r:id="rId31"/>
+    <p:sldId id="351" r:id="rId32"/>
+    <p:sldId id="379" r:id="rId33"/>
+    <p:sldId id="352" r:id="rId34"/>
+    <p:sldId id="353" r:id="rId35"/>
+    <p:sldId id="354" r:id="rId36"/>
+    <p:sldId id="414" r:id="rId37"/>
+    <p:sldId id="355" r:id="rId38"/>
+    <p:sldId id="356" r:id="rId39"/>
+    <p:sldId id="415" r:id="rId40"/>
+    <p:sldId id="357" r:id="rId41"/>
+    <p:sldId id="358" r:id="rId42"/>
+    <p:sldId id="359" r:id="rId43"/>
+    <p:sldId id="360" r:id="rId44"/>
+    <p:sldId id="361" r:id="rId45"/>
+    <p:sldId id="362" r:id="rId46"/>
+    <p:sldId id="363" r:id="rId47"/>
+    <p:sldId id="364" r:id="rId48"/>
+    <p:sldId id="412" r:id="rId49"/>
+    <p:sldId id="365" r:id="rId50"/>
+    <p:sldId id="366" r:id="rId51"/>
+    <p:sldId id="368" r:id="rId52"/>
+    <p:sldId id="369" r:id="rId53"/>
+    <p:sldId id="367" r:id="rId54"/>
+    <p:sldId id="370" r:id="rId55"/>
+    <p:sldId id="371" r:id="rId56"/>
+    <p:sldId id="372" r:id="rId57"/>
+    <p:sldId id="373" r:id="rId58"/>
+    <p:sldId id="374" r:id="rId59"/>
+    <p:sldId id="380" r:id="rId60"/>
+    <p:sldId id="375" r:id="rId61"/>
+    <p:sldId id="376" r:id="rId62"/>
   </p:sldIdLst>
   <p:sldSz cx="12192000" cy="6858000"/>
   <p:notesSz cx="6858000" cy="9144000"/>
@@ -216,7 +221,7 @@
             </a:lvl1pPr>
           </a:lstStyle>
           <a:p>
-            <a:endParaRPr lang="en-ZA"/>
+            <a:endParaRPr lang="en-ZA" dirty="0"/>
           </a:p>
         </p:txBody>
       </p:sp>
@@ -249,9 +254,9 @@
           <a:p>
             <a:fld id="{B5E1A4F0-2AB2-4320-8E3D-1AF99F1B2BFC}" type="datetimeFigureOut">
               <a:rPr lang="en-ZA" smtClean="0"/>
-              <a:t>2023/08/17</a:t>
+              <a:t>2023/08/28</a:t>
             </a:fld>
-            <a:endParaRPr lang="en-ZA"/>
+            <a:endParaRPr lang="en-ZA" dirty="0"/>
           </a:p>
         </p:txBody>
       </p:sp>
@@ -284,7 +289,7 @@
           <a:bodyPr vert="horz" lIns="91440" tIns="45720" rIns="91440" bIns="45720" rtlCol="0" anchor="ctr"/>
           <a:lstStyle/>
           <a:p>
-            <a:endParaRPr lang="en-ZA"/>
+            <a:endParaRPr lang="en-ZA" dirty="0"/>
           </a:p>
         </p:txBody>
       </p:sp>
@@ -375,7 +380,7 @@
             </a:lvl1pPr>
           </a:lstStyle>
           <a:p>
-            <a:endParaRPr lang="en-ZA"/>
+            <a:endParaRPr lang="en-ZA" dirty="0"/>
           </a:p>
         </p:txBody>
       </p:sp>
@@ -410,7 +415,7 @@
               <a:rPr lang="en-ZA" smtClean="0"/>
               <a:t>‹#›</a:t>
             </a:fld>
-            <a:endParaRPr lang="en-ZA"/>
+            <a:endParaRPr lang="en-ZA" dirty="0"/>
           </a:p>
         </p:txBody>
       </p:sp>
@@ -609,7 +614,7 @@
               </a:spcAft>
               <a:buNone/>
             </a:pPr>
-            <a:endParaRPr/>
+            <a:endParaRPr dirty="0"/>
           </a:p>
         </p:txBody>
       </p:sp>
@@ -718,7 +723,7 @@
               </a:spcAft>
               <a:buNone/>
             </a:pPr>
-            <a:endParaRPr/>
+            <a:endParaRPr dirty="0"/>
           </a:p>
         </p:txBody>
       </p:sp>
@@ -1002,7 +1007,7 @@
           <a:p>
             <a:fld id="{9184DA70-C731-4C70-880D-CCD4705E623C}" type="datetime1">
               <a:rPr lang="en-US" noProof="0" smtClean="0"/>
-              <a:t>8/17/2023</a:t>
+              <a:t>8/28/2023</a:t>
             </a:fld>
             <a:endParaRPr lang="en-US" noProof="0" dirty="0"/>
           </a:p>
@@ -1123,7 +1128,7 @@
           <a:p>
             <a:fld id="{39667345-2558-425A-8533-9BFDBCE15005}" type="datetime1">
               <a:rPr lang="en-US" noProof="0" smtClean="0"/>
-              <a:t>8/17/2023</a:t>
+              <a:t>8/28/2023</a:t>
             </a:fld>
             <a:endParaRPr lang="en-US" noProof="0" dirty="0"/>
           </a:p>
@@ -1512,7 +1517,7 @@
           <a:p>
             <a:fld id="{39667345-2558-425A-8533-9BFDBCE15005}" type="datetime1">
               <a:rPr lang="en-US" noProof="0" smtClean="0"/>
-              <a:t>8/17/2023</a:t>
+              <a:t>8/28/2023</a:t>
             </a:fld>
             <a:endParaRPr lang="en-US" noProof="0" dirty="0"/>
           </a:p>
@@ -2204,7 +2209,7 @@
           </a:lstStyle>
           <a:p>
             <a:r>
-              <a:rPr lang="en-US" noProof="0" smtClean="0"/>
+              <a:rPr lang="en-US" noProof="0" dirty="0" smtClean="0"/>
               <a:t>Click icon to add picture</a:t>
             </a:r>
             <a:endParaRPr lang="en-US" noProof="0" dirty="0"/>
@@ -2350,7 +2355,7 @@
           <a:p>
             <a:fld id="{4907D986-8816-4272-A432-0437A28A9828}" type="datetime1">
               <a:rPr lang="en-US" noProof="0" smtClean="0"/>
-              <a:t>8/17/2023</a:t>
+              <a:t>8/28/2023</a:t>
             </a:fld>
             <a:endParaRPr lang="en-US" noProof="0" dirty="0"/>
           </a:p>
@@ -2489,7 +2494,7 @@
                 </a:spcAft>
                 <a:buNone/>
               </a:pPr>
-              <a:endParaRPr sz="2400"/>
+              <a:endParaRPr sz="2400" dirty="0"/>
             </a:p>
           </p:txBody>
         </p:sp>
@@ -2534,7 +2539,7 @@
                 </a:spcAft>
                 <a:buNone/>
               </a:pPr>
-              <a:endParaRPr sz="2400"/>
+              <a:endParaRPr sz="2400" dirty="0"/>
             </a:p>
           </p:txBody>
         </p:sp>
@@ -2968,7 +2973,7 @@
                   </a:spcAft>
                   <a:buNone/>
                 </a:pPr>
-                <a:endParaRPr sz="2400"/>
+                <a:endParaRPr sz="2400" dirty="0"/>
               </a:p>
             </p:txBody>
           </p:sp>
@@ -3013,7 +3018,7 @@
                   </a:spcAft>
                   <a:buNone/>
                 </a:pPr>
-                <a:endParaRPr sz="2400"/>
+                <a:endParaRPr sz="2400" dirty="0"/>
               </a:p>
             </p:txBody>
           </p:sp>
@@ -3073,7 +3078,7 @@
                   </a:spcAft>
                   <a:buNone/>
                 </a:pPr>
-                <a:endParaRPr sz="2400"/>
+                <a:endParaRPr sz="2400" dirty="0"/>
               </a:p>
             </p:txBody>
           </p:sp>
@@ -3118,7 +3123,7 @@
                   </a:spcAft>
                   <a:buNone/>
                 </a:pPr>
-                <a:endParaRPr sz="2400"/>
+                <a:endParaRPr sz="2400" dirty="0"/>
               </a:p>
             </p:txBody>
           </p:sp>
@@ -3163,7 +3168,7 @@
                   </a:spcAft>
                   <a:buNone/>
                 </a:pPr>
-                <a:endParaRPr sz="2400"/>
+                <a:endParaRPr sz="2400" dirty="0"/>
               </a:p>
             </p:txBody>
           </p:sp>
@@ -3223,7 +3228,7 @@
                   </a:spcAft>
                   <a:buNone/>
                 </a:pPr>
-                <a:endParaRPr sz="2400"/>
+                <a:endParaRPr sz="2400" dirty="0"/>
               </a:p>
             </p:txBody>
           </p:sp>
@@ -3268,7 +3273,7 @@
                   </a:spcAft>
                   <a:buNone/>
                 </a:pPr>
-                <a:endParaRPr sz="2400"/>
+                <a:endParaRPr sz="2400" dirty="0"/>
               </a:p>
             </p:txBody>
           </p:sp>
@@ -3313,7 +3318,7 @@
                   </a:spcAft>
                   <a:buNone/>
                 </a:pPr>
-                <a:endParaRPr sz="2400"/>
+                <a:endParaRPr sz="2400" dirty="0"/>
               </a:p>
             </p:txBody>
           </p:sp>
@@ -3358,7 +3363,7 @@
                   </a:spcAft>
                   <a:buNone/>
                 </a:pPr>
-                <a:endParaRPr sz="2400"/>
+                <a:endParaRPr sz="2400" dirty="0"/>
               </a:p>
             </p:txBody>
           </p:sp>
@@ -3433,7 +3438,7 @@
                   </a:spcAft>
                   <a:buNone/>
                 </a:pPr>
-                <a:endParaRPr sz="2400"/>
+                <a:endParaRPr sz="2400" dirty="0"/>
               </a:p>
             </p:txBody>
           </p:sp>
@@ -3478,7 +3483,7 @@
                   </a:spcAft>
                   <a:buNone/>
                 </a:pPr>
-                <a:endParaRPr sz="2400"/>
+                <a:endParaRPr sz="2400" dirty="0"/>
               </a:p>
             </p:txBody>
           </p:sp>
@@ -3538,7 +3543,7 @@
                   </a:spcAft>
                   <a:buNone/>
                 </a:pPr>
-                <a:endParaRPr sz="2400"/>
+                <a:endParaRPr sz="2400" dirty="0"/>
               </a:p>
             </p:txBody>
           </p:sp>
@@ -3583,7 +3588,7 @@
                   </a:spcAft>
                   <a:buNone/>
                 </a:pPr>
-                <a:endParaRPr sz="2400"/>
+                <a:endParaRPr sz="2400" dirty="0"/>
               </a:p>
             </p:txBody>
           </p:sp>
@@ -3628,7 +3633,7 @@
                   </a:spcAft>
                   <a:buNone/>
                 </a:pPr>
-                <a:endParaRPr sz="2400"/>
+                <a:endParaRPr sz="2400" dirty="0"/>
               </a:p>
             </p:txBody>
           </p:sp>
@@ -3688,7 +3693,7 @@
                   </a:spcAft>
                   <a:buNone/>
                 </a:pPr>
-                <a:endParaRPr sz="2400"/>
+                <a:endParaRPr sz="2400" dirty="0"/>
               </a:p>
             </p:txBody>
           </p:sp>
@@ -3733,7 +3738,7 @@
                   </a:spcAft>
                   <a:buNone/>
                 </a:pPr>
-                <a:endParaRPr sz="2400"/>
+                <a:endParaRPr sz="2400" dirty="0"/>
               </a:p>
             </p:txBody>
           </p:sp>
@@ -3778,7 +3783,7 @@
                   </a:spcAft>
                   <a:buNone/>
                 </a:pPr>
-                <a:endParaRPr sz="2400"/>
+                <a:endParaRPr sz="2400" dirty="0"/>
               </a:p>
             </p:txBody>
           </p:sp>
@@ -3823,7 +3828,7 @@
                   </a:spcAft>
                   <a:buNone/>
                 </a:pPr>
-                <a:endParaRPr sz="2400"/>
+                <a:endParaRPr sz="2400" dirty="0"/>
               </a:p>
             </p:txBody>
           </p:sp>
@@ -3883,7 +3888,7 @@
                   </a:spcAft>
                   <a:buNone/>
                 </a:pPr>
-                <a:endParaRPr sz="2400"/>
+                <a:endParaRPr sz="2400" dirty="0"/>
               </a:p>
             </p:txBody>
           </p:sp>
@@ -3928,7 +3933,7 @@
                   </a:spcAft>
                   <a:buNone/>
                 </a:pPr>
-                <a:endParaRPr sz="2400"/>
+                <a:endParaRPr sz="2400" dirty="0"/>
               </a:p>
             </p:txBody>
           </p:sp>
@@ -3973,7 +3978,7 @@
                   </a:spcAft>
                   <a:buNone/>
                 </a:pPr>
-                <a:endParaRPr sz="2400"/>
+                <a:endParaRPr sz="2400" dirty="0"/>
               </a:p>
             </p:txBody>
           </p:sp>
@@ -4018,7 +4023,7 @@
                   </a:spcAft>
                   <a:buNone/>
                 </a:pPr>
-                <a:endParaRPr sz="2400"/>
+                <a:endParaRPr sz="2400" dirty="0"/>
               </a:p>
             </p:txBody>
           </p:sp>
@@ -4063,7 +4068,7 @@
                   </a:spcAft>
                   <a:buNone/>
                 </a:pPr>
-                <a:endParaRPr sz="2400"/>
+                <a:endParaRPr sz="2400" dirty="0"/>
               </a:p>
             </p:txBody>
           </p:sp>
@@ -4649,7 +4654,7 @@
           <a:p>
             <a:fld id="{9184DA70-C731-4C70-880D-CCD4705E623C}" type="datetime1">
               <a:rPr lang="en-US" noProof="0" smtClean="0"/>
-              <a:t>8/17/2023</a:t>
+              <a:t>8/28/2023</a:t>
             </a:fld>
             <a:endParaRPr lang="en-US" noProof="0" dirty="0"/>
           </a:p>
@@ -4958,7 +4963,7 @@
           <a:p>
             <a:fld id="{4BE1D723-8F53-4F53-90B0-1982A396982E}" type="datetime1">
               <a:rPr lang="en-US" noProof="0" smtClean="0"/>
-              <a:t>8/17/2023</a:t>
+              <a:t>8/28/2023</a:t>
             </a:fld>
             <a:endParaRPr lang="en-US" noProof="0" dirty="0"/>
           </a:p>
@@ -5553,7 +5558,7 @@
           <a:p>
             <a:fld id="{D9DF0F1C-5577-4ACB-BB62-DF8F3C494C7E}" type="datetime1">
               <a:rPr lang="en-US" noProof="0" smtClean="0"/>
-              <a:t>8/17/2023</a:t>
+              <a:t>8/28/2023</a:t>
             </a:fld>
             <a:endParaRPr lang="en-US" noProof="0" dirty="0"/>
           </a:p>
@@ -5816,7 +5821,7 @@
           <a:p>
             <a:fld id="{1775B394-D9F9-4F0C-B15D-605F45CB9E9F}" type="datetime1">
               <a:rPr lang="en-US" noProof="0" smtClean="0"/>
-              <a:t>8/17/2023</a:t>
+              <a:t>8/28/2023</a:t>
             </a:fld>
             <a:endParaRPr lang="en-US" noProof="0" dirty="0"/>
           </a:p>
@@ -6079,7 +6084,7 @@
           <a:p>
             <a:fld id="{1775B394-D9F9-4F0C-B15D-605F45CB9E9F}" type="datetime1">
               <a:rPr lang="en-US" noProof="0" smtClean="0"/>
-              <a:t>8/17/2023</a:t>
+              <a:t>8/28/2023</a:t>
             </a:fld>
             <a:endParaRPr lang="en-US" noProof="0" dirty="0"/>
           </a:p>
@@ -6173,7 +6178,7 @@
           </a:lstStyle>
           <a:p>
             <a:r>
-              <a:rPr lang="en-US" noProof="0" smtClean="0"/>
+              <a:rPr lang="en-US" noProof="0" dirty="0" smtClean="0"/>
               <a:t>Click icon to add picture</a:t>
             </a:r>
             <a:endParaRPr lang="en-US" noProof="0" dirty="0"/>
@@ -6214,7 +6219,7 @@
           </a:lstStyle>
           <a:p>
             <a:r>
-              <a:rPr lang="en-US" noProof="0" smtClean="0"/>
+              <a:rPr lang="en-US" noProof="0" dirty="0" smtClean="0"/>
               <a:t>Click icon to add picture</a:t>
             </a:r>
             <a:endParaRPr lang="en-US" noProof="0" dirty="0"/>
@@ -6255,7 +6260,7 @@
           </a:lstStyle>
           <a:p>
             <a:r>
-              <a:rPr lang="en-US" noProof="0" smtClean="0"/>
+              <a:rPr lang="en-US" noProof="0" dirty="0" smtClean="0"/>
               <a:t>Click icon to add picture</a:t>
             </a:r>
             <a:endParaRPr lang="en-US" noProof="0" dirty="0"/>
@@ -6596,7 +6601,7 @@
           <a:p>
             <a:fld id="{39667345-2558-425A-8533-9BFDBCE15005}" type="datetime1">
               <a:rPr lang="en-US" noProof="0" smtClean="0"/>
-              <a:t>8/17/2023</a:t>
+              <a:t>8/28/2023</a:t>
             </a:fld>
             <a:endParaRPr lang="en-US" noProof="0" dirty="0"/>
           </a:p>
@@ -6717,7 +6722,7 @@
           <a:p>
             <a:fld id="{39667345-2558-425A-8533-9BFDBCE15005}" type="datetime1">
               <a:rPr lang="en-US" noProof="0" smtClean="0"/>
-              <a:t>8/17/2023</a:t>
+              <a:t>8/28/2023</a:t>
             </a:fld>
             <a:endParaRPr lang="en-US" noProof="0" dirty="0"/>
           </a:p>
@@ -6915,7 +6920,7 @@
           </a:lstStyle>
           <a:p>
             <a:r>
-              <a:rPr lang="en-US" noProof="0" smtClean="0"/>
+              <a:rPr lang="en-US" noProof="0" dirty="0" smtClean="0"/>
               <a:t>Click icon to add picture</a:t>
             </a:r>
             <a:endParaRPr lang="en-US" noProof="0" dirty="0"/>
@@ -7150,7 +7155,7 @@
           <a:p>
             <a:fld id="{39667345-2558-425A-8533-9BFDBCE15005}" type="datetime1">
               <a:rPr lang="en-US" noProof="0" smtClean="0"/>
-              <a:t>8/17/2023</a:t>
+              <a:t>8/28/2023</a:t>
             </a:fld>
             <a:endParaRPr lang="en-US" noProof="0" dirty="0"/>
           </a:p>
@@ -7694,7 +7699,7 @@
           <a:p>
             <a:fld id="{62D6E202-B606-4609-B914-27C9371A1F6D}" type="datetime1">
               <a:rPr lang="en-US" noProof="0" smtClean="0"/>
-              <a:t>8/17/2023</a:t>
+              <a:t>8/28/2023</a:t>
             </a:fld>
             <a:endParaRPr lang="en-US" noProof="0" dirty="0"/>
           </a:p>
@@ -8193,7 +8198,19 @@
           <a:p>
             <a:r>
               <a:rPr lang="en-ZA" b="1" dirty="0" smtClean="0"/>
-              <a:t>DATA ANALYSIS 2023</a:t>
+              <a:t>DATA ANALYSIS </a:t>
+            </a:r>
+            <a:r>
+              <a:rPr lang="en-ZA" b="1" dirty="0" err="1" smtClean="0"/>
+              <a:t>july</a:t>
+            </a:r>
+            <a:r>
+              <a:rPr lang="en-ZA" b="1" dirty="0" smtClean="0"/>
+              <a:t> 2023 by Emmanuel </a:t>
+            </a:r>
+            <a:r>
+              <a:rPr lang="en-ZA" b="1" dirty="0" err="1" smtClean="0"/>
+              <a:t>ngongo</a:t>
             </a:r>
             <a:endParaRPr lang="en-ZA" b="1" dirty="0"/>
           </a:p>
@@ -8306,7 +8323,7 @@
               <a:t>The most popular subject in </a:t>
             </a:r>
             <a:r>
-              <a:rPr lang="en-GB" dirty="0" err="1"/>
+              <a:rPr lang="en-GB" dirty="0"/>
               <a:t>Udemy</a:t>
             </a:r>
             <a:r>
@@ -8595,7 +8612,39 @@
             </a:pPr>
             <a:r>
               <a:rPr lang="en-ZA" dirty="0"/>
-              <a:t>By looking at the column chart for the average content duration, price and subscribers per subject we have a clear insight of the average price, content duration and also the number of subscribers, are the highest for web development.</a:t>
+              <a:t>By looking at the column chart for the average content duration, </a:t>
+            </a:r>
+            <a:r>
+              <a:rPr lang="en-ZA" dirty="0" smtClean="0"/>
+              <a:t>price, </a:t>
+            </a:r>
+            <a:r>
+              <a:rPr lang="en-ZA" dirty="0"/>
+              <a:t>and subscribers per subject we have a clear insight </a:t>
+            </a:r>
+            <a:r>
+              <a:rPr lang="en-ZA" dirty="0" smtClean="0"/>
+              <a:t>into </a:t>
+            </a:r>
+            <a:r>
+              <a:rPr lang="en-ZA" dirty="0"/>
+              <a:t>the average price, content </a:t>
+            </a:r>
+            <a:r>
+              <a:rPr lang="en-ZA" dirty="0" smtClean="0"/>
+              <a:t>duration, </a:t>
+            </a:r>
+            <a:r>
+              <a:rPr lang="en-ZA" dirty="0"/>
+              <a:t>and also the number of subscribers, </a:t>
+            </a:r>
+            <a:r>
+              <a:rPr lang="en-ZA" dirty="0" smtClean="0"/>
+              <a:t>which are </a:t>
+            </a:r>
+            <a:r>
+              <a:rPr lang="en-ZA" dirty="0"/>
+              <a:t>the highest for web development.</a:t>
             </a:r>
           </a:p>
           <a:p>
@@ -8611,7 +8660,39 @@
             </a:pPr>
             <a:r>
               <a:rPr lang="en-ZA" dirty="0"/>
-              <a:t>In the average content duration per subject the graphic design takes the second place after web development, while business finance comes at the third place and musical instrument comes last.</a:t>
+              <a:t>In the average content duration per </a:t>
+            </a:r>
+            <a:r>
+              <a:rPr lang="en-ZA" dirty="0" smtClean="0"/>
+              <a:t>subject, graphic </a:t>
+            </a:r>
+            <a:r>
+              <a:rPr lang="en-ZA" dirty="0"/>
+              <a:t>design takes </a:t>
+            </a:r>
+            <a:r>
+              <a:rPr lang="en-ZA" dirty="0" smtClean="0"/>
+              <a:t>second </a:t>
+            </a:r>
+            <a:r>
+              <a:rPr lang="en-ZA" dirty="0"/>
+              <a:t>place after web development, while business finance comes </a:t>
+            </a:r>
+            <a:r>
+              <a:rPr lang="en-ZA" dirty="0" smtClean="0"/>
+              <a:t>third and </a:t>
+            </a:r>
+            <a:r>
+              <a:rPr lang="en-ZA" dirty="0"/>
+              <a:t>musical </a:t>
+            </a:r>
+            <a:r>
+              <a:rPr lang="en-ZA" dirty="0" smtClean="0"/>
+              <a:t>instrument </a:t>
+            </a:r>
+            <a:r>
+              <a:rPr lang="en-ZA" dirty="0"/>
+              <a:t>comes last.</a:t>
             </a:r>
           </a:p>
           <a:p>
@@ -8627,7 +8708,23 @@
             </a:pPr>
             <a:r>
               <a:rPr lang="en-ZA" dirty="0"/>
-              <a:t>By observing the average of price per subject, business finance is the second with an average price of 69.08, graphic design is the third (58.77) and Musical instruments is the last (49.65).</a:t>
+              <a:t>By observing the average of price per subject, business finance is the second with an average price of 69.08, graphic design is the third (58.77</a:t>
+            </a:r>
+            <a:r>
+              <a:rPr lang="en-ZA" dirty="0" smtClean="0"/>
+              <a:t>), </a:t>
+            </a:r>
+            <a:r>
+              <a:rPr lang="en-ZA" dirty="0"/>
+              <a:t>and Musical </a:t>
+            </a:r>
+            <a:r>
+              <a:rPr lang="en-ZA" dirty="0" smtClean="0"/>
+              <a:t>instrument </a:t>
+            </a:r>
+            <a:r>
+              <a:rPr lang="en-ZA" dirty="0"/>
+              <a:t>is the last (49.65).</a:t>
             </a:r>
           </a:p>
           <a:p>
@@ -8651,7 +8748,15 @@
             </a:r>
             <a:r>
               <a:rPr lang="en-ZA" dirty="0"/>
-              <a:t>to the other subjects, while respectively graphic design has an average of </a:t>
+              <a:t>to the other subjects, while </a:t>
+            </a:r>
+            <a:r>
+              <a:rPr lang="en-ZA" dirty="0" smtClean="0"/>
+              <a:t>graphic </a:t>
+            </a:r>
+            <a:r>
+              <a:rPr lang="en-ZA" dirty="0"/>
+              <a:t>design has an average of </a:t>
             </a:r>
             <a:r>
               <a:rPr lang="en-ZA" dirty="0" smtClean="0"/>
@@ -8829,6 +8934,125 @@
       </p:grpSpPr>
       <p:sp>
         <p:nvSpPr>
+          <p:cNvPr id="3" name="Title 2"/>
+          <p:cNvSpPr>
+            <a:spLocks noGrp="1"/>
+          </p:cNvSpPr>
+          <p:nvPr>
+            <p:ph type="title"/>
+          </p:nvPr>
+        </p:nvSpPr>
+        <p:spPr/>
+        <p:txBody>
+          <a:bodyPr>
+            <a:noAutofit/>
+          </a:bodyPr>
+          <a:lstStyle/>
+          <a:p>
+            <a:r>
+              <a:rPr lang="en-GB" b="1" dirty="0"/>
+              <a:t>3. How many courses are free and paid for each subject</a:t>
+            </a:r>
+            <a:r>
+              <a:rPr lang="en-GB" b="1" dirty="0" smtClean="0"/>
+              <a:t>? </a:t>
+            </a:r>
+            <a:r>
+              <a:rPr lang="en-GB" b="1" dirty="0" smtClean="0"/>
+              <a:t>PIVOT TABLE</a:t>
+            </a:r>
+            <a:endParaRPr lang="en-ZA" b="1" dirty="0"/>
+          </a:p>
+        </p:txBody>
+      </p:sp>
+      <p:pic>
+        <p:nvPicPr>
+          <p:cNvPr id="4" name="Content Placeholder 3"/>
+          <p:cNvPicPr>
+            <a:picLocks noGrp="1" noChangeAspect="1"/>
+          </p:cNvPicPr>
+          <p:nvPr>
+            <p:ph idx="1"/>
+          </p:nvPr>
+        </p:nvPicPr>
+        <p:blipFill>
+          <a:blip r:embed="rId2">
+            <a:extLst>
+              <a:ext uri="{28A0092B-C50C-407E-A947-70E740481C1C}">
+                <a14:useLocalDpi xmlns:a14="http://schemas.microsoft.com/office/drawing/2010/main" val="0"/>
+              </a:ext>
+            </a:extLst>
+          </a:blip>
+          <a:stretch>
+            <a:fillRect/>
+          </a:stretch>
+        </p:blipFill>
+        <p:spPr>
+          <a:xfrm>
+            <a:off x="1780638" y="1894788"/>
+            <a:ext cx="8683116" cy="3525624"/>
+          </a:xfrm>
+          <a:prstGeom prst="rect">
+            <a:avLst/>
+          </a:prstGeom>
+          <a:ln w="127000" cap="rnd">
+            <a:solidFill>
+              <a:srgbClr val="FFFFFF"/>
+            </a:solidFill>
+          </a:ln>
+          <a:effectLst>
+            <a:outerShdw blurRad="76200" dist="95250" dir="10500000" sx="97000" sy="23000" kx="900000" algn="br" rotWithShape="0">
+              <a:srgbClr val="000000">
+                <a:alpha val="20000"/>
+              </a:srgbClr>
+            </a:outerShdw>
+          </a:effectLst>
+          <a:scene3d>
+            <a:camera prst="orthographicFront"/>
+            <a:lightRig rig="twoPt" dir="t">
+              <a:rot lat="0" lon="0" rev="7800000"/>
+            </a:lightRig>
+          </a:scene3d>
+          <a:sp3d contourW="6350">
+            <a:bevelT w="50800" h="16510"/>
+            <a:contourClr>
+              <a:srgbClr val="C0C0C0"/>
+            </a:contourClr>
+          </a:sp3d>
+        </p:spPr>
+      </p:pic>
+    </p:spTree>
+    <p:extLst>
+      <p:ext uri="{BB962C8B-B14F-4D97-AF65-F5344CB8AC3E}">
+        <p14:creationId xmlns:p14="http://schemas.microsoft.com/office/powerpoint/2010/main" val="181378233"/>
+      </p:ext>
+    </p:extLst>
+  </p:cSld>
+  <p:clrMapOvr>
+    <a:masterClrMapping/>
+  </p:clrMapOvr>
+</p:sld>
+</file>
+
+<file path=ppt/slides/slide15.xml><?xml version="1.0" encoding="utf-8"?>
+<p:sld xmlns:a="http://schemas.openxmlformats.org/drawingml/2006/main" xmlns:r="http://schemas.openxmlformats.org/officeDocument/2006/relationships" xmlns:p="http://schemas.openxmlformats.org/presentationml/2006/main">
+  <p:cSld>
+    <p:spTree>
+      <p:nvGrpSpPr>
+        <p:cNvPr id="1" name=""/>
+        <p:cNvGrpSpPr/>
+        <p:nvPr/>
+      </p:nvGrpSpPr>
+      <p:grpSpPr>
+        <a:xfrm>
+          <a:off x="0" y="0"/>
+          <a:ext cx="0" cy="0"/>
+          <a:chOff x="0" y="0"/>
+          <a:chExt cx="0" cy="0"/>
+        </a:xfrm>
+      </p:grpSpPr>
+      <p:sp>
+        <p:nvSpPr>
           <p:cNvPr id="2" name="Content Placeholder 1"/>
           <p:cNvSpPr>
             <a:spLocks noGrp="1"/>
@@ -8858,7 +9082,15 @@
             </a:pPr>
             <a:r>
               <a:rPr lang="en-ZA" sz="1800" dirty="0"/>
-              <a:t>Web development and business finance have more courses which are free and paid than the rest. </a:t>
+              <a:t>Web development and business finance have more courses </a:t>
+            </a:r>
+            <a:r>
+              <a:rPr lang="en-ZA" sz="1800" dirty="0" smtClean="0"/>
+              <a:t>that </a:t>
+            </a:r>
+            <a:r>
+              <a:rPr lang="en-ZA" sz="1800" dirty="0"/>
+              <a:t>are free and paid than the rest. </a:t>
             </a:r>
           </a:p>
           <a:p>
@@ -8884,7 +9116,15 @@
             </a:pPr>
             <a:r>
               <a:rPr lang="en-ZA" sz="1800" dirty="0"/>
-              <a:t>Business finance has a total 1155 courses which 96 are free and 1059 are paid courses.</a:t>
+              <a:t>Business finance has a total </a:t>
+            </a:r>
+            <a:r>
+              <a:rPr lang="en-ZA" sz="1800" dirty="0" smtClean="0"/>
+              <a:t>of 1155 </a:t>
+            </a:r>
+            <a:r>
+              <a:rPr lang="en-ZA" sz="1800" dirty="0"/>
+              <a:t>courses which 96 are free and 1059 are paid courses.</a:t>
             </a:r>
           </a:p>
           <a:p>
@@ -8910,7 +9150,15 @@
             </a:pPr>
             <a:r>
               <a:rPr lang="en-ZA" sz="1800" dirty="0"/>
-              <a:t>Musical instruments has 669 courses in total, made of 46 free courses and 623 paid courses.</a:t>
+              <a:t>Musical </a:t>
+            </a:r>
+            <a:r>
+              <a:rPr lang="en-ZA" sz="1800" dirty="0" smtClean="0"/>
+              <a:t>Instruments has </a:t>
+            </a:r>
+            <a:r>
+              <a:rPr lang="en-ZA" sz="1800" dirty="0"/>
+              <a:t>669 courses in total, made of 46 free courses and 623 paid courses.</a:t>
             </a:r>
           </a:p>
           <a:p>
@@ -8923,15 +9171,19 @@
             </a:pPr>
             <a:r>
               <a:rPr lang="en-ZA" sz="1800" dirty="0"/>
-              <a:t>Web development and business finance’s courses represent almost 60% of </a:t>
+              <a:t>Web development and business </a:t>
             </a:r>
             <a:r>
               <a:rPr lang="en-ZA" sz="1800" dirty="0" smtClean="0"/>
-              <a:t>all </a:t>
+              <a:t>finance </a:t>
+            </a:r>
+            <a:r>
+              <a:rPr lang="en-ZA" sz="1800" dirty="0"/>
+              <a:t>courses represent almost 60% of </a:t>
             </a:r>
             <a:r>
               <a:rPr lang="en-ZA" sz="1800" dirty="0" smtClean="0"/>
-              <a:t>courses </a:t>
+              <a:t>all courses </a:t>
             </a:r>
             <a:r>
               <a:rPr lang="en-ZA" sz="1800" dirty="0"/>
@@ -8975,7 +9227,7 @@
 </p:sld>
 </file>
 
-<file path=ppt/slides/slide15.xml><?xml version="1.0" encoding="utf-8"?>
+<file path=ppt/slides/slide16.xml><?xml version="1.0" encoding="utf-8"?>
 <p:sld xmlns:a="http://schemas.openxmlformats.org/drawingml/2006/main" xmlns:r="http://schemas.openxmlformats.org/officeDocument/2006/relationships" xmlns:p="http://schemas.openxmlformats.org/presentationml/2006/main">
   <p:cSld>
     <p:spTree>
@@ -9086,7 +9338,7 @@
 </p:sld>
 </file>
 
-<file path=ppt/slides/slide16.xml><?xml version="1.0" encoding="utf-8"?>
+<file path=ppt/slides/slide17.xml><?xml version="1.0" encoding="utf-8"?>
 <p:sld xmlns:a="http://schemas.openxmlformats.org/drawingml/2006/main" xmlns:r="http://schemas.openxmlformats.org/officeDocument/2006/relationships" xmlns:p="http://schemas.openxmlformats.org/presentationml/2006/main">
   <p:cSld>
     <p:spTree>
@@ -9105,6 +9357,121 @@
       </p:grpSpPr>
       <p:sp>
         <p:nvSpPr>
+          <p:cNvPr id="3" name="Title 2"/>
+          <p:cNvSpPr>
+            <a:spLocks noGrp="1"/>
+          </p:cNvSpPr>
+          <p:nvPr>
+            <p:ph type="title"/>
+          </p:nvPr>
+        </p:nvSpPr>
+        <p:spPr/>
+        <p:txBody>
+          <a:bodyPr>
+            <a:normAutofit fontScale="90000"/>
+          </a:bodyPr>
+          <a:lstStyle/>
+          <a:p>
+            <a:r>
+              <a:rPr lang="en-GB" b="1" dirty="0"/>
+              <a:t>4. What is the average price of web development courses at different levels</a:t>
+            </a:r>
+            <a:r>
+              <a:rPr lang="en-GB" b="1" dirty="0" smtClean="0"/>
+              <a:t>? PIVOT TABLE</a:t>
+            </a:r>
+            <a:endParaRPr lang="en-ZA" b="1" dirty="0"/>
+          </a:p>
+        </p:txBody>
+      </p:sp>
+      <p:pic>
+        <p:nvPicPr>
+          <p:cNvPr id="5" name="Content Placeholder 4"/>
+          <p:cNvPicPr>
+            <a:picLocks noGrp="1" noChangeAspect="1"/>
+          </p:cNvPicPr>
+          <p:nvPr>
+            <p:ph idx="1"/>
+          </p:nvPr>
+        </p:nvPicPr>
+        <p:blipFill>
+          <a:blip r:embed="rId2">
+            <a:extLst>
+              <a:ext uri="{28A0092B-C50C-407E-A947-70E740481C1C}">
+                <a14:useLocalDpi xmlns:a14="http://schemas.microsoft.com/office/drawing/2010/main" val="0"/>
+              </a:ext>
+            </a:extLst>
+          </a:blip>
+          <a:stretch>
+            <a:fillRect/>
+          </a:stretch>
+        </p:blipFill>
+        <p:spPr>
+          <a:xfrm>
+            <a:off x="1772239" y="2403835"/>
+            <a:ext cx="8333294" cy="3054284"/>
+          </a:xfrm>
+          <a:prstGeom prst="rect">
+            <a:avLst/>
+          </a:prstGeom>
+          <a:ln w="127000" cap="rnd">
+            <a:solidFill>
+              <a:srgbClr val="FFFFFF"/>
+            </a:solidFill>
+          </a:ln>
+          <a:effectLst>
+            <a:outerShdw blurRad="76200" dist="95250" dir="10500000" sx="97000" sy="23000" kx="900000" algn="br" rotWithShape="0">
+              <a:srgbClr val="000000">
+                <a:alpha val="20000"/>
+              </a:srgbClr>
+            </a:outerShdw>
+          </a:effectLst>
+          <a:scene3d>
+            <a:camera prst="orthographicFront"/>
+            <a:lightRig rig="twoPt" dir="t">
+              <a:rot lat="0" lon="0" rev="7800000"/>
+            </a:lightRig>
+          </a:scene3d>
+          <a:sp3d contourW="6350">
+            <a:bevelT w="50800" h="16510"/>
+            <a:contourClr>
+              <a:srgbClr val="C0C0C0"/>
+            </a:contourClr>
+          </a:sp3d>
+        </p:spPr>
+      </p:pic>
+    </p:spTree>
+    <p:extLst>
+      <p:ext uri="{BB962C8B-B14F-4D97-AF65-F5344CB8AC3E}">
+        <p14:creationId xmlns:p14="http://schemas.microsoft.com/office/powerpoint/2010/main" val="2926058948"/>
+      </p:ext>
+    </p:extLst>
+  </p:cSld>
+  <p:clrMapOvr>
+    <a:masterClrMapping/>
+  </p:clrMapOvr>
+</p:sld>
+</file>
+
+<file path=ppt/slides/slide18.xml><?xml version="1.0" encoding="utf-8"?>
+<p:sld xmlns:a="http://schemas.openxmlformats.org/drawingml/2006/main" xmlns:r="http://schemas.openxmlformats.org/officeDocument/2006/relationships" xmlns:p="http://schemas.openxmlformats.org/presentationml/2006/main">
+  <p:cSld>
+    <p:spTree>
+      <p:nvGrpSpPr>
+        <p:cNvPr id="1" name=""/>
+        <p:cNvGrpSpPr/>
+        <p:nvPr/>
+      </p:nvGrpSpPr>
+      <p:grpSpPr>
+        <a:xfrm>
+          <a:off x="0" y="0"/>
+          <a:ext cx="0" cy="0"/>
+          <a:chOff x="0" y="0"/>
+          <a:chExt cx="0" cy="0"/>
+        </a:xfrm>
+      </p:grpSpPr>
+      <p:sp>
+        <p:nvSpPr>
           <p:cNvPr id="2" name="Content Placeholder 1"/>
           <p:cNvSpPr>
             <a:spLocks noGrp="1"/>
@@ -9131,23 +9498,27 @@
             </a:r>
             <a:r>
               <a:rPr lang="en-ZA" dirty="0" smtClean="0"/>
-              <a:t>85.07USD </a:t>
+              <a:t>85.07 USD, </a:t>
             </a:r>
             <a:r>
               <a:rPr lang="en-ZA" dirty="0"/>
-              <a:t>, followed by the beginner level with an average price of </a:t>
+              <a:t>followed by the beginner level with an average price of </a:t>
             </a:r>
             <a:r>
               <a:rPr lang="en-ZA" dirty="0" smtClean="0"/>
-              <a:t>78.54USD, </a:t>
+              <a:t>78.54 USD</a:t>
+            </a:r>
+            <a:r>
+              <a:rPr lang="en-ZA" dirty="0" smtClean="0"/>
+              <a:t>, </a:t>
             </a:r>
             <a:r>
               <a:rPr lang="en-ZA" dirty="0"/>
-              <a:t>followed by all level and expert level with an average price of </a:t>
+              <a:t>followed by all </a:t>
             </a:r>
             <a:r>
               <a:rPr lang="en-ZA" dirty="0" smtClean="0"/>
-              <a:t>74.55USD  </a:t>
+              <a:t>levels, </a:t>
             </a:r>
             <a:r>
               <a:rPr lang="en-ZA" dirty="0"/>
@@ -9155,7 +9526,27 @@
             </a:r>
             <a:r>
               <a:rPr lang="en-ZA" dirty="0" smtClean="0"/>
-              <a:t>67.14USD.</a:t>
+              <a:t>the expert </a:t>
+            </a:r>
+            <a:r>
+              <a:rPr lang="en-ZA" dirty="0"/>
+              <a:t>level with an average price of </a:t>
+            </a:r>
+            <a:r>
+              <a:rPr lang="en-ZA" dirty="0" smtClean="0"/>
+              <a:t>74.55 USD  </a:t>
+            </a:r>
+            <a:r>
+              <a:rPr lang="en-ZA" dirty="0"/>
+              <a:t>and </a:t>
+            </a:r>
+            <a:r>
+              <a:rPr lang="en-ZA" dirty="0" smtClean="0"/>
+              <a:t>67.14 USD</a:t>
+            </a:r>
+            <a:r>
+              <a:rPr lang="en-ZA" dirty="0" smtClean="0"/>
+              <a:t>.</a:t>
             </a:r>
             <a:endParaRPr lang="en-ZA" dirty="0"/>
           </a:p>
@@ -9196,7 +9587,7 @@
 </p:sld>
 </file>
 
-<file path=ppt/slides/slide17.xml><?xml version="1.0" encoding="utf-8"?>
+<file path=ppt/slides/slide19.xml><?xml version="1.0" encoding="utf-8"?>
 <p:sld xmlns:a="http://schemas.openxmlformats.org/drawingml/2006/main" xmlns:r="http://schemas.openxmlformats.org/officeDocument/2006/relationships" xmlns:p="http://schemas.openxmlformats.org/presentationml/2006/main">
   <p:cSld>
     <p:spTree>
@@ -9313,7 +9704,7 @@
 </p:sld>
 </file>
 
-<file path=ppt/slides/slide18.xml><?xml version="1.0" encoding="utf-8"?>
+<file path=ppt/slides/slide2.xml><?xml version="1.0" encoding="utf-8"?>
 <p:sld xmlns:a="http://schemas.openxmlformats.org/drawingml/2006/main" xmlns:r="http://schemas.openxmlformats.org/officeDocument/2006/relationships" xmlns:p="http://schemas.openxmlformats.org/presentationml/2006/main">
   <p:cSld>
     <p:spTree>
@@ -9340,6 +9731,162 @@
             <p:ph idx="1"/>
           </p:nvPr>
         </p:nvSpPr>
+        <p:spPr/>
+        <p:txBody>
+          <a:bodyPr/>
+          <a:lstStyle/>
+          <a:p>
+            <a:r>
+              <a:rPr lang="en-GB" dirty="0" smtClean="0"/>
+              <a:t>I am an entry-level </a:t>
+            </a:r>
+            <a:r>
+              <a:rPr lang="en-GB" dirty="0"/>
+              <a:t>software engineer </a:t>
+            </a:r>
+            <a:r>
+              <a:rPr lang="en-GB" dirty="0" smtClean="0"/>
+              <a:t>with expertise in data capturing and interpretation, I possess a bachelor’s degree in business information technology with a </a:t>
+            </a:r>
+            <a:r>
+              <a:rPr lang="en-GB" dirty="0"/>
+              <a:t>strong educational background in computer science and experience based on projects </a:t>
+            </a:r>
+            <a:r>
+              <a:rPr lang="en-GB" dirty="0" smtClean="0"/>
+              <a:t>in </a:t>
+            </a:r>
+            <a:r>
+              <a:rPr lang="en-GB" dirty="0"/>
+              <a:t>Java, SQL, HTML, </a:t>
+            </a:r>
+            <a:r>
+              <a:rPr lang="en-GB" dirty="0" smtClean="0"/>
+              <a:t>CSS, Python, C</a:t>
+            </a:r>
+            <a:r>
+              <a:rPr lang="en-GB" dirty="0" smtClean="0"/>
+              <a:t>#, </a:t>
+            </a:r>
+            <a:r>
+              <a:rPr lang="en-GB" dirty="0"/>
+              <a:t>and JavaScript. </a:t>
+            </a:r>
+            <a:r>
+              <a:rPr lang="en-GB" dirty="0" smtClean="0"/>
+              <a:t>I am skilled </a:t>
+            </a:r>
+            <a:r>
+              <a:rPr lang="en-GB" dirty="0"/>
+              <a:t>in </a:t>
+            </a:r>
+            <a:r>
+              <a:rPr lang="en-GB" dirty="0" smtClean="0"/>
+              <a:t>problem-solving, </a:t>
+            </a:r>
+            <a:r>
+              <a:rPr lang="en-GB" dirty="0"/>
+              <a:t>critical thinking, </a:t>
+            </a:r>
+            <a:r>
+              <a:rPr lang="en-GB" dirty="0" smtClean="0"/>
+              <a:t>effective communicator in </a:t>
+            </a:r>
+            <a:r>
+              <a:rPr lang="en-GB" dirty="0"/>
+              <a:t>team </a:t>
+            </a:r>
+            <a:r>
+              <a:rPr lang="en-GB" dirty="0" smtClean="0"/>
+              <a:t>environments and I am committed </a:t>
+            </a:r>
+            <a:r>
+              <a:rPr lang="en-GB" dirty="0"/>
+              <a:t>to continuous learning and excited to work </a:t>
+            </a:r>
+            <a:r>
+              <a:rPr lang="en-GB" dirty="0" smtClean="0"/>
+              <a:t>on different projects </a:t>
+            </a:r>
+            <a:r>
+              <a:rPr lang="en-GB" dirty="0"/>
+              <a:t>to develop </a:t>
+            </a:r>
+            <a:r>
+              <a:rPr lang="en-GB" dirty="0" smtClean="0"/>
+              <a:t>my skills and be a proficient data </a:t>
+            </a:r>
+            <a:r>
+              <a:rPr lang="en-GB" dirty="0" smtClean="0"/>
+              <a:t>analyst.</a:t>
+            </a:r>
+            <a:endParaRPr lang="en-ZA" dirty="0"/>
+          </a:p>
+        </p:txBody>
+      </p:sp>
+      <p:sp>
+        <p:nvSpPr>
+          <p:cNvPr id="3" name="Title 2"/>
+          <p:cNvSpPr>
+            <a:spLocks noGrp="1"/>
+          </p:cNvSpPr>
+          <p:nvPr>
+            <p:ph type="title"/>
+          </p:nvPr>
+        </p:nvSpPr>
+        <p:spPr/>
+        <p:txBody>
+          <a:bodyPr/>
+          <a:lstStyle/>
+          <a:p>
+            <a:r>
+              <a:rPr lang="en-ZA" b="1" dirty="0" smtClean="0"/>
+              <a:t>PROFESSIONAL BACKGROUND</a:t>
+            </a:r>
+            <a:endParaRPr lang="en-ZA" b="1" dirty="0"/>
+          </a:p>
+        </p:txBody>
+      </p:sp>
+    </p:spTree>
+    <p:extLst>
+      <p:ext uri="{BB962C8B-B14F-4D97-AF65-F5344CB8AC3E}">
+        <p14:creationId xmlns:p14="http://schemas.microsoft.com/office/powerpoint/2010/main" val="174962624"/>
+      </p:ext>
+    </p:extLst>
+  </p:cSld>
+  <p:clrMapOvr>
+    <a:masterClrMapping/>
+  </p:clrMapOvr>
+</p:sld>
+</file>
+
+<file path=ppt/slides/slide20.xml><?xml version="1.0" encoding="utf-8"?>
+<p:sld xmlns:a="http://schemas.openxmlformats.org/drawingml/2006/main" xmlns:r="http://schemas.openxmlformats.org/officeDocument/2006/relationships" xmlns:p="http://schemas.openxmlformats.org/presentationml/2006/main">
+  <p:cSld>
+    <p:spTree>
+      <p:nvGrpSpPr>
+        <p:cNvPr id="1" name=""/>
+        <p:cNvGrpSpPr/>
+        <p:nvPr/>
+      </p:nvGrpSpPr>
+      <p:grpSpPr>
+        <a:xfrm>
+          <a:off x="0" y="0"/>
+          <a:ext cx="0" cy="0"/>
+          <a:chOff x="0" y="0"/>
+          <a:chExt cx="0" cy="0"/>
+        </a:xfrm>
+      </p:grpSpPr>
+      <p:sp>
+        <p:nvSpPr>
+          <p:cNvPr id="2" name="Content Placeholder 1"/>
+          <p:cNvSpPr>
+            <a:spLocks noGrp="1"/>
+          </p:cNvSpPr>
+          <p:nvPr>
+            <p:ph idx="1"/>
+          </p:nvPr>
+        </p:nvSpPr>
         <p:spPr>
           <a:xfrm>
             <a:off x="1097280" y="1759409"/>
@@ -9365,16 +9912,20 @@
               <a:t>According </a:t>
             </a:r>
             <a:r>
+              <a:rPr lang="en-ZA" dirty="0" smtClean="0"/>
+              <a:t>to the chart, </a:t>
+            </a:r>
+            <a:r>
               <a:rPr lang="en-ZA" dirty="0"/>
-              <a:t>to </a:t>
+              <a:t>we can notice that the course </a:t>
             </a:r>
             <a:r>
               <a:rPr lang="en-ZA" dirty="0" smtClean="0"/>
-              <a:t>chart </a:t>
+              <a:t>titled </a:t>
             </a:r>
             <a:r>
               <a:rPr lang="en-ZA" dirty="0"/>
-              <a:t>we can notice that the course title “Learn HTML5 programming from scratch” is the most popular based on the number </a:t>
+              <a:t>“Learn HTML5 programming from scratch” is the most popular based on the number </a:t>
             </a:r>
             <a:r>
               <a:rPr lang="en-ZA" dirty="0" smtClean="0"/>
@@ -9446,7 +9997,7 @@
 </p:sld>
 </file>
 
-<file path=ppt/slides/slide19.xml><?xml version="1.0" encoding="utf-8"?>
+<file path=ppt/slides/slide21.xml><?xml version="1.0" encoding="utf-8"?>
 <p:sld xmlns:a="http://schemas.openxmlformats.org/drawingml/2006/main" xmlns:r="http://schemas.openxmlformats.org/officeDocument/2006/relationships" xmlns:p="http://schemas.openxmlformats.org/presentationml/2006/main">
   <p:cSld>
     <p:spTree>
@@ -9557,353 +10108,6 @@
 </p:sld>
 </file>
 
-<file path=ppt/slides/slide2.xml><?xml version="1.0" encoding="utf-8"?>
-<p:sld xmlns:a="http://schemas.openxmlformats.org/drawingml/2006/main" xmlns:r="http://schemas.openxmlformats.org/officeDocument/2006/relationships" xmlns:p="http://schemas.openxmlformats.org/presentationml/2006/main">
-  <p:cSld>
-    <p:spTree>
-      <p:nvGrpSpPr>
-        <p:cNvPr id="1" name=""/>
-        <p:cNvGrpSpPr/>
-        <p:nvPr/>
-      </p:nvGrpSpPr>
-      <p:grpSpPr>
-        <a:xfrm>
-          <a:off x="0" y="0"/>
-          <a:ext cx="0" cy="0"/>
-          <a:chOff x="0" y="0"/>
-          <a:chExt cx="0" cy="0"/>
-        </a:xfrm>
-      </p:grpSpPr>
-      <p:sp>
-        <p:nvSpPr>
-          <p:cNvPr id="2" name="Content Placeholder 1"/>
-          <p:cNvSpPr>
-            <a:spLocks noGrp="1"/>
-          </p:cNvSpPr>
-          <p:nvPr>
-            <p:ph idx="1"/>
-          </p:nvPr>
-        </p:nvSpPr>
-        <p:spPr/>
-        <p:txBody>
-          <a:bodyPr/>
-          <a:lstStyle/>
-          <a:p>
-            <a:r>
-              <a:rPr lang="en-GB" dirty="0" smtClean="0"/>
-              <a:t>I am an entry-level </a:t>
-            </a:r>
-            <a:r>
-              <a:rPr lang="en-GB" dirty="0"/>
-              <a:t>software engineer </a:t>
-            </a:r>
-            <a:r>
-              <a:rPr lang="en-GB" dirty="0" smtClean="0"/>
-              <a:t>with expertise in data capturing and interpretation, I possess a bachelor’s degree in business information technology with a </a:t>
-            </a:r>
-            <a:r>
-              <a:rPr lang="en-GB" dirty="0"/>
-              <a:t>strong educational background in computer science and experience based on projects </a:t>
-            </a:r>
-            <a:r>
-              <a:rPr lang="en-GB" dirty="0" smtClean="0"/>
-              <a:t>in </a:t>
-            </a:r>
-            <a:r>
-              <a:rPr lang="en-GB" dirty="0"/>
-              <a:t>Java, SQL, HTML, </a:t>
-            </a:r>
-            <a:r>
-              <a:rPr lang="en-GB" dirty="0" smtClean="0"/>
-              <a:t>CSS, Python, C# </a:t>
-            </a:r>
-            <a:r>
-              <a:rPr lang="en-GB" dirty="0"/>
-              <a:t>and JavaScript. </a:t>
-            </a:r>
-            <a:r>
-              <a:rPr lang="en-GB" dirty="0" smtClean="0"/>
-              <a:t>I am skilled </a:t>
-            </a:r>
-            <a:r>
-              <a:rPr lang="en-GB" dirty="0"/>
-              <a:t>in problem solving, critical thinking, </a:t>
-            </a:r>
-            <a:r>
-              <a:rPr lang="en-GB" dirty="0" smtClean="0"/>
-              <a:t>effective communicator in </a:t>
-            </a:r>
-            <a:r>
-              <a:rPr lang="en-GB" dirty="0"/>
-              <a:t>team </a:t>
-            </a:r>
-            <a:r>
-              <a:rPr lang="en-GB" dirty="0" smtClean="0"/>
-              <a:t>environments and I am committed </a:t>
-            </a:r>
-            <a:r>
-              <a:rPr lang="en-GB" dirty="0"/>
-              <a:t>to continuous learning and excited to work </a:t>
-            </a:r>
-            <a:r>
-              <a:rPr lang="en-GB" dirty="0" smtClean="0"/>
-              <a:t>on different projects </a:t>
-            </a:r>
-            <a:r>
-              <a:rPr lang="en-GB" dirty="0"/>
-              <a:t>to develop </a:t>
-            </a:r>
-            <a:r>
-              <a:rPr lang="en-GB" dirty="0" smtClean="0"/>
-              <a:t>my skills and be a proficient data analysist.</a:t>
-            </a:r>
-            <a:endParaRPr lang="en-ZA" dirty="0"/>
-          </a:p>
-        </p:txBody>
-      </p:sp>
-      <p:sp>
-        <p:nvSpPr>
-          <p:cNvPr id="3" name="Title 2"/>
-          <p:cNvSpPr>
-            <a:spLocks noGrp="1"/>
-          </p:cNvSpPr>
-          <p:nvPr>
-            <p:ph type="title"/>
-          </p:nvPr>
-        </p:nvSpPr>
-        <p:spPr/>
-        <p:txBody>
-          <a:bodyPr/>
-          <a:lstStyle/>
-          <a:p>
-            <a:r>
-              <a:rPr lang="en-ZA" b="1" dirty="0" smtClean="0"/>
-              <a:t>PROFESSIONAL BACKGROUND</a:t>
-            </a:r>
-            <a:endParaRPr lang="en-ZA" b="1" dirty="0"/>
-          </a:p>
-        </p:txBody>
-      </p:sp>
-    </p:spTree>
-    <p:extLst>
-      <p:ext uri="{BB962C8B-B14F-4D97-AF65-F5344CB8AC3E}">
-        <p14:creationId xmlns:p14="http://schemas.microsoft.com/office/powerpoint/2010/main" val="174962624"/>
-      </p:ext>
-    </p:extLst>
-  </p:cSld>
-  <p:clrMapOvr>
-    <a:masterClrMapping/>
-  </p:clrMapOvr>
-</p:sld>
-</file>
-
-<file path=ppt/slides/slide20.xml><?xml version="1.0" encoding="utf-8"?>
-<p:sld xmlns:a="http://schemas.openxmlformats.org/drawingml/2006/main" xmlns:r="http://schemas.openxmlformats.org/officeDocument/2006/relationships" xmlns:p="http://schemas.openxmlformats.org/presentationml/2006/main">
-  <p:cSld>
-    <p:spTree>
-      <p:nvGrpSpPr>
-        <p:cNvPr id="1" name=""/>
-        <p:cNvGrpSpPr/>
-        <p:nvPr/>
-      </p:nvGrpSpPr>
-      <p:grpSpPr>
-        <a:xfrm>
-          <a:off x="0" y="0"/>
-          <a:ext cx="0" cy="0"/>
-          <a:chOff x="0" y="0"/>
-          <a:chExt cx="0" cy="0"/>
-        </a:xfrm>
-      </p:grpSpPr>
-      <p:sp>
-        <p:nvSpPr>
-          <p:cNvPr id="2" name="Content Placeholder 1"/>
-          <p:cNvSpPr>
-            <a:spLocks noGrp="1"/>
-          </p:cNvSpPr>
-          <p:nvPr>
-            <p:ph idx="1"/>
-          </p:nvPr>
-        </p:nvSpPr>
-        <p:spPr>
-          <a:xfrm>
-            <a:off x="1097280" y="1706253"/>
-            <a:ext cx="10058400" cy="4162840"/>
-          </a:xfrm>
-        </p:spPr>
-        <p:txBody>
-          <a:bodyPr/>
-          <a:lstStyle/>
-          <a:p>
-            <a:pPr>
-              <a:lnSpc>
-                <a:spcPct val="150000"/>
-              </a:lnSpc>
-              <a:buClr>
-                <a:schemeClr val="tx2"/>
-              </a:buClr>
-              <a:buFont typeface="Wingdings" panose="05000000000000000000" pitchFamily="2" charset="2"/>
-              <a:buChar char="Ø"/>
-            </a:pPr>
-            <a:r>
-              <a:rPr lang="en-ZA" dirty="0" smtClean="0"/>
-              <a:t>According to the </a:t>
-            </a:r>
-            <a:r>
-              <a:rPr lang="en-ZA" dirty="0"/>
-              <a:t>graph we can notice that most of the courses have a content duration of 20 hours or less, and a few courses have more than 40 hours of content duration.</a:t>
-            </a:r>
-          </a:p>
-          <a:p>
-            <a:pPr>
-              <a:lnSpc>
-                <a:spcPct val="150000"/>
-              </a:lnSpc>
-              <a:buClr>
-                <a:schemeClr val="tx2"/>
-              </a:buClr>
-              <a:buFont typeface="Wingdings" panose="05000000000000000000" pitchFamily="2" charset="2"/>
-              <a:buChar char="Ø"/>
-            </a:pPr>
-            <a:r>
-              <a:rPr lang="en-ZA" dirty="0"/>
-              <a:t>The content duration is not affected by the price because we notice there is a course  that has a length of </a:t>
-            </a:r>
-            <a:r>
-              <a:rPr lang="en-ZA" dirty="0" smtClean="0"/>
-              <a:t>76.50 hours </a:t>
-            </a:r>
-            <a:r>
-              <a:rPr lang="en-ZA" dirty="0"/>
-              <a:t>and its price is </a:t>
-            </a:r>
-            <a:r>
-              <a:rPr lang="en-ZA" dirty="0" smtClean="0"/>
-              <a:t>200USD </a:t>
-            </a:r>
-            <a:r>
-              <a:rPr lang="en-ZA" dirty="0"/>
-              <a:t>at the same time there is also a course that has a length of </a:t>
-            </a:r>
-            <a:r>
-              <a:rPr lang="en-ZA" dirty="0" smtClean="0"/>
-              <a:t>78.50 hours </a:t>
-            </a:r>
-            <a:r>
-              <a:rPr lang="en-ZA" dirty="0"/>
-              <a:t>and its price is </a:t>
-            </a:r>
-            <a:r>
-              <a:rPr lang="en-ZA" dirty="0" smtClean="0"/>
-              <a:t>50USD, </a:t>
-            </a:r>
-            <a:r>
-              <a:rPr lang="en-ZA" dirty="0"/>
-              <a:t>from these facts we can deduct that the price is not affected by the length of content duration. </a:t>
-            </a:r>
-          </a:p>
-        </p:txBody>
-      </p:sp>
-      <p:sp>
-        <p:nvSpPr>
-          <p:cNvPr id="3" name="Title 2"/>
-          <p:cNvSpPr>
-            <a:spLocks noGrp="1"/>
-          </p:cNvSpPr>
-          <p:nvPr>
-            <p:ph type="title"/>
-          </p:nvPr>
-        </p:nvSpPr>
-        <p:spPr/>
-        <p:txBody>
-          <a:bodyPr/>
-          <a:lstStyle/>
-          <a:p>
-            <a:r>
-              <a:rPr lang="en-ZA" b="1" dirty="0"/>
-              <a:t>BRIEF SUMMARY</a:t>
-            </a:r>
-          </a:p>
-        </p:txBody>
-      </p:sp>
-    </p:spTree>
-    <p:extLst>
-      <p:ext uri="{BB962C8B-B14F-4D97-AF65-F5344CB8AC3E}">
-        <p14:creationId xmlns:p14="http://schemas.microsoft.com/office/powerpoint/2010/main" val="409036480"/>
-      </p:ext>
-    </p:extLst>
-  </p:cSld>
-  <p:clrMapOvr>
-    <a:masterClrMapping/>
-  </p:clrMapOvr>
-</p:sld>
-</file>
-
-<file path=ppt/slides/slide21.xml><?xml version="1.0" encoding="utf-8"?>
-<p:sld xmlns:a="http://schemas.openxmlformats.org/drawingml/2006/main" xmlns:r="http://schemas.openxmlformats.org/officeDocument/2006/relationships" xmlns:p="http://schemas.openxmlformats.org/presentationml/2006/main">
-  <p:cSld>
-    <p:spTree>
-      <p:nvGrpSpPr>
-        <p:cNvPr id="1" name=""/>
-        <p:cNvGrpSpPr/>
-        <p:nvPr/>
-      </p:nvGrpSpPr>
-      <p:grpSpPr>
-        <a:xfrm>
-          <a:off x="0" y="0"/>
-          <a:ext cx="0" cy="0"/>
-          <a:chOff x="0" y="0"/>
-          <a:chExt cx="0" cy="0"/>
-        </a:xfrm>
-      </p:grpSpPr>
-      <p:sp>
-        <p:nvSpPr>
-          <p:cNvPr id="4" name="Title 3">
-            <a:extLst>
-              <a:ext uri="{FF2B5EF4-FFF2-40B4-BE49-F238E27FC236}">
-                <a16:creationId xmlns:a16="http://schemas.microsoft.com/office/drawing/2014/main" id="{5B7AEFB0-51F2-5449-996C-73382891D2F9}"/>
-              </a:ext>
-            </a:extLst>
-          </p:cNvPr>
-          <p:cNvSpPr>
-            <a:spLocks noGrp="1"/>
-          </p:cNvSpPr>
-          <p:nvPr>
-            <p:ph type="ctrTitle"/>
-          </p:nvPr>
-        </p:nvSpPr>
-        <p:spPr>
-          <a:xfrm>
-            <a:off x="3930977" y="2799761"/>
-            <a:ext cx="4047869" cy="1233119"/>
-          </a:xfrm>
-        </p:spPr>
-        <p:txBody>
-          <a:bodyPr>
-            <a:normAutofit/>
-          </a:bodyPr>
-          <a:lstStyle/>
-          <a:p>
-            <a:pPr algn="ctr"/>
-            <a:r>
-              <a:rPr lang="en-US" sz="6000" b="1" cap="none" dirty="0"/>
-              <a:t>Summary </a:t>
-            </a:r>
-          </a:p>
-        </p:txBody>
-      </p:sp>
-    </p:spTree>
-    <p:extLst>
-      <p:ext uri="{BB962C8B-B14F-4D97-AF65-F5344CB8AC3E}">
-        <p14:creationId xmlns:p14="http://schemas.microsoft.com/office/powerpoint/2010/main" val="1532157603"/>
-      </p:ext>
-    </p:extLst>
-  </p:cSld>
-  <p:clrMapOvr>
-    <a:masterClrMapping/>
-  </p:clrMapOvr>
-</p:sld>
-</file>
-
 <file path=ppt/slides/slide22.xml><?xml version="1.0" encoding="utf-8"?>
 <p:sld xmlns:a="http://schemas.openxmlformats.org/drawingml/2006/main" xmlns:r="http://schemas.openxmlformats.org/officeDocument/2006/relationships" xmlns:p="http://schemas.openxmlformats.org/presentationml/2006/main">
   <p:cSld>
@@ -9933,404 +10137,92 @@
         </p:nvSpPr>
         <p:spPr>
           <a:xfrm>
-            <a:off x="1097280" y="1881958"/>
-            <a:ext cx="10058400" cy="3760891"/>
+            <a:off x="1097280" y="1706253"/>
+            <a:ext cx="10058400" cy="4162840"/>
           </a:xfrm>
         </p:spPr>
         <p:txBody>
-          <a:bodyPr>
-            <a:normAutofit fontScale="85000" lnSpcReduction="10000"/>
-          </a:bodyPr>
+          <a:bodyPr/>
           <a:lstStyle/>
           <a:p>
-            <a:pPr marL="457200" lvl="0" indent="-317182">
+            <a:pPr>
               <a:lnSpc>
-                <a:spcPct val="115000"/>
+                <a:spcPct val="150000"/>
               </a:lnSpc>
-              <a:spcAft>
-                <a:spcPts val="0"/>
-              </a:spcAft>
               <a:buClr>
-                <a:srgbClr val="000000"/>
+                <a:schemeClr val="tx2"/>
               </a:buClr>
-              <a:buSzPct val="93864"/>
-              <a:buFont typeface="Roboto Light"/>
-              <a:buChar char="●"/>
+              <a:buFont typeface="Wingdings" panose="05000000000000000000" pitchFamily="2" charset="2"/>
+              <a:buChar char="Ø"/>
             </a:pPr>
             <a:r>
-              <a:rPr lang="en-GB" sz="1917" b="1" i="1" dirty="0">
-                <a:solidFill>
-                  <a:srgbClr val="000000"/>
-                </a:solidFill>
-                <a:ea typeface="Roboto"/>
-                <a:cs typeface="Roboto"/>
-                <a:sym typeface="Roboto"/>
-              </a:rPr>
-              <a:t>Top 5 </a:t>
-            </a:r>
-            <a:r>
-              <a:rPr lang="en-GB" sz="1917" b="1" i="1" dirty="0">
-                <a:ea typeface="Roboto"/>
-                <a:cs typeface="Roboto"/>
-                <a:sym typeface="Roboto"/>
-              </a:rPr>
-              <a:t>courses</a:t>
-            </a:r>
-            <a:r>
-              <a:rPr lang="en-GB" sz="1917" b="1" i="1" dirty="0">
-                <a:solidFill>
-                  <a:srgbClr val="000000"/>
-                </a:solidFill>
-                <a:ea typeface="Roboto"/>
-                <a:cs typeface="Roboto"/>
-                <a:sym typeface="Roboto"/>
-              </a:rPr>
-              <a:t>:</a:t>
-            </a:r>
-            <a:r>
-              <a:rPr lang="en-GB" sz="1917" i="1" dirty="0">
-                <a:solidFill>
-                  <a:srgbClr val="000000"/>
-                </a:solidFill>
-                <a:ea typeface="Roboto Light"/>
-                <a:cs typeface="Roboto Light"/>
-                <a:sym typeface="Roboto Light"/>
-              </a:rPr>
-              <a:t> </a:t>
-            </a:r>
-            <a:r>
-              <a:rPr lang="en-GB" sz="1800" i="1" dirty="0">
-                <a:solidFill>
-                  <a:srgbClr val="000000"/>
-                </a:solidFill>
-                <a:ea typeface="Roboto Light"/>
-                <a:cs typeface="Roboto Light"/>
-                <a:sym typeface="Roboto Light"/>
-              </a:rPr>
-              <a:t/>
-            </a:r>
-            <a:br>
-              <a:rPr lang="en-GB" sz="1800" i="1" dirty="0">
-                <a:solidFill>
-                  <a:srgbClr val="000000"/>
-                </a:solidFill>
-                <a:ea typeface="Roboto Light"/>
-                <a:cs typeface="Roboto Light"/>
-                <a:sym typeface="Roboto Light"/>
-              </a:rPr>
-            </a:br>
-            <a:endParaRPr lang="en-GB" sz="1800" i="1" dirty="0">
-              <a:solidFill>
-                <a:srgbClr val="000000"/>
-              </a:solidFill>
-              <a:ea typeface="Roboto Light"/>
-              <a:cs typeface="Roboto Light"/>
-              <a:sym typeface="Roboto Light"/>
-            </a:endParaRPr>
-          </a:p>
-          <a:p>
-            <a:pPr marL="914400" lvl="1" indent="-297497">
+              <a:rPr lang="en-ZA" dirty="0" smtClean="0"/>
+              <a:t>According to the </a:t>
+            </a:r>
+            <a:r>
+              <a:rPr lang="en-ZA" dirty="0" smtClean="0"/>
+              <a:t>graph, </a:t>
+            </a:r>
+            <a:r>
+              <a:rPr lang="en-ZA" dirty="0"/>
+              <a:t>we can notice that most of the courses have a content duration of 20 hours or less, and a few courses have more than 40 hours of content duration.</a:t>
+            </a:r>
+          </a:p>
+          <a:p>
+            <a:pPr>
               <a:lnSpc>
-                <a:spcPct val="115000"/>
+                <a:spcPct val="150000"/>
               </a:lnSpc>
-              <a:spcBef>
-                <a:spcPts val="0"/>
-              </a:spcBef>
-              <a:spcAft>
-                <a:spcPts val="0"/>
-              </a:spcAft>
               <a:buClr>
-                <a:srgbClr val="000000"/>
+                <a:schemeClr val="tx2"/>
               </a:buClr>
-              <a:buSzPct val="84436"/>
-              <a:buFont typeface="Roboto Light"/>
-              <a:buChar char="○"/>
+              <a:buFont typeface="Wingdings" panose="05000000000000000000" pitchFamily="2" charset="2"/>
+              <a:buChar char="Ø"/>
             </a:pPr>
             <a:r>
-              <a:rPr lang="en-GB" sz="1658" i="1" dirty="0">
-                <a:ea typeface="Roboto Light"/>
-                <a:cs typeface="Roboto Light"/>
-                <a:sym typeface="Roboto Light"/>
-              </a:rPr>
-              <a:t>Almost 68% of subscribers come from Web Development and the top 5 courses are for</a:t>
-            </a:r>
-            <a:br>
-              <a:rPr lang="en-GB" sz="1658" i="1" dirty="0">
-                <a:ea typeface="Roboto Light"/>
-                <a:cs typeface="Roboto Light"/>
-                <a:sym typeface="Roboto Light"/>
-              </a:rPr>
-            </a:br>
-            <a:r>
-              <a:rPr lang="en-GB" sz="1658" i="1" dirty="0">
-                <a:ea typeface="Roboto Light"/>
-                <a:cs typeface="Roboto Light"/>
-                <a:sym typeface="Roboto Light"/>
-              </a:rPr>
-              <a:t>Web development as well </a:t>
-            </a:r>
-            <a:r>
-              <a:rPr lang="en-GB" i="1" dirty="0">
-                <a:solidFill>
-                  <a:srgbClr val="000000"/>
-                </a:solidFill>
-                <a:ea typeface="Roboto Light"/>
-                <a:cs typeface="Roboto Light"/>
-                <a:sym typeface="Roboto Light"/>
-              </a:rPr>
-              <a:t/>
-            </a:r>
-            <a:br>
-              <a:rPr lang="en-GB" i="1" dirty="0">
-                <a:solidFill>
-                  <a:srgbClr val="000000"/>
-                </a:solidFill>
-                <a:ea typeface="Roboto Light"/>
-                <a:cs typeface="Roboto Light"/>
-                <a:sym typeface="Roboto Light"/>
-              </a:rPr>
-            </a:br>
-            <a:endParaRPr lang="en-GB" i="1" dirty="0">
-              <a:solidFill>
-                <a:srgbClr val="000000"/>
-              </a:solidFill>
-              <a:ea typeface="Roboto Light"/>
-              <a:cs typeface="Roboto Light"/>
-              <a:sym typeface="Roboto Light"/>
-            </a:endParaRPr>
-          </a:p>
-          <a:p>
-            <a:pPr marL="457200" lvl="0" indent="-317182">
-              <a:lnSpc>
-                <a:spcPct val="115000"/>
-              </a:lnSpc>
-              <a:spcBef>
-                <a:spcPts val="0"/>
-              </a:spcBef>
-              <a:spcAft>
-                <a:spcPts val="0"/>
-              </a:spcAft>
-              <a:buClr>
-                <a:srgbClr val="000000"/>
-              </a:buClr>
-              <a:buSzPct val="93311"/>
-              <a:buFont typeface="Roboto Light"/>
-              <a:buChar char="●"/>
-            </a:pPr>
-            <a:r>
-              <a:rPr lang="en-GB" sz="1929" b="1" i="1" dirty="0">
-                <a:ea typeface="Roboto"/>
-                <a:cs typeface="Roboto"/>
-                <a:sym typeface="Roboto"/>
-              </a:rPr>
-              <a:t>Business Finance vs Web Development</a:t>
-            </a:r>
-            <a:r>
-              <a:rPr lang="en-GB" sz="1929" b="1" i="1" dirty="0">
-                <a:solidFill>
-                  <a:srgbClr val="000000"/>
-                </a:solidFill>
-                <a:ea typeface="Roboto"/>
-                <a:cs typeface="Roboto"/>
-                <a:sym typeface="Roboto"/>
-              </a:rPr>
-              <a:t>: </a:t>
-            </a:r>
-            <a:r>
-              <a:rPr lang="en-GB" sz="1800" b="1" i="1" dirty="0">
-                <a:solidFill>
-                  <a:srgbClr val="000000"/>
-                </a:solidFill>
-                <a:ea typeface="Roboto"/>
-                <a:cs typeface="Roboto"/>
-                <a:sym typeface="Roboto"/>
-              </a:rPr>
-              <a:t/>
-            </a:r>
-            <a:br>
-              <a:rPr lang="en-GB" sz="1800" b="1" i="1" dirty="0">
-                <a:solidFill>
-                  <a:srgbClr val="000000"/>
-                </a:solidFill>
-                <a:ea typeface="Roboto"/>
-                <a:cs typeface="Roboto"/>
-                <a:sym typeface="Roboto"/>
-              </a:rPr>
-            </a:br>
-            <a:endParaRPr lang="en-GB" sz="1800" b="1" i="1" dirty="0">
-              <a:solidFill>
-                <a:srgbClr val="000000"/>
-              </a:solidFill>
-              <a:ea typeface="Roboto"/>
-              <a:cs typeface="Roboto"/>
-              <a:sym typeface="Roboto"/>
-            </a:endParaRPr>
-          </a:p>
-          <a:p>
-            <a:pPr marL="914400" lvl="1" indent="-310197">
-              <a:lnSpc>
-                <a:spcPct val="115000"/>
-              </a:lnSpc>
-              <a:spcBef>
-                <a:spcPts val="0"/>
-              </a:spcBef>
-              <a:spcAft>
-                <a:spcPts val="0"/>
-              </a:spcAft>
-              <a:buClr>
-                <a:srgbClr val="000000"/>
-              </a:buClr>
-              <a:buSzPct val="100000"/>
-              <a:buFont typeface="Roboto Light"/>
-              <a:buChar char="○"/>
-            </a:pPr>
-            <a:r>
-              <a:rPr lang="en-GB" sz="1658" i="1" dirty="0">
-                <a:ea typeface="Roboto Light"/>
-                <a:cs typeface="Roboto Light"/>
-                <a:sym typeface="Roboto Light"/>
-              </a:rPr>
-              <a:t>Business Finance and web development have almost equal number of total courses (1155 vs 1203), but web development course are almost 2x in content duration and have 4x the average subscribers </a:t>
-            </a:r>
-            <a:r>
-              <a:rPr lang="en-GB" b="1" i="1" dirty="0">
-                <a:solidFill>
-                  <a:srgbClr val="000000"/>
-                </a:solidFill>
-                <a:ea typeface="Roboto"/>
-                <a:cs typeface="Roboto"/>
-                <a:sym typeface="Roboto"/>
-              </a:rPr>
-              <a:t/>
-            </a:r>
-            <a:br>
-              <a:rPr lang="en-GB" b="1" i="1" dirty="0">
-                <a:solidFill>
-                  <a:srgbClr val="000000"/>
-                </a:solidFill>
-                <a:ea typeface="Roboto"/>
-                <a:cs typeface="Roboto"/>
-                <a:sym typeface="Roboto"/>
-              </a:rPr>
-            </a:br>
-            <a:r>
-              <a:rPr lang="en-GB" i="1" dirty="0">
-                <a:solidFill>
-                  <a:srgbClr val="000000"/>
-                </a:solidFill>
-                <a:ea typeface="Roboto Light"/>
-                <a:cs typeface="Roboto Light"/>
-                <a:sym typeface="Roboto Light"/>
-              </a:rPr>
-              <a:t/>
-            </a:r>
-            <a:br>
-              <a:rPr lang="en-GB" i="1" dirty="0">
-                <a:solidFill>
-                  <a:srgbClr val="000000"/>
-                </a:solidFill>
-                <a:ea typeface="Roboto Light"/>
-                <a:cs typeface="Roboto Light"/>
-                <a:sym typeface="Roboto Light"/>
-              </a:rPr>
-            </a:br>
-            <a:endParaRPr lang="en-GB" i="1" dirty="0">
-              <a:solidFill>
-                <a:srgbClr val="000000"/>
-              </a:solidFill>
-              <a:ea typeface="Roboto Light"/>
-              <a:cs typeface="Roboto Light"/>
-              <a:sym typeface="Roboto Light"/>
-            </a:endParaRPr>
-          </a:p>
-          <a:p>
-            <a:pPr marL="457200" lvl="0" indent="-323532">
-              <a:lnSpc>
-                <a:spcPct val="115000"/>
-              </a:lnSpc>
-              <a:spcBef>
-                <a:spcPts val="0"/>
-              </a:spcBef>
-              <a:spcAft>
-                <a:spcPts val="0"/>
-              </a:spcAft>
-              <a:buClr>
-                <a:srgbClr val="000000"/>
-              </a:buClr>
-              <a:buFont typeface="Roboto Light"/>
-              <a:buChar char="●"/>
-            </a:pPr>
-            <a:r>
-              <a:rPr lang="en-GB" sz="1929" i="1" dirty="0">
-                <a:solidFill>
-                  <a:srgbClr val="000000"/>
-                </a:solidFill>
-                <a:ea typeface="Roboto Light"/>
-                <a:cs typeface="Roboto Light"/>
-                <a:sym typeface="Roboto Light"/>
-              </a:rPr>
-              <a:t> </a:t>
-            </a:r>
-            <a:r>
-              <a:rPr lang="en-GB" sz="1929" b="1" i="1" dirty="0">
-                <a:ea typeface="Roboto"/>
-                <a:cs typeface="Roboto"/>
-                <a:sym typeface="Roboto"/>
-              </a:rPr>
-              <a:t>Course Pricing</a:t>
-            </a:r>
-            <a:r>
-              <a:rPr lang="en-GB" sz="1929" b="1" i="1" dirty="0">
-                <a:solidFill>
-                  <a:srgbClr val="000000"/>
-                </a:solidFill>
-                <a:ea typeface="Roboto"/>
-                <a:cs typeface="Roboto"/>
-                <a:sym typeface="Roboto"/>
-              </a:rPr>
-              <a:t>:</a:t>
-            </a:r>
-            <a:br>
-              <a:rPr lang="en-GB" sz="1929" b="1" i="1" dirty="0">
-                <a:solidFill>
-                  <a:srgbClr val="000000"/>
-                </a:solidFill>
-                <a:ea typeface="Roboto"/>
-                <a:cs typeface="Roboto"/>
-                <a:sym typeface="Roboto"/>
-              </a:rPr>
-            </a:br>
-            <a:endParaRPr lang="en-GB" sz="1929" b="1" i="1" dirty="0">
-              <a:solidFill>
-                <a:srgbClr val="000000"/>
-              </a:solidFill>
-              <a:ea typeface="Roboto"/>
-              <a:cs typeface="Roboto"/>
-              <a:sym typeface="Roboto"/>
-            </a:endParaRPr>
-          </a:p>
-          <a:p>
-            <a:pPr marL="914400" lvl="1" indent="-310197">
-              <a:lnSpc>
-                <a:spcPct val="115000"/>
-              </a:lnSpc>
-              <a:buSzPct val="100000"/>
-              <a:buFont typeface="Roboto Light"/>
-              <a:buChar char="○"/>
-            </a:pPr>
-            <a:r>
-              <a:rPr lang="en-GB" sz="1658" i="1" dirty="0">
-                <a:ea typeface="Roboto Light"/>
-                <a:cs typeface="Roboto Light"/>
-                <a:sym typeface="Roboto Light"/>
-              </a:rPr>
-              <a:t>The course subscription does not seem to be impacted by the price because web development courses have the highest number of subscribers while having the highest price at the same time.</a:t>
-            </a:r>
-            <a:endParaRPr lang="en-GB" i="1" dirty="0">
-              <a:ea typeface="Roboto Light"/>
-              <a:cs typeface="Roboto Light"/>
-              <a:sym typeface="Roboto Light"/>
-            </a:endParaRPr>
+              <a:rPr lang="en-ZA" dirty="0"/>
+              <a:t>The content duration is not affected by the price because we notice there is a </a:t>
+            </a:r>
+            <a:r>
+              <a:rPr lang="en-ZA" dirty="0" smtClean="0"/>
+              <a:t>course that </a:t>
+            </a:r>
+            <a:r>
+              <a:rPr lang="en-ZA" dirty="0"/>
+              <a:t>has a length of </a:t>
+            </a:r>
+            <a:r>
+              <a:rPr lang="en-ZA" dirty="0" smtClean="0"/>
+              <a:t>76.50 hours </a:t>
+            </a:r>
+            <a:r>
+              <a:rPr lang="en-ZA" dirty="0"/>
+              <a:t>and its price is </a:t>
+            </a:r>
+            <a:r>
+              <a:rPr lang="en-ZA" dirty="0" smtClean="0"/>
+              <a:t>200 USD </a:t>
+            </a:r>
+            <a:r>
+              <a:rPr lang="en-ZA" dirty="0"/>
+              <a:t>at the same time there is also a course that has a length of </a:t>
+            </a:r>
+            <a:r>
+              <a:rPr lang="en-ZA" dirty="0" smtClean="0"/>
+              <a:t>78.50 hours </a:t>
+            </a:r>
+            <a:r>
+              <a:rPr lang="en-ZA" dirty="0"/>
+              <a:t>and its price is </a:t>
+            </a:r>
+            <a:r>
+              <a:rPr lang="en-ZA" dirty="0" smtClean="0"/>
+              <a:t>50 USD, </a:t>
+            </a:r>
+            <a:r>
+              <a:rPr lang="en-ZA" dirty="0"/>
+              <a:t>from these facts we can deduct that the price is not affected by the length of content duration. </a:t>
+            </a:r>
           </a:p>
         </p:txBody>
       </p:sp>
@@ -10351,20 +10243,15 @@
           <a:p>
             <a:r>
               <a:rPr lang="en-ZA" b="1" dirty="0"/>
-              <a:t>Summary of findings</a:t>
-            </a:r>
-            <a:r>
-              <a:rPr lang="en-ZA" b="1" dirty="0" smtClean="0"/>
-              <a:t>:</a:t>
-            </a:r>
-            <a:endParaRPr lang="en-ZA" b="1" dirty="0"/>
+              <a:t>BRIEF SUMMARY</a:t>
+            </a:r>
           </a:p>
         </p:txBody>
       </p:sp>
     </p:spTree>
     <p:extLst>
       <p:ext uri="{BB962C8B-B14F-4D97-AF65-F5344CB8AC3E}">
-        <p14:creationId xmlns:p14="http://schemas.microsoft.com/office/powerpoint/2010/main" val="3792462961"/>
+        <p14:creationId xmlns:p14="http://schemas.microsoft.com/office/powerpoint/2010/main" val="409036480"/>
       </p:ext>
     </p:extLst>
   </p:cSld>
@@ -10409,20 +10296,20 @@
         </p:nvSpPr>
         <p:spPr>
           <a:xfrm>
-            <a:off x="2375555" y="2441542"/>
-            <a:ext cx="7324627" cy="2185227"/>
+            <a:off x="3930977" y="2799761"/>
+            <a:ext cx="4047869" cy="1233119"/>
           </a:xfrm>
         </p:spPr>
         <p:txBody>
           <a:bodyPr>
-            <a:noAutofit/>
+            <a:normAutofit/>
           </a:bodyPr>
           <a:lstStyle/>
           <a:p>
             <a:pPr algn="ctr"/>
             <a:r>
               <a:rPr lang="en-US" sz="6000" b="1" cap="none" dirty="0"/>
-              <a:t>Actions &amp; Recommendations</a:t>
+              <a:t>Summary </a:t>
             </a:r>
           </a:p>
         </p:txBody>
@@ -10430,7 +10317,7 @@
     </p:spTree>
     <p:extLst>
       <p:ext uri="{BB962C8B-B14F-4D97-AF65-F5344CB8AC3E}">
-        <p14:creationId xmlns:p14="http://schemas.microsoft.com/office/powerpoint/2010/main" val="2722522223"/>
+        <p14:creationId xmlns:p14="http://schemas.microsoft.com/office/powerpoint/2010/main" val="1532157603"/>
       </p:ext>
     </p:extLst>
   </p:cSld>
@@ -10469,19 +10356,105 @@
         </p:nvSpPr>
         <p:spPr>
           <a:xfrm>
-            <a:off x="1097280" y="1749983"/>
+            <a:off x="1097280" y="1881958"/>
             <a:ext cx="10058400" cy="3760891"/>
           </a:xfrm>
         </p:spPr>
         <p:txBody>
           <a:bodyPr>
-            <a:normAutofit/>
+            <a:normAutofit fontScale="85000" lnSpcReduction="10000"/>
           </a:bodyPr>
           <a:lstStyle/>
           <a:p>
-            <a:pPr marL="0" lvl="0" indent="0">
+            <a:pPr marL="457200" lvl="0" indent="-317182">
               <a:lnSpc>
-                <a:spcPct val="150000"/>
+                <a:spcPct val="115000"/>
+              </a:lnSpc>
+              <a:spcAft>
+                <a:spcPts val="0"/>
+              </a:spcAft>
+              <a:buClr>
+                <a:srgbClr val="000000"/>
+              </a:buClr>
+              <a:buSzPct val="93864"/>
+              <a:buFont typeface="Roboto Light"/>
+              <a:buChar char="●"/>
+            </a:pPr>
+            <a:r>
+              <a:rPr lang="en-GB" sz="1917" b="1" i="1" dirty="0">
+                <a:solidFill>
+                  <a:srgbClr val="000000"/>
+                </a:solidFill>
+                <a:ea typeface="Roboto"/>
+                <a:cs typeface="Roboto"/>
+                <a:sym typeface="Roboto"/>
+              </a:rPr>
+              <a:t>Top 5 </a:t>
+            </a:r>
+            <a:r>
+              <a:rPr lang="en-GB" sz="1917" b="1" i="1" dirty="0">
+                <a:ea typeface="Roboto"/>
+                <a:cs typeface="Roboto"/>
+                <a:sym typeface="Roboto"/>
+              </a:rPr>
+              <a:t>courses</a:t>
+            </a:r>
+            <a:r>
+              <a:rPr lang="en-GB" sz="1917" b="1" i="1" dirty="0">
+                <a:solidFill>
+                  <a:srgbClr val="000000"/>
+                </a:solidFill>
+                <a:ea typeface="Roboto"/>
+                <a:cs typeface="Roboto"/>
+                <a:sym typeface="Roboto"/>
+              </a:rPr>
+              <a:t>:</a:t>
+            </a:r>
+            <a:r>
+              <a:rPr lang="en-GB" sz="1917" i="1" dirty="0">
+                <a:solidFill>
+                  <a:srgbClr val="000000"/>
+                </a:solidFill>
+                <a:ea typeface="Roboto Light"/>
+                <a:cs typeface="Roboto Light"/>
+                <a:sym typeface="Roboto Light"/>
+              </a:rPr>
+              <a:t> </a:t>
+            </a:r>
+            <a:r>
+              <a:rPr lang="en-GB" sz="1800" i="1" dirty="0">
+                <a:solidFill>
+                  <a:srgbClr val="000000"/>
+                </a:solidFill>
+                <a:ea typeface="Roboto Light"/>
+                <a:cs typeface="Roboto Light"/>
+                <a:sym typeface="Roboto Light"/>
+              </a:rPr>
+              <a:t/>
+            </a:r>
+            <a:br>
+              <a:rPr lang="en-GB" sz="1800" i="1" dirty="0">
+                <a:solidFill>
+                  <a:srgbClr val="000000"/>
+                </a:solidFill>
+                <a:ea typeface="Roboto Light"/>
+                <a:cs typeface="Roboto Light"/>
+                <a:sym typeface="Roboto Light"/>
+              </a:rPr>
+            </a:br>
+            <a:endParaRPr lang="en-GB" sz="1800" i="1" dirty="0">
+              <a:solidFill>
+                <a:srgbClr val="000000"/>
+              </a:solidFill>
+              <a:ea typeface="Roboto Light"/>
+              <a:cs typeface="Roboto Light"/>
+              <a:sym typeface="Roboto Light"/>
+            </a:endParaRPr>
+          </a:p>
+          <a:p>
+            <a:pPr marL="914400" lvl="1" indent="-297497">
+              <a:lnSpc>
+                <a:spcPct val="115000"/>
               </a:lnSpc>
               <a:spcBef>
                 <a:spcPts val="0"/>
@@ -10489,92 +10462,298 @@
               <a:spcAft>
                 <a:spcPts val="0"/>
               </a:spcAft>
-              <a:buNone/>
+              <a:buClr>
+                <a:srgbClr val="000000"/>
+              </a:buClr>
+              <a:buSzPct val="84436"/>
+              <a:buFont typeface="Roboto Light"/>
+              <a:buChar char="○"/>
             </a:pPr>
             <a:r>
-              <a:rPr lang="en-GB" sz="1800" b="1" i="1" dirty="0">
+              <a:rPr lang="en-GB" sz="1658" i="1" dirty="0">
+                <a:ea typeface="Roboto Light"/>
+                <a:cs typeface="Roboto Light"/>
+                <a:sym typeface="Roboto Light"/>
+              </a:rPr>
+              <a:t>Almost 68% of subscribers come from Web Development and the top 5 courses are for</a:t>
+            </a:r>
+            <a:br>
+              <a:rPr lang="en-GB" sz="1658" i="1" dirty="0">
+                <a:ea typeface="Roboto Light"/>
+                <a:cs typeface="Roboto Light"/>
+                <a:sym typeface="Roboto Light"/>
+              </a:rPr>
+            </a:br>
+            <a:r>
+              <a:rPr lang="en-GB" sz="1658" i="1" dirty="0">
+                <a:ea typeface="Roboto Light"/>
+                <a:cs typeface="Roboto Light"/>
+                <a:sym typeface="Roboto Light"/>
+              </a:rPr>
+              <a:t>Web development as well </a:t>
+            </a:r>
+            <a:r>
+              <a:rPr lang="en-GB" i="1" dirty="0">
+                <a:solidFill>
+                  <a:srgbClr val="000000"/>
+                </a:solidFill>
+                <a:ea typeface="Roboto Light"/>
+                <a:cs typeface="Roboto Light"/>
+                <a:sym typeface="Roboto Light"/>
+              </a:rPr>
+              <a:t/>
+            </a:r>
+            <a:br>
+              <a:rPr lang="en-GB" i="1" dirty="0">
+                <a:solidFill>
+                  <a:srgbClr val="000000"/>
+                </a:solidFill>
+                <a:ea typeface="Roboto Light"/>
+                <a:cs typeface="Roboto Light"/>
+                <a:sym typeface="Roboto Light"/>
+              </a:rPr>
+            </a:br>
+            <a:endParaRPr lang="en-GB" i="1" dirty="0">
+              <a:solidFill>
+                <a:srgbClr val="000000"/>
+              </a:solidFill>
+              <a:ea typeface="Roboto Light"/>
+              <a:cs typeface="Roboto Light"/>
+              <a:sym typeface="Roboto Light"/>
+            </a:endParaRPr>
+          </a:p>
+          <a:p>
+            <a:pPr marL="457200" lvl="0" indent="-317182">
+              <a:lnSpc>
+                <a:spcPct val="115000"/>
+              </a:lnSpc>
+              <a:spcBef>
+                <a:spcPts val="0"/>
+              </a:spcBef>
+              <a:spcAft>
+                <a:spcPts val="0"/>
+              </a:spcAft>
+              <a:buClr>
+                <a:srgbClr val="000000"/>
+              </a:buClr>
+              <a:buSzPct val="93311"/>
+              <a:buFont typeface="Roboto Light"/>
+              <a:buChar char="●"/>
+            </a:pPr>
+            <a:r>
+              <a:rPr lang="en-GB" sz="1929" b="1" i="1" dirty="0">
                 <a:ea typeface="Roboto"/>
                 <a:cs typeface="Roboto"/>
                 <a:sym typeface="Roboto"/>
               </a:rPr>
-              <a:t>Product recommendations:</a:t>
-            </a:r>
-          </a:p>
-          <a:p>
-            <a:pPr marL="457200" lvl="0" indent="-311150">
-              <a:lnSpc>
-                <a:spcPct val="150000"/>
-              </a:lnSpc>
-              <a:spcAft>
-                <a:spcPts val="0"/>
-              </a:spcAft>
-              <a:buSzPts val="1300"/>
-              <a:buChar char="●"/>
-            </a:pPr>
-            <a:r>
-              <a:rPr lang="en-GB" sz="1800" i="1" dirty="0"/>
-              <a:t>Focus on getting more paid course by creators in web development field hence this is the most popular subject in </a:t>
-            </a:r>
-            <a:r>
-              <a:rPr lang="en-GB" sz="1800" i="1" dirty="0" err="1"/>
-              <a:t>udemy</a:t>
-            </a:r>
-            <a:r>
-              <a:rPr lang="en-GB" sz="1800" i="1" dirty="0"/>
-              <a:t>.</a:t>
-            </a:r>
-          </a:p>
-          <a:p>
-            <a:pPr marL="0" lvl="0" indent="0">
-              <a:lnSpc>
-                <a:spcPct val="150000"/>
-              </a:lnSpc>
-              <a:spcAft>
-                <a:spcPts val="0"/>
-              </a:spcAft>
-              <a:buNone/>
-            </a:pPr>
-            <a:r>
-              <a:rPr lang="en-GB" sz="1800" b="1" i="1" dirty="0">
+              <a:t>Business Finance vs Web Development</a:t>
+            </a:r>
+            <a:r>
+              <a:rPr lang="en-GB" sz="1929" b="1" i="1" dirty="0">
+                <a:solidFill>
+                  <a:srgbClr val="000000"/>
+                </a:solidFill>
                 <a:ea typeface="Roboto"/>
                 <a:cs typeface="Roboto"/>
                 <a:sym typeface="Roboto"/>
               </a:rPr>
-              <a:t>Marketing recommendations:</a:t>
-            </a:r>
-          </a:p>
-          <a:p>
-            <a:pPr marL="457200" lvl="0" indent="-311150">
+              <a:t>: </a:t>
+            </a:r>
+            <a:r>
+              <a:rPr lang="en-GB" sz="1800" b="1" i="1" dirty="0">
+                <a:solidFill>
+                  <a:srgbClr val="000000"/>
+                </a:solidFill>
+                <a:ea typeface="Roboto"/>
+                <a:cs typeface="Roboto"/>
+                <a:sym typeface="Roboto"/>
+              </a:rPr>
+              <a:t/>
+            </a:r>
+            <a:br>
+              <a:rPr lang="en-GB" sz="1800" b="1" i="1" dirty="0">
+                <a:solidFill>
+                  <a:srgbClr val="000000"/>
+                </a:solidFill>
+                <a:ea typeface="Roboto"/>
+                <a:cs typeface="Roboto"/>
+                <a:sym typeface="Roboto"/>
+              </a:rPr>
+            </a:br>
+            <a:endParaRPr lang="en-GB" sz="1800" b="1" i="1" dirty="0">
+              <a:solidFill>
+                <a:srgbClr val="000000"/>
+              </a:solidFill>
+              <a:ea typeface="Roboto"/>
+              <a:cs typeface="Roboto"/>
+              <a:sym typeface="Roboto"/>
+            </a:endParaRPr>
+          </a:p>
+          <a:p>
+            <a:pPr marL="914400" lvl="1" indent="-310197">
               <a:lnSpc>
-                <a:spcPct val="150000"/>
+                <a:spcPct val="115000"/>
               </a:lnSpc>
+              <a:spcBef>
+                <a:spcPts val="0"/>
+              </a:spcBef>
               <a:spcAft>
                 <a:spcPts val="0"/>
               </a:spcAft>
-              <a:buSzPts val="1300"/>
+              <a:buClr>
+                <a:srgbClr val="000000"/>
+              </a:buClr>
+              <a:buSzPct val="100000"/>
+              <a:buFont typeface="Roboto Light"/>
+              <a:buChar char="○"/>
+            </a:pPr>
+            <a:r>
+              <a:rPr lang="en-GB" sz="1658" i="1" dirty="0">
+                <a:ea typeface="Roboto Light"/>
+                <a:cs typeface="Roboto Light"/>
+                <a:sym typeface="Roboto Light"/>
+              </a:rPr>
+              <a:t>Business Finance and web development have almost equal number of total courses (1155 vs 1203), but web development course are almost 2x in content duration and have 4x the average subscribers </a:t>
+            </a:r>
+            <a:r>
+              <a:rPr lang="en-GB" b="1" i="1" dirty="0">
+                <a:solidFill>
+                  <a:srgbClr val="000000"/>
+                </a:solidFill>
+                <a:ea typeface="Roboto"/>
+                <a:cs typeface="Roboto"/>
+                <a:sym typeface="Roboto"/>
+              </a:rPr>
+              <a:t/>
+            </a:r>
+            <a:br>
+              <a:rPr lang="en-GB" b="1" i="1" dirty="0">
+                <a:solidFill>
+                  <a:srgbClr val="000000"/>
+                </a:solidFill>
+                <a:ea typeface="Roboto"/>
+                <a:cs typeface="Roboto"/>
+                <a:sym typeface="Roboto"/>
+              </a:rPr>
+            </a:br>
+            <a:r>
+              <a:rPr lang="en-GB" i="1" dirty="0">
+                <a:solidFill>
+                  <a:srgbClr val="000000"/>
+                </a:solidFill>
+                <a:ea typeface="Roboto Light"/>
+                <a:cs typeface="Roboto Light"/>
+                <a:sym typeface="Roboto Light"/>
+              </a:rPr>
+              <a:t/>
+            </a:r>
+            <a:br>
+              <a:rPr lang="en-GB" i="1" dirty="0">
+                <a:solidFill>
+                  <a:srgbClr val="000000"/>
+                </a:solidFill>
+                <a:ea typeface="Roboto Light"/>
+                <a:cs typeface="Roboto Light"/>
+                <a:sym typeface="Roboto Light"/>
+              </a:rPr>
+            </a:br>
+            <a:endParaRPr lang="en-GB" i="1" dirty="0">
+              <a:solidFill>
+                <a:srgbClr val="000000"/>
+              </a:solidFill>
+              <a:ea typeface="Roboto Light"/>
+              <a:cs typeface="Roboto Light"/>
+              <a:sym typeface="Roboto Light"/>
+            </a:endParaRPr>
+          </a:p>
+          <a:p>
+            <a:pPr marL="457200" lvl="0" indent="-323532">
+              <a:lnSpc>
+                <a:spcPct val="115000"/>
+              </a:lnSpc>
+              <a:spcBef>
+                <a:spcPts val="0"/>
+              </a:spcBef>
+              <a:spcAft>
+                <a:spcPts val="0"/>
+              </a:spcAft>
+              <a:buClr>
+                <a:srgbClr val="000000"/>
+              </a:buClr>
+              <a:buFont typeface="Roboto Light"/>
               <a:buChar char="●"/>
             </a:pPr>
             <a:r>
-              <a:rPr lang="en-GB" sz="1800" i="1" dirty="0"/>
-              <a:t>Our data tells us that our web development courses are most popular and people are willing to pay for it. Marketing and advertising campaigns should therefore focus on advertising more web development contents.</a:t>
-            </a:r>
-            <a:endParaRPr lang="en-GB" sz="1800" i="1" dirty="0">
+              <a:rPr lang="en-GB" sz="1929" i="1" dirty="0">
+                <a:solidFill>
+                  <a:srgbClr val="000000"/>
+                </a:solidFill>
+                <a:ea typeface="Roboto Light"/>
+                <a:cs typeface="Roboto Light"/>
+                <a:sym typeface="Roboto Light"/>
+              </a:rPr>
+              <a:t> </a:t>
+            </a:r>
+            <a:r>
+              <a:rPr lang="en-GB" sz="1929" b="1" i="1" dirty="0">
+                <a:ea typeface="Roboto"/>
+                <a:cs typeface="Roboto"/>
+                <a:sym typeface="Roboto"/>
+              </a:rPr>
+              <a:t>Course Pricing</a:t>
+            </a:r>
+            <a:r>
+              <a:rPr lang="en-GB" sz="1929" b="1" i="1" dirty="0">
+                <a:solidFill>
+                  <a:srgbClr val="000000"/>
+                </a:solidFill>
+                <a:ea typeface="Roboto"/>
+                <a:cs typeface="Roboto"/>
+                <a:sym typeface="Roboto"/>
+              </a:rPr>
+              <a:t>:</a:t>
+            </a:r>
+            <a:br>
+              <a:rPr lang="en-GB" sz="1929" b="1" i="1" dirty="0">
+                <a:solidFill>
+                  <a:srgbClr val="000000"/>
+                </a:solidFill>
+                <a:ea typeface="Roboto"/>
+                <a:cs typeface="Roboto"/>
+                <a:sym typeface="Roboto"/>
+              </a:rPr>
+            </a:br>
+            <a:endParaRPr lang="en-GB" sz="1929" b="1" i="1" dirty="0">
               <a:solidFill>
-                <a:srgbClr val="FF0000"/>
+                <a:srgbClr val="000000"/>
               </a:solidFill>
+              <a:ea typeface="Roboto"/>
+              <a:cs typeface="Roboto"/>
+              <a:sym typeface="Roboto"/>
             </a:endParaRPr>
           </a:p>
           <a:p>
-            <a:pPr marL="914400" lvl="0" indent="0">
+            <a:pPr marL="914400" lvl="1" indent="-310197">
               <a:lnSpc>
-                <a:spcPct val="150000"/>
+                <a:spcPct val="115000"/>
               </a:lnSpc>
-              <a:spcAft>
-                <a:spcPts val="1200"/>
-              </a:spcAft>
-              <a:buNone/>
+              <a:buSzPct val="100000"/>
+              <a:buFont typeface="Roboto Light"/>
+              <a:buChar char="○"/>
             </a:pPr>
-            <a:endParaRPr lang="en-GB" sz="1800" i="1" dirty="0"/>
+            <a:r>
+              <a:rPr lang="en-GB" sz="1658" i="1" dirty="0">
+                <a:ea typeface="Roboto Light"/>
+                <a:cs typeface="Roboto Light"/>
+                <a:sym typeface="Roboto Light"/>
+              </a:rPr>
+              <a:t>The course subscription does not seem to be impacted by the price because web development courses have the highest number of subscribers while having the highest price at the same time.</a:t>
+            </a:r>
+            <a:endParaRPr lang="en-GB" i="1" dirty="0">
+              <a:ea typeface="Roboto Light"/>
+              <a:cs typeface="Roboto Light"/>
+              <a:sym typeface="Roboto Light"/>
+            </a:endParaRPr>
           </a:p>
         </p:txBody>
       </p:sp>
@@ -10595,11 +10774,11 @@
           <a:p>
             <a:r>
               <a:rPr lang="en-ZA" b="1" dirty="0"/>
-              <a:t>Recommended </a:t>
+              <a:t>Summary of findings</a:t>
             </a:r>
             <a:r>
               <a:rPr lang="en-ZA" b="1" dirty="0" smtClean="0"/>
-              <a:t>actions</a:t>
+              <a:t>:</a:t>
             </a:r>
             <a:endParaRPr lang="en-ZA" b="1" dirty="0"/>
           </a:p>
@@ -10608,7 +10787,7 @@
     </p:spTree>
     <p:extLst>
       <p:ext uri="{BB962C8B-B14F-4D97-AF65-F5344CB8AC3E}">
-        <p14:creationId xmlns:p14="http://schemas.microsoft.com/office/powerpoint/2010/main" val="3218376021"/>
+        <p14:creationId xmlns:p14="http://schemas.microsoft.com/office/powerpoint/2010/main" val="3792462961"/>
       </p:ext>
     </p:extLst>
   </p:cSld>
@@ -10653,49 +10832,28 @@
         </p:nvSpPr>
         <p:spPr>
           <a:xfrm>
-            <a:off x="2875175" y="2384981"/>
-            <a:ext cx="6159473" cy="2185227"/>
+            <a:off x="2375555" y="2441542"/>
+            <a:ext cx="7324627" cy="2185227"/>
           </a:xfrm>
         </p:spPr>
         <p:txBody>
           <a:bodyPr>
-            <a:normAutofit/>
+            <a:noAutofit/>
           </a:bodyPr>
           <a:lstStyle/>
           <a:p>
             <a:pPr algn="ctr"/>
             <a:r>
               <a:rPr lang="en-US" sz="6000" b="1" cap="none" dirty="0"/>
-              <a:t>D</a:t>
-            </a:r>
-            <a:r>
-              <a:rPr lang="en-US" sz="6000" b="1" cap="none" dirty="0" smtClean="0"/>
-              <a:t>ata </a:t>
-            </a:r>
-            <a:r>
-              <a:rPr lang="en-US" sz="6000" b="1" cap="none" dirty="0"/>
-              <a:t>S</a:t>
-            </a:r>
-            <a:r>
-              <a:rPr lang="en-US" sz="6000" b="1" cap="none" dirty="0" smtClean="0"/>
-              <a:t>cientist </a:t>
-            </a:r>
-            <a:r>
-              <a:rPr lang="en-US" sz="6000" b="1" cap="none" dirty="0"/>
-              <a:t>S</a:t>
-            </a:r>
-            <a:r>
-              <a:rPr lang="en-US" sz="6000" b="1" cap="none" dirty="0" smtClean="0"/>
-              <a:t>alary</a:t>
-            </a:r>
-            <a:endParaRPr lang="en-US" sz="6000" b="1" cap="none" dirty="0"/>
+              <a:t>Actions &amp; Recommendations</a:t>
+            </a:r>
           </a:p>
         </p:txBody>
       </p:sp>
     </p:spTree>
     <p:extLst>
       <p:ext uri="{BB962C8B-B14F-4D97-AF65-F5344CB8AC3E}">
-        <p14:creationId xmlns:p14="http://schemas.microsoft.com/office/powerpoint/2010/main" val="610199835"/>
+        <p14:creationId xmlns:p14="http://schemas.microsoft.com/office/powerpoint/2010/main" val="2722522223"/>
       </p:ext>
     </p:extLst>
   </p:cSld>
@@ -10732,97 +10890,131 @@
             <p:ph idx="1"/>
           </p:nvPr>
         </p:nvSpPr>
-        <p:spPr/>
+        <p:spPr>
+          <a:xfrm>
+            <a:off x="1097280" y="1749983"/>
+            <a:ext cx="10058400" cy="3760891"/>
+          </a:xfrm>
+        </p:spPr>
         <p:txBody>
           <a:bodyPr>
-            <a:normAutofit fontScale="85000" lnSpcReduction="20000"/>
+            <a:normAutofit/>
           </a:bodyPr>
           <a:lstStyle/>
           <a:p>
-            <a:r>
-              <a:rPr lang="en-GB" dirty="0" smtClean="0"/>
-              <a:t>As an IT graduate, I am very fascinated by the huge impact of data science on  businesses and how data analysis allows companies to be efficient in marketing and decision making. Data science has become so important that many companies are willing to invest a huge amount of money, which at the same time </a:t>
-            </a:r>
-            <a:r>
-              <a:rPr lang="en-GB" dirty="0" smtClean="0"/>
-              <a:t>I am attracted </a:t>
-            </a:r>
-            <a:r>
-              <a:rPr lang="en-GB" dirty="0" smtClean="0"/>
-              <a:t>by curiosity to find out how good is the salary for anyone who wishes to start a data science career mostly based in the USA, Canada and UK. </a:t>
-            </a:r>
-          </a:p>
-          <a:p>
-            <a:r>
-              <a:rPr lang="en-GB" dirty="0" smtClean="0"/>
-              <a:t>To do so, this project will be focusing on understanding </a:t>
-            </a:r>
-            <a:r>
-              <a:rPr lang="en-GB" dirty="0"/>
-              <a:t>the </a:t>
-            </a:r>
-            <a:r>
-              <a:rPr lang="en-GB" dirty="0" smtClean="0"/>
-              <a:t>salary of data scientists’ based on their fields, locations and expertise. </a:t>
-            </a:r>
-            <a:r>
-              <a:rPr lang="en-GB" dirty="0"/>
-              <a:t/>
-            </a:r>
-            <a:br>
-              <a:rPr lang="en-GB" dirty="0"/>
-            </a:br>
-            <a:endParaRPr lang="en-GB" dirty="0"/>
-          </a:p>
-          <a:p>
-            <a:r>
-              <a:rPr lang="en-GB" dirty="0"/>
-              <a:t>This will help us to:</a:t>
-            </a:r>
-            <a:br>
-              <a:rPr lang="en-GB" dirty="0"/>
-            </a:br>
-            <a:endParaRPr lang="en-GB" dirty="0"/>
-          </a:p>
-          <a:p>
-            <a:pPr>
-              <a:buClr>
-                <a:schemeClr val="tx1"/>
-              </a:buClr>
-              <a:buFont typeface="Wingdings" panose="05000000000000000000" pitchFamily="2" charset="2"/>
-              <a:buChar char="Ø"/>
-            </a:pPr>
-            <a:r>
-              <a:rPr lang="en-GB" dirty="0"/>
-              <a:t>Identify </a:t>
-            </a:r>
-            <a:r>
-              <a:rPr lang="en-GB" dirty="0" smtClean="0"/>
-              <a:t>which job title in data science has the highest salary.</a:t>
-            </a:r>
-            <a:endParaRPr lang="en-GB" dirty="0"/>
-          </a:p>
-          <a:p>
-            <a:pPr>
-              <a:buClr>
-                <a:schemeClr val="tx1"/>
-              </a:buClr>
-              <a:buFont typeface="Wingdings" panose="05000000000000000000" pitchFamily="2" charset="2"/>
-              <a:buChar char="Ø"/>
-            </a:pPr>
-            <a:r>
-              <a:rPr lang="en-GB" dirty="0" smtClean="0"/>
-              <a:t>Which country has the highest and lowest salary.</a:t>
-            </a:r>
-          </a:p>
-          <a:p>
-            <a:pPr marL="0" indent="0">
-              <a:buClr>
-                <a:schemeClr val="tx1"/>
-              </a:buClr>
+            <a:pPr marL="0" lvl="0" indent="0">
+              <a:lnSpc>
+                <a:spcPct val="150000"/>
+              </a:lnSpc>
+              <a:spcBef>
+                <a:spcPts val="0"/>
+              </a:spcBef>
+              <a:spcAft>
+                <a:spcPts val="0"/>
+              </a:spcAft>
               <a:buNone/>
             </a:pPr>
-            <a:endParaRPr lang="en-GB" dirty="0"/>
+            <a:r>
+              <a:rPr lang="en-GB" sz="1800" b="1" i="1" dirty="0">
+                <a:ea typeface="Roboto"/>
+                <a:cs typeface="Roboto"/>
+                <a:sym typeface="Roboto"/>
+              </a:rPr>
+              <a:t>Product recommendations:</a:t>
+            </a:r>
+          </a:p>
+          <a:p>
+            <a:pPr marL="457200" lvl="0" indent="-311150">
+              <a:lnSpc>
+                <a:spcPct val="150000"/>
+              </a:lnSpc>
+              <a:spcAft>
+                <a:spcPts val="0"/>
+              </a:spcAft>
+              <a:buSzPts val="1300"/>
+              <a:buChar char="●"/>
+            </a:pPr>
+            <a:r>
+              <a:rPr lang="en-GB" sz="1800" i="1" dirty="0"/>
+              <a:t>Focus on getting more paid course by creators in web development field hence this is the most popular subject in </a:t>
+            </a:r>
+            <a:r>
+              <a:rPr lang="en-GB" sz="1800" i="1" dirty="0" err="1" smtClean="0"/>
+              <a:t>Udemy</a:t>
+            </a:r>
+            <a:r>
+              <a:rPr lang="en-GB" sz="1800" i="1" dirty="0" smtClean="0"/>
+              <a:t>.</a:t>
+            </a:r>
+            <a:endParaRPr lang="en-GB" sz="1800" i="1" dirty="0"/>
+          </a:p>
+          <a:p>
+            <a:pPr marL="0" lvl="0" indent="0">
+              <a:lnSpc>
+                <a:spcPct val="150000"/>
+              </a:lnSpc>
+              <a:spcAft>
+                <a:spcPts val="0"/>
+              </a:spcAft>
+              <a:buNone/>
+            </a:pPr>
+            <a:r>
+              <a:rPr lang="en-GB" sz="1800" b="1" i="1" dirty="0">
+                <a:ea typeface="Roboto"/>
+                <a:cs typeface="Roboto"/>
+                <a:sym typeface="Roboto"/>
+              </a:rPr>
+              <a:t>Marketing recommendations:</a:t>
+            </a:r>
+          </a:p>
+          <a:p>
+            <a:pPr marL="457200" lvl="0" indent="-311150">
+              <a:lnSpc>
+                <a:spcPct val="150000"/>
+              </a:lnSpc>
+              <a:spcAft>
+                <a:spcPts val="0"/>
+              </a:spcAft>
+              <a:buSzPts val="1300"/>
+              <a:buChar char="●"/>
+            </a:pPr>
+            <a:r>
+              <a:rPr lang="en-GB" sz="1800" i="1" dirty="0"/>
+              <a:t>Our data tells us that our web development courses are </a:t>
+            </a:r>
+            <a:r>
+              <a:rPr lang="en-GB" sz="1800" i="1" dirty="0" smtClean="0"/>
+              <a:t>the most </a:t>
+            </a:r>
+            <a:r>
+              <a:rPr lang="en-GB" sz="1800" i="1" dirty="0"/>
+              <a:t>popular and people are willing to pay for </a:t>
+            </a:r>
+            <a:r>
+              <a:rPr lang="en-GB" sz="1800" i="1" dirty="0" smtClean="0"/>
+              <a:t>them. </a:t>
+            </a:r>
+            <a:r>
+              <a:rPr lang="en-GB" sz="1800" i="1" dirty="0"/>
+              <a:t>Marketing and advertising campaigns should therefore focus on advertising more web development contents.</a:t>
+            </a:r>
+            <a:endParaRPr lang="en-GB" sz="1800" i="1" dirty="0">
+              <a:solidFill>
+                <a:srgbClr val="FF0000"/>
+              </a:solidFill>
+            </a:endParaRPr>
+          </a:p>
+          <a:p>
+            <a:pPr marL="914400" lvl="0" indent="0">
+              <a:lnSpc>
+                <a:spcPct val="150000"/>
+              </a:lnSpc>
+              <a:spcAft>
+                <a:spcPts val="1200"/>
+              </a:spcAft>
+              <a:buNone/>
+            </a:pPr>
+            <a:endParaRPr lang="en-GB" sz="1800" i="1" dirty="0"/>
           </a:p>
         </p:txBody>
       </p:sp>
@@ -10842,8 +11034,12 @@
           <a:lstStyle/>
           <a:p>
             <a:r>
+              <a:rPr lang="en-ZA" b="1" dirty="0"/>
+              <a:t>Recommended </a:t>
+            </a:r>
+            <a:r>
               <a:rPr lang="en-ZA" b="1" dirty="0" smtClean="0"/>
-              <a:t>PROJECT DESCRIPTION</a:t>
+              <a:t>actions</a:t>
             </a:r>
             <a:endParaRPr lang="en-ZA" b="1" dirty="0"/>
           </a:p>
@@ -10852,7 +11048,7 @@
     </p:spTree>
     <p:extLst>
       <p:ext uri="{BB962C8B-B14F-4D97-AF65-F5344CB8AC3E}">
-        <p14:creationId xmlns:p14="http://schemas.microsoft.com/office/powerpoint/2010/main" val="1390011269"/>
+        <p14:creationId xmlns:p14="http://schemas.microsoft.com/office/powerpoint/2010/main" val="3218376021"/>
       </p:ext>
     </p:extLst>
   </p:cSld>
@@ -10881,76 +11077,65 @@
       </p:grpSpPr>
       <p:sp>
         <p:nvSpPr>
-          <p:cNvPr id="2" name="Content Placeholder 1"/>
+          <p:cNvPr id="4" name="Title 3">
+            <a:extLst>
+              <a:ext uri="{FF2B5EF4-FFF2-40B4-BE49-F238E27FC236}">
+                <a16:creationId xmlns:a16="http://schemas.microsoft.com/office/drawing/2014/main" id="{5B7AEFB0-51F2-5449-996C-73382891D2F9}"/>
+              </a:ext>
+            </a:extLst>
+          </p:cNvPr>
           <p:cNvSpPr>
             <a:spLocks noGrp="1"/>
           </p:cNvSpPr>
           <p:nvPr>
-            <p:ph idx="1"/>
-          </p:nvPr>
-        </p:nvSpPr>
-        <p:spPr/>
-        <p:txBody>
-          <a:bodyPr/>
+            <p:ph type="ctrTitle"/>
+          </p:nvPr>
+        </p:nvSpPr>
+        <p:spPr>
+          <a:xfrm>
+            <a:off x="2875175" y="2384981"/>
+            <a:ext cx="6159473" cy="2185227"/>
+          </a:xfrm>
+        </p:spPr>
+        <p:txBody>
+          <a:bodyPr>
+            <a:normAutofit/>
+          </a:bodyPr>
           <a:lstStyle/>
           <a:p>
-            <a:r>
-              <a:rPr lang="en-GB" dirty="0" smtClean="0"/>
-              <a:t>To conduct my analysis, I cleaned the original data set downloaded from </a:t>
-            </a:r>
-            <a:r>
-              <a:rPr lang="en-GB" dirty="0" err="1" smtClean="0"/>
-              <a:t>kaggle</a:t>
-            </a:r>
-            <a:r>
-              <a:rPr lang="en-GB" dirty="0" smtClean="0"/>
-              <a:t> to remove blanks, duplicates, incomplete and irrelevant data.</a:t>
-            </a:r>
-          </a:p>
-          <a:p>
-            <a:r>
-              <a:rPr lang="en-GB" dirty="0" smtClean="0"/>
-              <a:t>The dataset was analysed and structured by using Google sheets and Tableau was used for visualisation, </a:t>
-            </a:r>
-            <a:r>
-              <a:rPr lang="en-GB" dirty="0"/>
-              <a:t>combined with a couple of analytical tools such as  formulas, pivot tables, IF and VLOOKUP </a:t>
-            </a:r>
-            <a:r>
-              <a:rPr lang="en-GB" dirty="0" smtClean="0"/>
-              <a:t>functions in order to answer key questions and come up with a conclusion and action recommended according to the findings which will be discussed on the following slides. </a:t>
-            </a:r>
-            <a:endParaRPr lang="en-ZA" dirty="0"/>
-          </a:p>
-        </p:txBody>
-      </p:sp>
-      <p:sp>
-        <p:nvSpPr>
-          <p:cNvPr id="3" name="Title 2"/>
-          <p:cNvSpPr>
-            <a:spLocks noGrp="1"/>
-          </p:cNvSpPr>
-          <p:nvPr>
-            <p:ph type="title"/>
-          </p:nvPr>
-        </p:nvSpPr>
-        <p:spPr/>
-        <p:txBody>
-          <a:bodyPr/>
-          <a:lstStyle/>
-          <a:p>
-            <a:r>
-              <a:rPr lang="en-ZA" b="1" dirty="0" smtClean="0"/>
-              <a:t>DATA DESIGN</a:t>
-            </a:r>
-            <a:endParaRPr lang="en-ZA" b="1" dirty="0"/>
+            <a:pPr algn="ctr"/>
+            <a:r>
+              <a:rPr lang="en-US" sz="6000" b="1" cap="none" dirty="0"/>
+              <a:t>D</a:t>
+            </a:r>
+            <a:r>
+              <a:rPr lang="en-US" sz="6000" b="1" cap="none" dirty="0" smtClean="0"/>
+              <a:t>ata </a:t>
+            </a:r>
+            <a:r>
+              <a:rPr lang="en-US" sz="6000" b="1" cap="none" dirty="0"/>
+              <a:t>S</a:t>
+            </a:r>
+            <a:r>
+              <a:rPr lang="en-US" sz="6000" b="1" cap="none" dirty="0" smtClean="0"/>
+              <a:t>cientist </a:t>
+            </a:r>
+            <a:r>
+              <a:rPr lang="en-US" sz="6000" b="1" cap="none" dirty="0"/>
+              <a:t>S</a:t>
+            </a:r>
+            <a:r>
+              <a:rPr lang="en-US" sz="6000" b="1" cap="none" dirty="0" smtClean="0"/>
+              <a:t>alary</a:t>
+            </a:r>
+            <a:endParaRPr lang="en-US" sz="6000" b="1" cap="none" dirty="0"/>
           </a:p>
         </p:txBody>
       </p:sp>
     </p:spTree>
     <p:extLst>
       <p:ext uri="{BB962C8B-B14F-4D97-AF65-F5344CB8AC3E}">
-        <p14:creationId xmlns:p14="http://schemas.microsoft.com/office/powerpoint/2010/main" val="3975766368"/>
+        <p14:creationId xmlns:p14="http://schemas.microsoft.com/office/powerpoint/2010/main" val="610199835"/>
       </p:ext>
     </p:extLst>
   </p:cSld>
@@ -10994,113 +11179,159 @@
           </a:bodyPr>
           <a:lstStyle/>
           <a:p>
-            <a:pPr marL="457200" indent="-457200">
+            <a:r>
+              <a:rPr lang="en-GB" dirty="0" smtClean="0"/>
+              <a:t>As an IT graduate, I am </a:t>
+            </a:r>
+            <a:r>
+              <a:rPr lang="en-GB" dirty="0" smtClean="0"/>
+              <a:t>fascinated </a:t>
+            </a:r>
+            <a:r>
+              <a:rPr lang="en-GB" dirty="0" smtClean="0"/>
+              <a:t>by the huge impact of data science </a:t>
+            </a:r>
+            <a:r>
+              <a:rPr lang="en-GB" dirty="0" smtClean="0"/>
+              <a:t>on businesses </a:t>
+            </a:r>
+            <a:r>
+              <a:rPr lang="en-GB" dirty="0" smtClean="0"/>
+              <a:t>and how data analysis allows companies to be efficient in marketing and </a:t>
+            </a:r>
+            <a:r>
+              <a:rPr lang="en-GB" dirty="0" smtClean="0"/>
+              <a:t>decision-making. </a:t>
+            </a:r>
+            <a:r>
+              <a:rPr lang="en-GB" dirty="0" smtClean="0"/>
+              <a:t>Data science has become so important that many companies are willing to invest a huge amount of money, </a:t>
+            </a:r>
+            <a:r>
+              <a:rPr lang="en-GB" dirty="0"/>
+              <a:t>a</a:t>
+            </a:r>
+            <a:r>
+              <a:rPr lang="en-GB" dirty="0" smtClean="0"/>
+              <a:t>t </a:t>
+            </a:r>
+            <a:r>
+              <a:rPr lang="en-GB" dirty="0" smtClean="0"/>
+              <a:t>the same time I am attracted by curiosity to find out how good is the salary for anyone who wishes to start a data science career mostly based in the USA, </a:t>
+            </a:r>
+            <a:r>
+              <a:rPr lang="en-GB" dirty="0" smtClean="0"/>
+              <a:t>Canada, </a:t>
+            </a:r>
+            <a:r>
+              <a:rPr lang="en-GB" dirty="0" smtClean="0"/>
+              <a:t>and UK. </a:t>
+            </a:r>
+          </a:p>
+          <a:p>
+            <a:r>
+              <a:rPr lang="en-GB" dirty="0" smtClean="0"/>
+              <a:t>To do so, this project will </a:t>
+            </a:r>
+            <a:r>
+              <a:rPr lang="en-GB" dirty="0" smtClean="0"/>
+              <a:t>focus </a:t>
+            </a:r>
+            <a:r>
+              <a:rPr lang="en-GB" dirty="0" smtClean="0"/>
+              <a:t>on understanding </a:t>
+            </a:r>
+            <a:r>
+              <a:rPr lang="en-GB" dirty="0"/>
+              <a:t>the </a:t>
+            </a:r>
+            <a:r>
+              <a:rPr lang="en-GB" dirty="0" smtClean="0"/>
+              <a:t>salary of data </a:t>
+            </a:r>
+            <a:r>
+              <a:rPr lang="en-GB" dirty="0" smtClean="0"/>
+              <a:t>scientists </a:t>
+            </a:r>
+            <a:r>
+              <a:rPr lang="en-GB" dirty="0" smtClean="0"/>
+              <a:t>based on their fields, </a:t>
+            </a:r>
+            <a:r>
+              <a:rPr lang="en-GB" dirty="0" smtClean="0"/>
+              <a:t>locations, </a:t>
+            </a:r>
+            <a:r>
+              <a:rPr lang="en-GB" dirty="0" smtClean="0"/>
+              <a:t>and expertise. </a:t>
+            </a:r>
+            <a:r>
+              <a:rPr lang="en-GB" dirty="0"/>
+              <a:t/>
+            </a:r>
+            <a:br>
+              <a:rPr lang="en-GB" dirty="0"/>
+            </a:br>
+            <a:endParaRPr lang="en-GB" dirty="0"/>
+          </a:p>
+          <a:p>
+            <a:r>
+              <a:rPr lang="en-GB" dirty="0"/>
+              <a:t>This will help us to:</a:t>
+            </a:r>
+            <a:br>
+              <a:rPr lang="en-GB" dirty="0"/>
+            </a:br>
+            <a:endParaRPr lang="en-GB" dirty="0"/>
+          </a:p>
+          <a:p>
+            <a:pPr>
               <a:buClr>
                 <a:schemeClr val="tx1"/>
               </a:buClr>
-              <a:buFont typeface="+mj-lt"/>
-              <a:buAutoNum type="arabicPeriod"/>
+              <a:buFont typeface="Wingdings" panose="05000000000000000000" pitchFamily="2" charset="2"/>
+              <a:buChar char="Ø"/>
             </a:pPr>
             <a:r>
-              <a:rPr lang="en-ZA" dirty="0" smtClean="0"/>
-              <a:t>What is the average salary on different company size based on expertise for 2022?</a:t>
-            </a:r>
-          </a:p>
-          <a:p>
-            <a:pPr marL="457200" indent="-457200">
+              <a:rPr lang="en-GB" dirty="0"/>
+              <a:t>Identify </a:t>
+            </a:r>
+            <a:r>
+              <a:rPr lang="en-GB" dirty="0" smtClean="0"/>
+              <a:t>which job title in data science has the highest </a:t>
+            </a:r>
+            <a:r>
+              <a:rPr lang="en-GB" dirty="0" smtClean="0"/>
+              <a:t>salary.</a:t>
+            </a:r>
+            <a:endParaRPr lang="en-GB" dirty="0"/>
+          </a:p>
+          <a:p>
+            <a:pPr>
               <a:buClr>
                 <a:schemeClr val="tx1"/>
               </a:buClr>
-              <a:buFont typeface="+mj-lt"/>
-              <a:buAutoNum type="arabicPeriod"/>
+              <a:buFont typeface="Wingdings" panose="05000000000000000000" pitchFamily="2" charset="2"/>
+              <a:buChar char="Ø"/>
             </a:pPr>
             <a:r>
-              <a:rPr lang="en-ZA" dirty="0" smtClean="0"/>
-              <a:t>What is the average salary on different country based on expertise for 2020 to 2023?</a:t>
-            </a:r>
-          </a:p>
-          <a:p>
-            <a:pPr marL="457200" indent="-457200">
+              <a:rPr lang="en-GB" dirty="0" smtClean="0"/>
+              <a:t>Which country has the highest and lowest </a:t>
+            </a:r>
+            <a:r>
+              <a:rPr lang="en-GB" dirty="0" smtClean="0"/>
+              <a:t>salaries?</a:t>
+            </a:r>
+            <a:endParaRPr lang="en-GB" dirty="0" smtClean="0"/>
+          </a:p>
+          <a:p>
+            <a:pPr marL="0" indent="0">
               <a:buClr>
                 <a:schemeClr val="tx1"/>
               </a:buClr>
-              <a:buFont typeface="+mj-lt"/>
-              <a:buAutoNum type="arabicPeriod"/>
+              <a:buNone/>
             </a:pPr>
-            <a:r>
-              <a:rPr lang="en-GB" dirty="0" smtClean="0"/>
-              <a:t>Is there any changes in data scientists’ salary throughout 2022 and 2023?</a:t>
-            </a:r>
-            <a:endParaRPr lang="en-ZA" dirty="0" smtClean="0"/>
-          </a:p>
-          <a:p>
-            <a:pPr marL="457200" indent="-457200">
-              <a:buClr>
-                <a:schemeClr val="tx1"/>
-              </a:buClr>
-              <a:buFont typeface="+mj-lt"/>
-              <a:buAutoNum type="arabicPeriod"/>
-            </a:pPr>
-            <a:r>
-              <a:rPr lang="en-ZA" dirty="0" smtClean="0"/>
-              <a:t>What is the highest salary for a data scientist?</a:t>
-            </a:r>
-          </a:p>
-          <a:p>
-            <a:pPr marL="457200" indent="-457200">
-              <a:buClr>
-                <a:schemeClr val="tx1"/>
-              </a:buClr>
-              <a:buFont typeface="+mj-lt"/>
-              <a:buAutoNum type="arabicPeriod"/>
-            </a:pPr>
-            <a:r>
-              <a:rPr lang="en-ZA" dirty="0" smtClean="0"/>
-              <a:t>What is the lowest salary for a data scientist ?</a:t>
-            </a:r>
-          </a:p>
-          <a:p>
-            <a:pPr marL="457200" indent="-457200">
-              <a:buClr>
-                <a:schemeClr val="tx1"/>
-              </a:buClr>
-              <a:buFont typeface="+mj-lt"/>
-              <a:buAutoNum type="arabicPeriod"/>
-            </a:pPr>
-            <a:r>
-              <a:rPr lang="en-ZA" dirty="0" smtClean="0"/>
-              <a:t>Which country has the highest salary in 2023?</a:t>
-            </a:r>
-          </a:p>
-          <a:p>
-            <a:pPr marL="457200" indent="-457200">
-              <a:buClr>
-                <a:schemeClr val="tx1"/>
-              </a:buClr>
-              <a:buFont typeface="+mj-lt"/>
-              <a:buAutoNum type="arabicPeriod"/>
-            </a:pPr>
-            <a:r>
-              <a:rPr lang="en-ZA" dirty="0" smtClean="0"/>
-              <a:t>What is the most popular data scientist job title in USA, UK And Canada in 2023?</a:t>
-            </a:r>
-          </a:p>
-          <a:p>
-            <a:pPr marL="457200" indent="-457200">
-              <a:buClr>
-                <a:schemeClr val="tx1"/>
-              </a:buClr>
-              <a:buFont typeface="+mj-lt"/>
-              <a:buAutoNum type="arabicPeriod"/>
-            </a:pPr>
-            <a:r>
-              <a:rPr lang="en-ZA" dirty="0" smtClean="0"/>
-              <a:t>Does the company size affect the salary?</a:t>
-            </a:r>
-            <a:br>
-              <a:rPr lang="en-ZA" dirty="0" smtClean="0"/>
-            </a:br>
-            <a:endParaRPr lang="en-ZA" dirty="0"/>
+            <a:endParaRPr lang="en-GB" dirty="0"/>
           </a:p>
         </p:txBody>
       </p:sp>
@@ -11121,7 +11352,7 @@
           <a:p>
             <a:r>
               <a:rPr lang="en-ZA" b="1" dirty="0" smtClean="0"/>
-              <a:t>KEY QUESTIONS</a:t>
+              <a:t>PROJECT DESCRIPTION</a:t>
             </a:r>
             <a:endParaRPr lang="en-ZA" b="1" dirty="0"/>
           </a:p>
@@ -11130,7 +11361,7 @@
     </p:spTree>
     <p:extLst>
       <p:ext uri="{BB962C8B-B14F-4D97-AF65-F5344CB8AC3E}">
-        <p14:creationId xmlns:p14="http://schemas.microsoft.com/office/powerpoint/2010/main" val="1106199670"/>
+        <p14:creationId xmlns:p14="http://schemas.microsoft.com/office/powerpoint/2010/main" val="1390011269"/>
       </p:ext>
     </p:extLst>
   </p:cSld>
@@ -11159,39 +11390,104 @@
       </p:grpSpPr>
       <p:sp>
         <p:nvSpPr>
-          <p:cNvPr id="4" name="Title 3"/>
+          <p:cNvPr id="2" name="Content Placeholder 1"/>
           <p:cNvSpPr>
             <a:spLocks noGrp="1"/>
           </p:cNvSpPr>
           <p:nvPr>
+            <p:ph idx="1"/>
+          </p:nvPr>
+        </p:nvSpPr>
+        <p:spPr/>
+        <p:txBody>
+          <a:bodyPr/>
+          <a:lstStyle/>
+          <a:p>
+            <a:r>
+              <a:rPr lang="en-GB" dirty="0" smtClean="0"/>
+              <a:t>To conduct my analysis, I cleaned the original data set downloaded from </a:t>
+            </a:r>
+            <a:r>
+              <a:rPr lang="en-GB" dirty="0" err="1" smtClean="0"/>
+              <a:t>Kaggle</a:t>
+            </a:r>
+            <a:r>
+              <a:rPr lang="en-GB" dirty="0" smtClean="0"/>
+              <a:t> </a:t>
+            </a:r>
+            <a:r>
+              <a:rPr lang="en-GB" dirty="0" smtClean="0"/>
+              <a:t>to remove blanks, duplicates, incomplete and irrelevant data.</a:t>
+            </a:r>
+          </a:p>
+          <a:p>
+            <a:r>
+              <a:rPr lang="en-GB" dirty="0" smtClean="0"/>
+              <a:t>The dataset was analysed and structured by using Google </a:t>
+            </a:r>
+            <a:r>
+              <a:rPr lang="en-GB" dirty="0" smtClean="0"/>
+              <a:t>Sheets </a:t>
+            </a:r>
+            <a:r>
+              <a:rPr lang="en-GB" dirty="0" smtClean="0"/>
+              <a:t>and Tableau was used for visualisation, </a:t>
+            </a:r>
+            <a:r>
+              <a:rPr lang="en-GB" dirty="0"/>
+              <a:t>combined with a couple of analytical tools such </a:t>
+            </a:r>
+            <a:r>
+              <a:rPr lang="en-GB" dirty="0" smtClean="0"/>
+              <a:t>as formulas</a:t>
+            </a:r>
+            <a:r>
+              <a:rPr lang="en-GB" dirty="0"/>
+              <a:t>, pivot tables, </a:t>
+            </a:r>
+            <a:r>
+              <a:rPr lang="en-GB" dirty="0" smtClean="0"/>
+              <a:t>IF, </a:t>
+            </a:r>
+            <a:r>
+              <a:rPr lang="en-GB" dirty="0"/>
+              <a:t>and VLOOKUP </a:t>
+            </a:r>
+            <a:r>
+              <a:rPr lang="en-GB" dirty="0" smtClean="0"/>
+              <a:t>functions in order to answer key questions and come up with a conclusion and action recommended according to the findings which will be discussed on the following slides. </a:t>
+            </a:r>
+            <a:endParaRPr lang="en-ZA" dirty="0"/>
+          </a:p>
+        </p:txBody>
+      </p:sp>
+      <p:sp>
+        <p:nvSpPr>
+          <p:cNvPr id="3" name="Title 2"/>
+          <p:cNvSpPr>
+            <a:spLocks noGrp="1"/>
+          </p:cNvSpPr>
+          <p:nvPr>
             <p:ph type="title"/>
           </p:nvPr>
         </p:nvSpPr>
-        <p:spPr>
-          <a:xfrm>
-            <a:off x="2139885" y="3082755"/>
-            <a:ext cx="7658336" cy="1894598"/>
-          </a:xfrm>
-        </p:spPr>
-        <p:txBody>
-          <a:bodyPr>
-            <a:noAutofit/>
-          </a:bodyPr>
+        <p:spPr/>
+        <p:txBody>
+          <a:bodyPr/>
           <a:lstStyle/>
           <a:p>
-            <a:pPr algn="ctr"/>
-            <a:r>
-              <a:rPr lang="en-ZA" sz="6000" b="1" dirty="0" smtClean="0"/>
-              <a:t>FINDINGS AND INSIGHTS</a:t>
-            </a:r>
-            <a:endParaRPr lang="en-ZA" sz="6000" b="1" dirty="0"/>
+            <a:r>
+              <a:rPr lang="en-ZA" b="1" dirty="0" smtClean="0"/>
+              <a:t>DATA DESIGN</a:t>
+            </a:r>
+            <a:endParaRPr lang="en-ZA" b="1" dirty="0"/>
           </a:p>
         </p:txBody>
       </p:sp>
     </p:spTree>
     <p:extLst>
       <p:ext uri="{BB962C8B-B14F-4D97-AF65-F5344CB8AC3E}">
-        <p14:creationId xmlns:p14="http://schemas.microsoft.com/office/powerpoint/2010/main" val="3722790935"/>
+        <p14:creationId xmlns:p14="http://schemas.microsoft.com/office/powerpoint/2010/main" val="3975766368"/>
       </p:ext>
     </p:extLst>
   </p:cSld>
@@ -11278,7 +11574,7 @@
               <a:t>Project </a:t>
             </a:r>
             <a:r>
-              <a:rPr lang="en-ZA" b="1" dirty="0" err="1" smtClean="0"/>
+              <a:rPr lang="en-ZA" b="1" dirty="0" smtClean="0"/>
               <a:t>Udemy</a:t>
             </a:r>
             <a:r>
@@ -11335,8 +11631,13 @@
             </a:pPr>
             <a:r>
               <a:rPr lang="en-ZA" dirty="0" smtClean="0"/>
-              <a:t>Action and Recommendations………………………………………………………………………………………..23</a:t>
-            </a:r>
+              <a:t>Action and Recommendations………………………………………………………………………………………..</a:t>
+            </a:r>
+            <a:r>
+              <a:rPr lang="en-ZA" dirty="0" smtClean="0"/>
+              <a:t>25</a:t>
+            </a:r>
+            <a:endParaRPr lang="en-ZA" dirty="0" smtClean="0"/>
           </a:p>
           <a:p>
             <a:pPr marL="0" indent="0">
@@ -11355,8 +11656,13 @@
             </a:r>
             <a:r>
               <a:rPr lang="en-ZA" dirty="0" smtClean="0"/>
-              <a:t>…………………………………………………………………………………25</a:t>
-            </a:r>
+              <a:t>…………………………………………………………………………………</a:t>
+            </a:r>
+            <a:r>
+              <a:rPr lang="en-ZA" dirty="0" smtClean="0"/>
+              <a:t>27</a:t>
+            </a:r>
+            <a:endParaRPr lang="en-ZA" dirty="0" smtClean="0"/>
           </a:p>
           <a:p>
             <a:pPr lvl="1">
@@ -11368,8 +11674,13 @@
             </a:pPr>
             <a:r>
               <a:rPr lang="en-ZA" dirty="0" smtClean="0"/>
-              <a:t>Project Description………………………………………………………………………………………………………..26</a:t>
-            </a:r>
+              <a:t>Project Description………………………………………………………………………………………………………..</a:t>
+            </a:r>
+            <a:r>
+              <a:rPr lang="en-ZA" dirty="0" smtClean="0"/>
+              <a:t>28</a:t>
+            </a:r>
+            <a:endParaRPr lang="en-ZA" dirty="0" smtClean="0"/>
           </a:p>
           <a:p>
             <a:pPr lvl="1">
@@ -11389,7 +11700,11 @@
             </a:r>
             <a:r>
               <a:rPr lang="en-ZA" dirty="0" smtClean="0"/>
-              <a:t>………………………………………………………………………………………………………………..27</a:t>
+              <a:t>………………………………………………………………………………………………………………..</a:t>
+            </a:r>
+            <a:r>
+              <a:rPr lang="en-ZA" dirty="0" smtClean="0"/>
+              <a:t>29</a:t>
             </a:r>
             <a:endParaRPr lang="en-ZA" dirty="0"/>
           </a:p>
@@ -11403,7 +11718,15 @@
             </a:pPr>
             <a:r>
               <a:rPr lang="en-ZA" dirty="0" smtClean="0"/>
-              <a:t>Findings and Insight……………………………………………………………………………………………………….29</a:t>
+              <a:t>Findings and Insight</a:t>
+            </a:r>
+            <a:r>
+              <a:rPr lang="en-ZA" dirty="0" smtClean="0"/>
+              <a:t>……………………………………………………………………………………………………….</a:t>
+            </a:r>
+            <a:r>
+              <a:rPr lang="en-ZA" dirty="0" smtClean="0"/>
+              <a:t>30</a:t>
             </a:r>
             <a:endParaRPr lang="en-ZA" dirty="0"/>
           </a:p>
@@ -11421,7 +11744,11 @@
             </a:r>
             <a:r>
               <a:rPr lang="en-ZA" dirty="0" smtClean="0"/>
-              <a:t>Recommendation…………………………………………………………………………………………50</a:t>
+              <a:t>Recommendation…………………………………………………………………………………………</a:t>
+            </a:r>
+            <a:r>
+              <a:rPr lang="en-ZA" dirty="0" smtClean="0"/>
+              <a:t>55</a:t>
             </a:r>
             <a:endParaRPr lang="en-ZA" dirty="0"/>
           </a:p>
@@ -11483,6 +11810,296 @@
 </file>
 
 <file path=ppt/slides/slide30.xml><?xml version="1.0" encoding="utf-8"?>
+<p:sld xmlns:a="http://schemas.openxmlformats.org/drawingml/2006/main" xmlns:r="http://schemas.openxmlformats.org/officeDocument/2006/relationships" xmlns:p="http://schemas.openxmlformats.org/presentationml/2006/main">
+  <p:cSld>
+    <p:spTree>
+      <p:nvGrpSpPr>
+        <p:cNvPr id="1" name=""/>
+        <p:cNvGrpSpPr/>
+        <p:nvPr/>
+      </p:nvGrpSpPr>
+      <p:grpSpPr>
+        <a:xfrm>
+          <a:off x="0" y="0"/>
+          <a:ext cx="0" cy="0"/>
+          <a:chOff x="0" y="0"/>
+          <a:chExt cx="0" cy="0"/>
+        </a:xfrm>
+      </p:grpSpPr>
+      <p:sp>
+        <p:nvSpPr>
+          <p:cNvPr id="2" name="Content Placeholder 1"/>
+          <p:cNvSpPr>
+            <a:spLocks noGrp="1"/>
+          </p:cNvSpPr>
+          <p:nvPr>
+            <p:ph idx="1"/>
+          </p:nvPr>
+        </p:nvSpPr>
+        <p:spPr/>
+        <p:txBody>
+          <a:bodyPr>
+            <a:normAutofit fontScale="85000" lnSpcReduction="10000"/>
+          </a:bodyPr>
+          <a:lstStyle/>
+          <a:p>
+            <a:pPr marL="457200" indent="-457200">
+              <a:buClr>
+                <a:schemeClr val="tx1"/>
+              </a:buClr>
+              <a:buFont typeface="+mj-lt"/>
+              <a:buAutoNum type="arabicPeriod"/>
+            </a:pPr>
+            <a:r>
+              <a:rPr lang="en-ZA" dirty="0" smtClean="0"/>
+              <a:t>What is the average salary </a:t>
+            </a:r>
+            <a:r>
+              <a:rPr lang="en-ZA" dirty="0" smtClean="0"/>
+              <a:t>for </a:t>
+            </a:r>
+            <a:r>
+              <a:rPr lang="en-ZA" dirty="0" smtClean="0"/>
+              <a:t>different company </a:t>
+            </a:r>
+            <a:r>
+              <a:rPr lang="en-ZA" dirty="0" smtClean="0"/>
+              <a:t>sizes </a:t>
+            </a:r>
+            <a:r>
+              <a:rPr lang="en-ZA" dirty="0" smtClean="0"/>
+              <a:t>based on expertise for 2022?</a:t>
+            </a:r>
+          </a:p>
+          <a:p>
+            <a:pPr marL="457200" indent="-457200">
+              <a:buClr>
+                <a:schemeClr val="tx1"/>
+              </a:buClr>
+              <a:buFont typeface="+mj-lt"/>
+              <a:buAutoNum type="arabicPeriod"/>
+            </a:pPr>
+            <a:r>
+              <a:rPr lang="en-ZA" dirty="0" smtClean="0"/>
+              <a:t>What is the average salary </a:t>
+            </a:r>
+            <a:r>
+              <a:rPr lang="en-ZA" dirty="0" smtClean="0"/>
+              <a:t>in </a:t>
+            </a:r>
+            <a:r>
+              <a:rPr lang="en-ZA" dirty="0" smtClean="0"/>
+              <a:t>different </a:t>
+            </a:r>
+            <a:r>
+              <a:rPr lang="en-ZA" dirty="0" smtClean="0"/>
+              <a:t>countries </a:t>
+            </a:r>
+            <a:r>
+              <a:rPr lang="en-ZA" dirty="0" smtClean="0"/>
+              <a:t>based on expertise for 2020 to 2023?</a:t>
+            </a:r>
+          </a:p>
+          <a:p>
+            <a:pPr marL="457200" indent="-457200">
+              <a:buClr>
+                <a:schemeClr val="tx1"/>
+              </a:buClr>
+              <a:buFont typeface="+mj-lt"/>
+              <a:buAutoNum type="arabicPeriod"/>
+            </a:pPr>
+            <a:r>
+              <a:rPr lang="en-GB" dirty="0" smtClean="0"/>
+              <a:t>Are </a:t>
+            </a:r>
+            <a:r>
+              <a:rPr lang="en-GB" dirty="0" smtClean="0"/>
+              <a:t>there any changes in data scientists’ </a:t>
+            </a:r>
+            <a:r>
+              <a:rPr lang="en-GB" dirty="0" smtClean="0"/>
+              <a:t>salaries </a:t>
+            </a:r>
+            <a:r>
+              <a:rPr lang="en-GB" dirty="0" smtClean="0"/>
+              <a:t>throughout 2022 and 2023?</a:t>
+            </a:r>
+            <a:endParaRPr lang="en-ZA" dirty="0" smtClean="0"/>
+          </a:p>
+          <a:p>
+            <a:pPr marL="457200" indent="-457200">
+              <a:buClr>
+                <a:schemeClr val="tx1"/>
+              </a:buClr>
+              <a:buFont typeface="+mj-lt"/>
+              <a:buAutoNum type="arabicPeriod"/>
+            </a:pPr>
+            <a:r>
+              <a:rPr lang="en-ZA" dirty="0" smtClean="0"/>
+              <a:t>What is the highest salary for a data scientist?</a:t>
+            </a:r>
+          </a:p>
+          <a:p>
+            <a:pPr marL="457200" indent="-457200">
+              <a:buClr>
+                <a:schemeClr val="tx1"/>
+              </a:buClr>
+              <a:buFont typeface="+mj-lt"/>
+              <a:buAutoNum type="arabicPeriod"/>
+            </a:pPr>
+            <a:r>
+              <a:rPr lang="en-ZA" dirty="0" smtClean="0"/>
+              <a:t>What is the lowest salary for a data </a:t>
+            </a:r>
+            <a:r>
+              <a:rPr lang="en-ZA" dirty="0" smtClean="0"/>
+              <a:t>scientist?</a:t>
+            </a:r>
+            <a:endParaRPr lang="en-ZA" dirty="0" smtClean="0"/>
+          </a:p>
+          <a:p>
+            <a:pPr marL="457200" indent="-457200">
+              <a:buClr>
+                <a:schemeClr val="tx1"/>
+              </a:buClr>
+              <a:buFont typeface="+mj-lt"/>
+              <a:buAutoNum type="arabicPeriod"/>
+            </a:pPr>
+            <a:r>
+              <a:rPr lang="en-ZA" dirty="0" smtClean="0"/>
+              <a:t>Which country has the highest salary in 2023?</a:t>
+            </a:r>
+          </a:p>
+          <a:p>
+            <a:pPr marL="457200" indent="-457200">
+              <a:buClr>
+                <a:schemeClr val="tx1"/>
+              </a:buClr>
+              <a:buFont typeface="+mj-lt"/>
+              <a:buAutoNum type="arabicPeriod"/>
+            </a:pPr>
+            <a:r>
+              <a:rPr lang="en-ZA" dirty="0" smtClean="0"/>
+              <a:t>What is the most popular data scientist job title in USA, UK And Canada in 2023?</a:t>
+            </a:r>
+          </a:p>
+          <a:p>
+            <a:pPr marL="457200" indent="-457200">
+              <a:buClr>
+                <a:schemeClr val="tx1"/>
+              </a:buClr>
+              <a:buFont typeface="+mj-lt"/>
+              <a:buAutoNum type="arabicPeriod"/>
+            </a:pPr>
+            <a:r>
+              <a:rPr lang="en-ZA" dirty="0" smtClean="0"/>
+              <a:t>Does the company size affect the salary?</a:t>
+            </a:r>
+            <a:br>
+              <a:rPr lang="en-ZA" dirty="0" smtClean="0"/>
+            </a:br>
+            <a:endParaRPr lang="en-ZA" dirty="0"/>
+          </a:p>
+        </p:txBody>
+      </p:sp>
+      <p:sp>
+        <p:nvSpPr>
+          <p:cNvPr id="3" name="Title 2"/>
+          <p:cNvSpPr>
+            <a:spLocks noGrp="1"/>
+          </p:cNvSpPr>
+          <p:nvPr>
+            <p:ph type="title"/>
+          </p:nvPr>
+        </p:nvSpPr>
+        <p:spPr/>
+        <p:txBody>
+          <a:bodyPr/>
+          <a:lstStyle/>
+          <a:p>
+            <a:r>
+              <a:rPr lang="en-ZA" b="1" dirty="0" smtClean="0"/>
+              <a:t>KEY QUESTIONS</a:t>
+            </a:r>
+            <a:endParaRPr lang="en-ZA" b="1" dirty="0"/>
+          </a:p>
+        </p:txBody>
+      </p:sp>
+    </p:spTree>
+    <p:extLst>
+      <p:ext uri="{BB962C8B-B14F-4D97-AF65-F5344CB8AC3E}">
+        <p14:creationId xmlns:p14="http://schemas.microsoft.com/office/powerpoint/2010/main" val="1106199670"/>
+      </p:ext>
+    </p:extLst>
+  </p:cSld>
+  <p:clrMapOvr>
+    <a:masterClrMapping/>
+  </p:clrMapOvr>
+</p:sld>
+</file>
+
+<file path=ppt/slides/slide31.xml><?xml version="1.0" encoding="utf-8"?>
+<p:sld xmlns:a="http://schemas.openxmlformats.org/drawingml/2006/main" xmlns:r="http://schemas.openxmlformats.org/officeDocument/2006/relationships" xmlns:p="http://schemas.openxmlformats.org/presentationml/2006/main">
+  <p:cSld>
+    <p:spTree>
+      <p:nvGrpSpPr>
+        <p:cNvPr id="1" name=""/>
+        <p:cNvGrpSpPr/>
+        <p:nvPr/>
+      </p:nvGrpSpPr>
+      <p:grpSpPr>
+        <a:xfrm>
+          <a:off x="0" y="0"/>
+          <a:ext cx="0" cy="0"/>
+          <a:chOff x="0" y="0"/>
+          <a:chExt cx="0" cy="0"/>
+        </a:xfrm>
+      </p:grpSpPr>
+      <p:sp>
+        <p:nvSpPr>
+          <p:cNvPr id="4" name="Title 3"/>
+          <p:cNvSpPr>
+            <a:spLocks noGrp="1"/>
+          </p:cNvSpPr>
+          <p:nvPr>
+            <p:ph type="title"/>
+          </p:nvPr>
+        </p:nvSpPr>
+        <p:spPr>
+          <a:xfrm>
+            <a:off x="2139885" y="3082755"/>
+            <a:ext cx="7658336" cy="1894598"/>
+          </a:xfrm>
+        </p:spPr>
+        <p:txBody>
+          <a:bodyPr>
+            <a:noAutofit/>
+          </a:bodyPr>
+          <a:lstStyle/>
+          <a:p>
+            <a:pPr algn="ctr"/>
+            <a:r>
+              <a:rPr lang="en-ZA" sz="6000" b="1" dirty="0" smtClean="0"/>
+              <a:t>FINDINGS AND INSIGHTS</a:t>
+            </a:r>
+            <a:endParaRPr lang="en-ZA" sz="6000" b="1" dirty="0"/>
+          </a:p>
+        </p:txBody>
+      </p:sp>
+    </p:spTree>
+    <p:extLst>
+      <p:ext uri="{BB962C8B-B14F-4D97-AF65-F5344CB8AC3E}">
+        <p14:creationId xmlns:p14="http://schemas.microsoft.com/office/powerpoint/2010/main" val="3722790935"/>
+      </p:ext>
+    </p:extLst>
+  </p:cSld>
+  <p:clrMapOvr>
+    <a:masterClrMapping/>
+  </p:clrMapOvr>
+</p:sld>
+</file>
+
+<file path=ppt/slides/slide32.xml><?xml version="1.0" encoding="utf-8"?>
 <p:sld xmlns:a="http://schemas.openxmlformats.org/drawingml/2006/main" xmlns:r="http://schemas.openxmlformats.org/officeDocument/2006/relationships" xmlns:p="http://schemas.openxmlformats.org/presentationml/2006/main">
   <p:cSld>
     <p:spTree>
@@ -11579,7 +12196,23 @@
             </a:r>
             <a:r>
               <a:rPr lang="en-GB" b="1" dirty="0"/>
-              <a:t>What is the average salary on different company size based on </a:t>
+              <a:t>What is the average salary </a:t>
+            </a:r>
+            <a:r>
+              <a:rPr lang="en-GB" b="1" dirty="0" smtClean="0"/>
+              <a:t>for </a:t>
+            </a:r>
+            <a:r>
+              <a:rPr lang="en-GB" b="1" dirty="0"/>
+              <a:t>different company </a:t>
+            </a:r>
+            <a:r>
+              <a:rPr lang="en-GB" b="1" dirty="0" smtClean="0"/>
+              <a:t>sizes based </a:t>
+            </a:r>
+            <a:r>
+              <a:rPr lang="en-GB" b="1" dirty="0"/>
+              <a:t>on </a:t>
             </a:r>
             <a:r>
               <a:rPr lang="en-GB" b="1" dirty="0" smtClean="0"/>
@@ -11602,7 +12235,7 @@
 </p:sld>
 </file>
 
-<file path=ppt/slides/slide31.xml><?xml version="1.0" encoding="utf-8"?>
+<file path=ppt/slides/slide33.xml><?xml version="1.0" encoding="utf-8"?>
 <p:sld xmlns:a="http://schemas.openxmlformats.org/drawingml/2006/main" xmlns:r="http://schemas.openxmlformats.org/officeDocument/2006/relationships" xmlns:p="http://schemas.openxmlformats.org/presentationml/2006/main">
   <p:cSld>
     <p:spTree>
@@ -11619,6 +12252,146 @@
           <a:chExt cx="0" cy="0"/>
         </a:xfrm>
       </p:grpSpPr>
+      <p:pic>
+        <p:nvPicPr>
+          <p:cNvPr id="4" name="Content Placeholder 3"/>
+          <p:cNvPicPr>
+            <a:picLocks noGrp="1" noChangeAspect="1"/>
+          </p:cNvPicPr>
+          <p:nvPr>
+            <p:ph idx="1"/>
+          </p:nvPr>
+        </p:nvPicPr>
+        <p:blipFill>
+          <a:blip r:embed="rId2">
+            <a:extLst>
+              <a:ext uri="{28A0092B-C50C-407E-A947-70E740481C1C}">
+                <a14:useLocalDpi xmlns:a14="http://schemas.microsoft.com/office/drawing/2010/main" val="0"/>
+              </a:ext>
+            </a:extLst>
+          </a:blip>
+          <a:stretch>
+            <a:fillRect/>
+          </a:stretch>
+        </p:blipFill>
+        <p:spPr>
+          <a:xfrm>
+            <a:off x="1611984" y="2064471"/>
+            <a:ext cx="8974317" cy="3139125"/>
+          </a:xfrm>
+          <a:prstGeom prst="rect">
+            <a:avLst/>
+          </a:prstGeom>
+          <a:ln w="127000" cap="rnd">
+            <a:solidFill>
+              <a:srgbClr val="FFFFFF"/>
+            </a:solidFill>
+          </a:ln>
+          <a:effectLst>
+            <a:outerShdw blurRad="76200" dist="95250" dir="10500000" sx="97000" sy="23000" kx="900000" algn="br" rotWithShape="0">
+              <a:srgbClr val="000000">
+                <a:alpha val="20000"/>
+              </a:srgbClr>
+            </a:outerShdw>
+          </a:effectLst>
+          <a:scene3d>
+            <a:camera prst="orthographicFront"/>
+            <a:lightRig rig="twoPt" dir="t">
+              <a:rot lat="0" lon="0" rev="7800000"/>
+            </a:lightRig>
+          </a:scene3d>
+          <a:sp3d contourW="6350">
+            <a:bevelT w="50800" h="16510"/>
+            <a:contourClr>
+              <a:srgbClr val="C0C0C0"/>
+            </a:contourClr>
+          </a:sp3d>
+        </p:spPr>
+      </p:pic>
+      <p:sp>
+        <p:nvSpPr>
+          <p:cNvPr id="3" name="Title 2"/>
+          <p:cNvSpPr>
+            <a:spLocks noGrp="1"/>
+          </p:cNvSpPr>
+          <p:nvPr>
+            <p:ph type="title"/>
+          </p:nvPr>
+        </p:nvSpPr>
+        <p:spPr/>
+        <p:txBody>
+          <a:bodyPr>
+            <a:noAutofit/>
+          </a:bodyPr>
+          <a:lstStyle/>
+          <a:p>
+            <a:pPr marL="457200" indent="-457200"/>
+            <a:r>
+              <a:rPr lang="en-ZA" b="1" dirty="0" smtClean="0"/>
+              <a:t>1. </a:t>
+            </a:r>
+            <a:r>
+              <a:rPr lang="en-GB" b="1" dirty="0"/>
+              <a:t>What is the average salary </a:t>
+            </a:r>
+            <a:r>
+              <a:rPr lang="en-GB" b="1" dirty="0" smtClean="0"/>
+              <a:t>for </a:t>
+            </a:r>
+            <a:r>
+              <a:rPr lang="en-GB" b="1" dirty="0"/>
+              <a:t>different company </a:t>
+            </a:r>
+            <a:r>
+              <a:rPr lang="en-GB" b="1" dirty="0" smtClean="0"/>
+              <a:t>sizes based </a:t>
+            </a:r>
+            <a:r>
+              <a:rPr lang="en-GB" b="1" dirty="0"/>
+              <a:t>on </a:t>
+            </a:r>
+            <a:r>
+              <a:rPr lang="en-GB" b="1" dirty="0" smtClean="0"/>
+              <a:t>expertise for 2022</a:t>
+            </a:r>
+            <a:r>
+              <a:rPr lang="en-GB" b="1" dirty="0" smtClean="0"/>
+              <a:t>? PIVOT TABLE</a:t>
+            </a:r>
+            <a:endParaRPr lang="en-ZA" b="1" dirty="0"/>
+          </a:p>
+        </p:txBody>
+      </p:sp>
+    </p:spTree>
+    <p:extLst>
+      <p:ext uri="{BB962C8B-B14F-4D97-AF65-F5344CB8AC3E}">
+        <p14:creationId xmlns:p14="http://schemas.microsoft.com/office/powerpoint/2010/main" val="1292960502"/>
+      </p:ext>
+    </p:extLst>
+  </p:cSld>
+  <p:clrMapOvr>
+    <a:masterClrMapping/>
+  </p:clrMapOvr>
+</p:sld>
+</file>
+
+<file path=ppt/slides/slide34.xml><?xml version="1.0" encoding="utf-8"?>
+<p:sld xmlns:a="http://schemas.openxmlformats.org/drawingml/2006/main" xmlns:r="http://schemas.openxmlformats.org/officeDocument/2006/relationships" xmlns:p="http://schemas.openxmlformats.org/presentationml/2006/main">
+  <p:cSld>
+    <p:spTree>
+      <p:nvGrpSpPr>
+        <p:cNvPr id="1" name=""/>
+        <p:cNvGrpSpPr/>
+        <p:nvPr/>
+      </p:nvGrpSpPr>
+      <p:grpSpPr>
+        <a:xfrm>
+          <a:off x="0" y="0"/>
+          <a:ext cx="0" cy="0"/>
+          <a:chOff x="0" y="0"/>
+          <a:chExt cx="0" cy="0"/>
+        </a:xfrm>
+      </p:grpSpPr>
       <p:sp>
         <p:nvSpPr>
           <p:cNvPr id="2" name="Content Placeholder 1"/>
@@ -11643,8 +12416,21 @@
             </a:pPr>
             <a:r>
               <a:rPr lang="en-ZA" dirty="0" smtClean="0"/>
-              <a:t>The average salary for directors is the highest in a small and medium company size. </a:t>
-            </a:r>
+              <a:t>The average salary for directors is the highest in </a:t>
+            </a:r>
+            <a:r>
+              <a:rPr lang="en-ZA" dirty="0" smtClean="0"/>
+              <a:t>small </a:t>
+            </a:r>
+            <a:r>
+              <a:rPr lang="en-ZA" dirty="0" smtClean="0"/>
+              <a:t>and medium </a:t>
+            </a:r>
+            <a:r>
+              <a:rPr lang="en-ZA" dirty="0" smtClean="0"/>
+              <a:t>companies. </a:t>
+            </a:r>
+            <a:endParaRPr lang="en-ZA" dirty="0" smtClean="0"/>
           </a:p>
           <a:p>
             <a:pPr>
@@ -11685,7 +12471,15 @@
             </a:pPr>
             <a:r>
               <a:rPr lang="en-ZA" dirty="0" smtClean="0"/>
-              <a:t>The average salary for intermediate is slightly higher in the a large company size.</a:t>
+              <a:t>The average salary for intermediate is slightly higher </a:t>
+            </a:r>
+            <a:r>
+              <a:rPr lang="en-ZA" dirty="0" smtClean="0"/>
+              <a:t>in </a:t>
+            </a:r>
+            <a:r>
+              <a:rPr lang="en-ZA" dirty="0" smtClean="0"/>
+              <a:t>a large company size.</a:t>
             </a:r>
           </a:p>
           <a:p>
@@ -11735,7 +12529,7 @@
 </p:sld>
 </file>
 
-<file path=ppt/slides/slide32.xml><?xml version="1.0" encoding="utf-8"?>
+<file path=ppt/slides/slide35.xml><?xml version="1.0" encoding="utf-8"?>
 <p:sld xmlns:a="http://schemas.openxmlformats.org/drawingml/2006/main" xmlns:r="http://schemas.openxmlformats.org/officeDocument/2006/relationships" xmlns:p="http://schemas.openxmlformats.org/presentationml/2006/main">
   <p:cSld>
     <p:spTree>
@@ -11836,7 +12630,23 @@
             </a:r>
             <a:r>
               <a:rPr lang="en-ZA" b="1" dirty="0"/>
-              <a:t>is the average salary on different country based on </a:t>
+              <a:t>is the average salary </a:t>
+            </a:r>
+            <a:r>
+              <a:rPr lang="en-ZA" b="1" dirty="0" smtClean="0"/>
+              <a:t>in </a:t>
+            </a:r>
+            <a:r>
+              <a:rPr lang="en-ZA" b="1" dirty="0"/>
+              <a:t>different </a:t>
+            </a:r>
+            <a:r>
+              <a:rPr lang="en-ZA" b="1" dirty="0" smtClean="0"/>
+              <a:t>countries </a:t>
+            </a:r>
+            <a:r>
+              <a:rPr lang="en-ZA" b="1" dirty="0"/>
+              <a:t>based on </a:t>
             </a:r>
             <a:r>
               <a:rPr lang="en-ZA" b="1" dirty="0" smtClean="0"/>
@@ -11859,7 +12669,7 @@
 </p:sld>
 </file>
 
-<file path=ppt/slides/slide33.xml><?xml version="1.0" encoding="utf-8"?>
+<file path=ppt/slides/slide36.xml><?xml version="1.0" encoding="utf-8"?>
 <p:sld xmlns:a="http://schemas.openxmlformats.org/drawingml/2006/main" xmlns:r="http://schemas.openxmlformats.org/officeDocument/2006/relationships" xmlns:p="http://schemas.openxmlformats.org/presentationml/2006/main">
   <p:cSld>
     <p:spTree>
@@ -11876,6 +12686,150 @@
           <a:chExt cx="0" cy="0"/>
         </a:xfrm>
       </p:grpSpPr>
+      <p:pic>
+        <p:nvPicPr>
+          <p:cNvPr id="5" name="Content Placeholder 4"/>
+          <p:cNvPicPr>
+            <a:picLocks noGrp="1" noChangeAspect="1"/>
+          </p:cNvPicPr>
+          <p:nvPr>
+            <p:ph idx="1"/>
+          </p:nvPr>
+        </p:nvPicPr>
+        <p:blipFill>
+          <a:blip r:embed="rId2">
+            <a:extLst>
+              <a:ext uri="{28A0092B-C50C-407E-A947-70E740481C1C}">
+                <a14:useLocalDpi xmlns:a14="http://schemas.microsoft.com/office/drawing/2010/main" val="0"/>
+              </a:ext>
+            </a:extLst>
+          </a:blip>
+          <a:stretch>
+            <a:fillRect/>
+          </a:stretch>
+        </p:blipFill>
+        <p:spPr>
+          <a:xfrm>
+            <a:off x="1979629" y="2130458"/>
+            <a:ext cx="8729220" cy="3525624"/>
+          </a:xfrm>
+          <a:prstGeom prst="rect">
+            <a:avLst/>
+          </a:prstGeom>
+          <a:ln w="127000" cap="rnd">
+            <a:solidFill>
+              <a:srgbClr val="FFFFFF"/>
+            </a:solidFill>
+          </a:ln>
+          <a:effectLst>
+            <a:outerShdw blurRad="76200" dist="95250" dir="10500000" sx="97000" sy="23000" kx="900000" algn="br" rotWithShape="0">
+              <a:srgbClr val="000000">
+                <a:alpha val="20000"/>
+              </a:srgbClr>
+            </a:outerShdw>
+          </a:effectLst>
+          <a:scene3d>
+            <a:camera prst="orthographicFront"/>
+            <a:lightRig rig="twoPt" dir="t">
+              <a:rot lat="0" lon="0" rev="7800000"/>
+            </a:lightRig>
+          </a:scene3d>
+          <a:sp3d contourW="6350">
+            <a:bevelT w="50800" h="16510"/>
+            <a:contourClr>
+              <a:srgbClr val="C0C0C0"/>
+            </a:contourClr>
+          </a:sp3d>
+        </p:spPr>
+      </p:pic>
+      <p:sp>
+        <p:nvSpPr>
+          <p:cNvPr id="3" name="Title 2"/>
+          <p:cNvSpPr>
+            <a:spLocks noGrp="1"/>
+          </p:cNvSpPr>
+          <p:nvPr>
+            <p:ph type="title"/>
+          </p:nvPr>
+        </p:nvSpPr>
+        <p:spPr/>
+        <p:txBody>
+          <a:bodyPr>
+            <a:noAutofit/>
+          </a:bodyPr>
+          <a:lstStyle/>
+          <a:p>
+            <a:pPr>
+              <a:buClr>
+                <a:schemeClr val="tx1"/>
+              </a:buClr>
+            </a:pPr>
+            <a:r>
+              <a:rPr lang="en-ZA" b="1" dirty="0" smtClean="0"/>
+              <a:t>2. What </a:t>
+            </a:r>
+            <a:r>
+              <a:rPr lang="en-ZA" b="1" dirty="0"/>
+              <a:t>is the average salary </a:t>
+            </a:r>
+            <a:r>
+              <a:rPr lang="en-ZA" b="1" dirty="0" smtClean="0"/>
+              <a:t>in </a:t>
+            </a:r>
+            <a:r>
+              <a:rPr lang="en-ZA" b="1" dirty="0"/>
+              <a:t>different </a:t>
+            </a:r>
+            <a:r>
+              <a:rPr lang="en-ZA" b="1" dirty="0" smtClean="0"/>
+              <a:t>countries </a:t>
+            </a:r>
+            <a:r>
+              <a:rPr lang="en-ZA" b="1" dirty="0"/>
+              <a:t>based on </a:t>
+            </a:r>
+            <a:r>
+              <a:rPr lang="en-ZA" b="1" dirty="0" smtClean="0"/>
+              <a:t>expertise for 2020 to 2023</a:t>
+            </a:r>
+            <a:r>
+              <a:rPr lang="en-ZA" b="1" dirty="0" smtClean="0"/>
+              <a:t>? Pivot table</a:t>
+            </a:r>
+            <a:endParaRPr lang="en-ZA" b="1" dirty="0"/>
+          </a:p>
+        </p:txBody>
+      </p:sp>
+    </p:spTree>
+    <p:extLst>
+      <p:ext uri="{BB962C8B-B14F-4D97-AF65-F5344CB8AC3E}">
+        <p14:creationId xmlns:p14="http://schemas.microsoft.com/office/powerpoint/2010/main" val="3669198476"/>
+      </p:ext>
+    </p:extLst>
+  </p:cSld>
+  <p:clrMapOvr>
+    <a:masterClrMapping/>
+  </p:clrMapOvr>
+</p:sld>
+</file>
+
+<file path=ppt/slides/slide37.xml><?xml version="1.0" encoding="utf-8"?>
+<p:sld xmlns:a="http://schemas.openxmlformats.org/drawingml/2006/main" xmlns:r="http://schemas.openxmlformats.org/officeDocument/2006/relationships" xmlns:p="http://schemas.openxmlformats.org/presentationml/2006/main">
+  <p:cSld>
+    <p:spTree>
+      <p:nvGrpSpPr>
+        <p:cNvPr id="1" name=""/>
+        <p:cNvGrpSpPr/>
+        <p:nvPr/>
+      </p:nvGrpSpPr>
+      <p:grpSpPr>
+        <a:xfrm>
+          <a:off x="0" y="0"/>
+          <a:ext cx="0" cy="0"/>
+          <a:chOff x="0" y="0"/>
+          <a:chExt cx="0" cy="0"/>
+        </a:xfrm>
+      </p:grpSpPr>
       <p:sp>
         <p:nvSpPr>
           <p:cNvPr id="2" name="Content Placeholder 1"/>
@@ -11900,8 +12854,21 @@
             </a:pPr>
             <a:r>
               <a:rPr lang="en-ZA" dirty="0" smtClean="0"/>
-              <a:t>The average salary for directors, experts, intermediate and junior is the highest in the united states.</a:t>
-            </a:r>
+              <a:t>The average salary for directors, experts, </a:t>
+            </a:r>
+            <a:r>
+              <a:rPr lang="en-ZA" dirty="0" smtClean="0"/>
+              <a:t>intermediate, </a:t>
+            </a:r>
+            <a:r>
+              <a:rPr lang="en-ZA" dirty="0" smtClean="0"/>
+              <a:t>and junior is the highest in the </a:t>
+            </a:r>
+            <a:r>
+              <a:rPr lang="en-ZA" dirty="0" smtClean="0"/>
+              <a:t>United States.</a:t>
+            </a:r>
+            <a:endParaRPr lang="en-ZA" dirty="0" smtClean="0"/>
           </a:p>
           <a:p>
             <a:pPr>
@@ -11913,8 +12880,13 @@
             </a:pPr>
             <a:r>
               <a:rPr lang="en-ZA" dirty="0" smtClean="0"/>
-              <a:t>The average salary for experts in Canada is 154890$ which comes right after the average salary for experts in the united states.</a:t>
-            </a:r>
+              <a:t>The average salary for experts in Canada is 154890$ which comes right after the average salary for experts in the </a:t>
+            </a:r>
+            <a:r>
+              <a:rPr lang="en-ZA" dirty="0" smtClean="0"/>
+              <a:t>United States.</a:t>
+            </a:r>
+            <a:endParaRPr lang="en-ZA" dirty="0" smtClean="0"/>
           </a:p>
           <a:p>
             <a:pPr>
@@ -11926,7 +12898,31 @@
             </a:pPr>
             <a:r>
               <a:rPr lang="en-ZA" dirty="0" smtClean="0"/>
-              <a:t>In the UK, the average salary for directors, intermediates and juniors come after the unite states’ average.</a:t>
+              <a:t>In the UK, the average salary for directors, </a:t>
+            </a:r>
+            <a:r>
+              <a:rPr lang="en-ZA" dirty="0" smtClean="0"/>
+              <a:t>intermediates, </a:t>
+            </a:r>
+            <a:r>
+              <a:rPr lang="en-ZA" dirty="0" smtClean="0"/>
+              <a:t>and juniors </a:t>
+            </a:r>
+            <a:r>
+              <a:rPr lang="en-ZA" dirty="0" smtClean="0"/>
+              <a:t>comes </a:t>
+            </a:r>
+            <a:r>
+              <a:rPr lang="en-ZA" dirty="0" smtClean="0"/>
+              <a:t>after the </a:t>
+            </a:r>
+            <a:r>
+              <a:rPr lang="en-ZA" dirty="0" smtClean="0"/>
+              <a:t>united </a:t>
+            </a:r>
+            <a:r>
+              <a:rPr lang="en-ZA" dirty="0" smtClean="0"/>
+              <a:t>states’ average.</a:t>
             </a:r>
             <a:endParaRPr lang="en-ZA" dirty="0"/>
           </a:p>
@@ -11967,7 +12963,7 @@
 </p:sld>
 </file>
 
-<file path=ppt/slides/slide34.xml><?xml version="1.0" encoding="utf-8"?>
+<file path=ppt/slides/slide38.xml><?xml version="1.0" encoding="utf-8"?>
 <p:sld xmlns:a="http://schemas.openxmlformats.org/drawingml/2006/main" xmlns:r="http://schemas.openxmlformats.org/officeDocument/2006/relationships" xmlns:p="http://schemas.openxmlformats.org/presentationml/2006/main">
   <p:cSld>
     <p:spTree>
@@ -12038,8 +13034,8 @@
         </p:nvSpPr>
         <p:spPr>
           <a:xfrm>
-            <a:off x="1097280" y="980387"/>
-            <a:ext cx="10058400" cy="550067"/>
+            <a:off x="1097280" y="1253765"/>
+            <a:ext cx="10058400" cy="276689"/>
           </a:xfrm>
         </p:spPr>
         <p:txBody>
@@ -12121,7 +13117,7 @@
 </p:sld>
 </file>
 
-<file path=ppt/slides/slide35.xml><?xml version="1.0" encoding="utf-8"?>
+<file path=ppt/slides/slide39.xml><?xml version="1.0" encoding="utf-8"?>
 <p:sld xmlns:a="http://schemas.openxmlformats.org/drawingml/2006/main" xmlns:r="http://schemas.openxmlformats.org/officeDocument/2006/relationships" xmlns:p="http://schemas.openxmlformats.org/presentationml/2006/main">
   <p:cSld>
     <p:spTree>
@@ -12162,7 +13158,15 @@
             </a:pPr>
             <a:r>
               <a:rPr lang="en-ZA" dirty="0" smtClean="0"/>
-              <a:t>In 2023, the average salary for the directors within large companies has significantly increased and it has decreased in medium size companies compared to 2022. </a:t>
+              <a:t>In 2023, the average salary for the directors within large companies has significantly increased and it has decreased in </a:t>
+            </a:r>
+            <a:r>
+              <a:rPr lang="en-ZA" dirty="0" smtClean="0"/>
+              <a:t>medium-sized </a:t>
+            </a:r>
+            <a:r>
+              <a:rPr lang="en-ZA" dirty="0" smtClean="0"/>
+              <a:t>companies compared to 2022. </a:t>
             </a:r>
             <a:endParaRPr lang="en-ZA" dirty="0"/>
           </a:p>
@@ -12189,7 +13193,31 @@
             </a:pPr>
             <a:r>
               <a:rPr lang="en-ZA" dirty="0" smtClean="0"/>
-              <a:t>The experts’ average salary has increased within large and medium company and it has decreased within small company in 2023.</a:t>
+              <a:t>The experts’ average salary has increased within </a:t>
+            </a:r>
+            <a:r>
+              <a:rPr lang="en-ZA" dirty="0" smtClean="0"/>
+              <a:t>large </a:t>
+            </a:r>
+            <a:r>
+              <a:rPr lang="en-ZA" dirty="0" smtClean="0"/>
+              <a:t>and medium </a:t>
+            </a:r>
+            <a:r>
+              <a:rPr lang="en-ZA" dirty="0" smtClean="0"/>
+              <a:t>companies </a:t>
+            </a:r>
+            <a:r>
+              <a:rPr lang="en-ZA" dirty="0" smtClean="0"/>
+              <a:t>and it has decreased within small </a:t>
+            </a:r>
+            <a:r>
+              <a:rPr lang="en-ZA" dirty="0" smtClean="0"/>
+              <a:t>companies </a:t>
+            </a:r>
+            <a:r>
+              <a:rPr lang="en-ZA" dirty="0" smtClean="0"/>
+              <a:t>in 2023.</a:t>
             </a:r>
           </a:p>
           <a:p>
@@ -12202,8 +13230,21 @@
             </a:pPr>
             <a:r>
               <a:rPr lang="en-ZA" dirty="0" smtClean="0"/>
-              <a:t>The average salary for intermediate has increased within small company and it has decreased within large company.</a:t>
-            </a:r>
+              <a:t>The average salary for intermediate has increased within small </a:t>
+            </a:r>
+            <a:r>
+              <a:rPr lang="en-ZA" dirty="0" smtClean="0"/>
+              <a:t>companies </a:t>
+            </a:r>
+            <a:r>
+              <a:rPr lang="en-ZA" dirty="0" smtClean="0"/>
+              <a:t>and it has decreased within large </a:t>
+            </a:r>
+            <a:r>
+              <a:rPr lang="en-ZA" dirty="0" smtClean="0"/>
+              <a:t>companies.</a:t>
+            </a:r>
+            <a:endParaRPr lang="en-ZA" dirty="0" smtClean="0"/>
           </a:p>
           <a:p>
             <a:pPr>
@@ -12262,7 +13303,81 @@
 </p:sld>
 </file>
 
-<file path=ppt/slides/slide36.xml><?xml version="1.0" encoding="utf-8"?>
+<file path=ppt/slides/slide4.xml><?xml version="1.0" encoding="utf-8"?>
+<p:sld xmlns:a="http://schemas.openxmlformats.org/drawingml/2006/main" xmlns:r="http://schemas.openxmlformats.org/officeDocument/2006/relationships" xmlns:p="http://schemas.openxmlformats.org/presentationml/2006/main">
+  <p:cSld>
+    <p:spTree>
+      <p:nvGrpSpPr>
+        <p:cNvPr id="1" name="Shape 276"/>
+        <p:cNvGrpSpPr/>
+        <p:nvPr/>
+      </p:nvGrpSpPr>
+      <p:grpSpPr>
+        <a:xfrm>
+          <a:off x="0" y="0"/>
+          <a:ext cx="0" cy="0"/>
+          <a:chOff x="0" y="0"/>
+          <a:chExt cx="0" cy="0"/>
+        </a:xfrm>
+      </p:grpSpPr>
+      <p:sp>
+        <p:nvSpPr>
+          <p:cNvPr id="279" name="Google Shape;279;p13"/>
+          <p:cNvSpPr txBox="1"/>
+          <p:nvPr/>
+        </p:nvSpPr>
+        <p:spPr>
+          <a:xfrm>
+            <a:off x="2783023" y="2047038"/>
+            <a:ext cx="6456011" cy="2092840"/>
+          </a:xfrm>
+          <a:prstGeom prst="rect">
+            <a:avLst/>
+          </a:prstGeom>
+          <a:noFill/>
+          <a:ln>
+            <a:noFill/>
+          </a:ln>
+        </p:spPr>
+        <p:txBody>
+          <a:bodyPr spcFirstLastPara="1" wrap="square" lIns="121900" tIns="121900" rIns="121900" bIns="121900" anchor="t" anchorCtr="0">
+            <a:spAutoFit/>
+          </a:bodyPr>
+          <a:lstStyle/>
+          <a:p>
+            <a:pPr algn="ctr"/>
+            <a:r>
+              <a:rPr lang="en" sz="6000" b="1" dirty="0">
+                <a:latin typeface="+mj-lt"/>
+                <a:ea typeface="Roboto"/>
+                <a:cs typeface="Roboto"/>
+                <a:sym typeface="Roboto"/>
+              </a:rPr>
+              <a:t>Udemy Data Analysis</a:t>
+            </a:r>
+            <a:endParaRPr sz="6000" b="1" dirty="0">
+              <a:latin typeface="+mj-lt"/>
+              <a:ea typeface="Roboto"/>
+              <a:cs typeface="Roboto"/>
+              <a:sym typeface="Roboto"/>
+            </a:endParaRPr>
+          </a:p>
+        </p:txBody>
+      </p:sp>
+    </p:spTree>
+    <p:extLst>
+      <p:ext uri="{BB962C8B-B14F-4D97-AF65-F5344CB8AC3E}">
+        <p14:creationId xmlns:p14="http://schemas.microsoft.com/office/powerpoint/2010/main" val="3500457265"/>
+      </p:ext>
+    </p:extLst>
+  </p:cSld>
+  <p:clrMapOvr>
+    <a:masterClrMapping/>
+  </p:clrMapOvr>
+</p:sld>
+</file>
+
+<file path=ppt/slides/slide40.xml><?xml version="1.0" encoding="utf-8"?>
 <p:sld xmlns:a="http://schemas.openxmlformats.org/drawingml/2006/main" xmlns:r="http://schemas.openxmlformats.org/officeDocument/2006/relationships" xmlns:p="http://schemas.openxmlformats.org/presentationml/2006/main">
   <p:cSld>
     <p:spTree>
@@ -12381,7 +13496,7 @@
 </p:sld>
 </file>
 
-<file path=ppt/slides/slide37.xml><?xml version="1.0" encoding="utf-8"?>
+<file path=ppt/slides/slide41.xml><?xml version="1.0" encoding="utf-8"?>
 <p:sld xmlns:a="http://schemas.openxmlformats.org/drawingml/2006/main" xmlns:r="http://schemas.openxmlformats.org/officeDocument/2006/relationships" xmlns:p="http://schemas.openxmlformats.org/presentationml/2006/main">
   <p:cSld>
     <p:spTree>
@@ -12430,7 +13545,15 @@
             </a:r>
             <a:r>
               <a:rPr lang="en-ZA" dirty="0" smtClean="0"/>
-              <a:t>n the dataset collected is precisely 450000$ per year, followed by data analyst with a salary of 430967$ per year.</a:t>
+              <a:t>n the dataset collected is precisely 450000$ per year, followed by data analyst </a:t>
+            </a:r>
+            <a:r>
+              <a:rPr lang="en-ZA" dirty="0" smtClean="0"/>
+              <a:t>job title with </a:t>
+            </a:r>
+            <a:r>
+              <a:rPr lang="en-ZA" dirty="0" smtClean="0"/>
+              <a:t>a salary of 430967$ per year.</a:t>
             </a:r>
           </a:p>
           <a:p>
@@ -12491,7 +13614,7 @@
 </p:sld>
 </file>
 
-<file path=ppt/slides/slide38.xml><?xml version="1.0" encoding="utf-8"?>
+<file path=ppt/slides/slide42.xml><?xml version="1.0" encoding="utf-8"?>
 <p:sld xmlns:a="http://schemas.openxmlformats.org/drawingml/2006/main" xmlns:r="http://schemas.openxmlformats.org/officeDocument/2006/relationships" xmlns:p="http://schemas.openxmlformats.org/presentationml/2006/main">
   <p:cSld>
     <p:spTree>
@@ -12610,7 +13733,7 @@
 </p:sld>
 </file>
 
-<file path=ppt/slides/slide39.xml><?xml version="1.0" encoding="utf-8"?>
+<file path=ppt/slides/slide43.xml><?xml version="1.0" encoding="utf-8"?>
 <p:sld xmlns:a="http://schemas.openxmlformats.org/drawingml/2006/main" xmlns:r="http://schemas.openxmlformats.org/officeDocument/2006/relationships" xmlns:p="http://schemas.openxmlformats.org/presentationml/2006/main">
   <p:cSld>
     <p:spTree>
@@ -12711,81 +13834,7 @@
 </p:sld>
 </file>
 
-<file path=ppt/slides/slide4.xml><?xml version="1.0" encoding="utf-8"?>
-<p:sld xmlns:a="http://schemas.openxmlformats.org/drawingml/2006/main" xmlns:r="http://schemas.openxmlformats.org/officeDocument/2006/relationships" xmlns:p="http://schemas.openxmlformats.org/presentationml/2006/main">
-  <p:cSld>
-    <p:spTree>
-      <p:nvGrpSpPr>
-        <p:cNvPr id="1" name="Shape 276"/>
-        <p:cNvGrpSpPr/>
-        <p:nvPr/>
-      </p:nvGrpSpPr>
-      <p:grpSpPr>
-        <a:xfrm>
-          <a:off x="0" y="0"/>
-          <a:ext cx="0" cy="0"/>
-          <a:chOff x="0" y="0"/>
-          <a:chExt cx="0" cy="0"/>
-        </a:xfrm>
-      </p:grpSpPr>
-      <p:sp>
-        <p:nvSpPr>
-          <p:cNvPr id="279" name="Google Shape;279;p13"/>
-          <p:cNvSpPr txBox="1"/>
-          <p:nvPr/>
-        </p:nvSpPr>
-        <p:spPr>
-          <a:xfrm>
-            <a:off x="2783023" y="2047038"/>
-            <a:ext cx="6456011" cy="2092840"/>
-          </a:xfrm>
-          <a:prstGeom prst="rect">
-            <a:avLst/>
-          </a:prstGeom>
-          <a:noFill/>
-          <a:ln>
-            <a:noFill/>
-          </a:ln>
-        </p:spPr>
-        <p:txBody>
-          <a:bodyPr spcFirstLastPara="1" wrap="square" lIns="121900" tIns="121900" rIns="121900" bIns="121900" anchor="t" anchorCtr="0">
-            <a:spAutoFit/>
-          </a:bodyPr>
-          <a:lstStyle/>
-          <a:p>
-            <a:pPr algn="ctr"/>
-            <a:r>
-              <a:rPr lang="en" sz="6000" b="1" dirty="0">
-                <a:latin typeface="+mj-lt"/>
-                <a:ea typeface="Roboto"/>
-                <a:cs typeface="Roboto"/>
-                <a:sym typeface="Roboto"/>
-              </a:rPr>
-              <a:t>Udemy Data Analysis</a:t>
-            </a:r>
-            <a:endParaRPr sz="6000" b="1" dirty="0">
-              <a:latin typeface="+mj-lt"/>
-              <a:ea typeface="Roboto"/>
-              <a:cs typeface="Roboto"/>
-              <a:sym typeface="Roboto"/>
-            </a:endParaRPr>
-          </a:p>
-        </p:txBody>
-      </p:sp>
-    </p:spTree>
-    <p:extLst>
-      <p:ext uri="{BB962C8B-B14F-4D97-AF65-F5344CB8AC3E}">
-        <p14:creationId xmlns:p14="http://schemas.microsoft.com/office/powerpoint/2010/main" val="3500457265"/>
-      </p:ext>
-    </p:extLst>
-  </p:cSld>
-  <p:clrMapOvr>
-    <a:masterClrMapping/>
-  </p:clrMapOvr>
-</p:sld>
-</file>
-
-<file path=ppt/slides/slide40.xml><?xml version="1.0" encoding="utf-8"?>
+<file path=ppt/slides/slide44.xml><?xml version="1.0" encoding="utf-8"?>
 <p:sld xmlns:a="http://schemas.openxmlformats.org/drawingml/2006/main" xmlns:r="http://schemas.openxmlformats.org/officeDocument/2006/relationships" xmlns:p="http://schemas.openxmlformats.org/presentationml/2006/main">
   <p:cSld>
     <p:spTree>
@@ -12904,7 +13953,7 @@
 </p:sld>
 </file>
 
-<file path=ppt/slides/slide41.xml><?xml version="1.0" encoding="utf-8"?>
+<file path=ppt/slides/slide45.xml><?xml version="1.0" encoding="utf-8"?>
 <p:sld xmlns:a="http://schemas.openxmlformats.org/drawingml/2006/main" xmlns:r="http://schemas.openxmlformats.org/officeDocument/2006/relationships" xmlns:p="http://schemas.openxmlformats.org/presentationml/2006/main">
   <p:cSld>
     <p:spTree>
@@ -12921,6 +13970,121 @@
           <a:chExt cx="0" cy="0"/>
         </a:xfrm>
       </p:grpSpPr>
+      <p:pic>
+        <p:nvPicPr>
+          <p:cNvPr id="4" name="Content Placeholder 3"/>
+          <p:cNvPicPr>
+            <a:picLocks noGrp="1" noChangeAspect="1"/>
+          </p:cNvPicPr>
+          <p:nvPr>
+            <p:ph idx="1"/>
+          </p:nvPr>
+        </p:nvPicPr>
+        <p:blipFill>
+          <a:blip r:embed="rId2">
+            <a:extLst>
+              <a:ext uri="{28A0092B-C50C-407E-A947-70E740481C1C}">
+                <a14:useLocalDpi xmlns:a14="http://schemas.microsoft.com/office/drawing/2010/main" val="0"/>
+              </a:ext>
+            </a:extLst>
+          </a:blip>
+          <a:stretch>
+            <a:fillRect/>
+          </a:stretch>
+        </p:blipFill>
+        <p:spPr>
+          <a:xfrm>
+            <a:off x="1923067" y="1882387"/>
+            <a:ext cx="8663233" cy="3641720"/>
+          </a:xfrm>
+          <a:prstGeom prst="rect">
+            <a:avLst/>
+          </a:prstGeom>
+          <a:ln w="127000" cap="rnd">
+            <a:solidFill>
+              <a:srgbClr val="FFFFFF"/>
+            </a:solidFill>
+          </a:ln>
+          <a:effectLst>
+            <a:outerShdw blurRad="76200" dist="95250" dir="10500000" sx="97000" sy="23000" kx="900000" algn="br" rotWithShape="0">
+              <a:srgbClr val="000000">
+                <a:alpha val="20000"/>
+              </a:srgbClr>
+            </a:outerShdw>
+          </a:effectLst>
+          <a:scene3d>
+            <a:camera prst="orthographicFront"/>
+            <a:lightRig rig="twoPt" dir="t">
+              <a:rot lat="0" lon="0" rev="7800000"/>
+            </a:lightRig>
+          </a:scene3d>
+          <a:sp3d contourW="6350">
+            <a:bevelT w="50800" h="16510"/>
+            <a:contourClr>
+              <a:srgbClr val="C0C0C0"/>
+            </a:contourClr>
+          </a:sp3d>
+        </p:spPr>
+      </p:pic>
+      <p:sp>
+        <p:nvSpPr>
+          <p:cNvPr id="3" name="Title 2"/>
+          <p:cNvSpPr>
+            <a:spLocks noGrp="1"/>
+          </p:cNvSpPr>
+          <p:nvPr>
+            <p:ph type="title"/>
+          </p:nvPr>
+        </p:nvSpPr>
+        <p:spPr/>
+        <p:txBody>
+          <a:bodyPr>
+            <a:normAutofit fontScale="90000"/>
+          </a:bodyPr>
+          <a:lstStyle/>
+          <a:p>
+            <a:r>
+              <a:rPr lang="en-GB" b="1" dirty="0"/>
+              <a:t>6. Which country has the highest salary in 2023</a:t>
+            </a:r>
+            <a:r>
+              <a:rPr lang="en-GB" b="1" dirty="0" smtClean="0"/>
+              <a:t>? (Pivot table )</a:t>
+            </a:r>
+            <a:endParaRPr lang="en-ZA" dirty="0"/>
+          </a:p>
+        </p:txBody>
+      </p:sp>
+    </p:spTree>
+    <p:extLst>
+      <p:ext uri="{BB962C8B-B14F-4D97-AF65-F5344CB8AC3E}">
+        <p14:creationId xmlns:p14="http://schemas.microsoft.com/office/powerpoint/2010/main" val="2193155856"/>
+      </p:ext>
+    </p:extLst>
+  </p:cSld>
+  <p:clrMapOvr>
+    <a:masterClrMapping/>
+  </p:clrMapOvr>
+</p:sld>
+</file>
+
+<file path=ppt/slides/slide46.xml><?xml version="1.0" encoding="utf-8"?>
+<p:sld xmlns:a="http://schemas.openxmlformats.org/drawingml/2006/main" xmlns:r="http://schemas.openxmlformats.org/officeDocument/2006/relationships" xmlns:p="http://schemas.openxmlformats.org/presentationml/2006/main">
+  <p:cSld>
+    <p:spTree>
+      <p:nvGrpSpPr>
+        <p:cNvPr id="1" name=""/>
+        <p:cNvGrpSpPr/>
+        <p:nvPr/>
+      </p:nvGrpSpPr>
+      <p:grpSpPr>
+        <a:xfrm>
+          <a:off x="0" y="0"/>
+          <a:ext cx="0" cy="0"/>
+          <a:chOff x="0" y="0"/>
+          <a:chExt cx="0" cy="0"/>
+        </a:xfrm>
+      </p:grpSpPr>
       <p:sp>
         <p:nvSpPr>
           <p:cNvPr id="2" name="Content Placeholder 1"/>
@@ -12945,7 +14109,55 @@
             </a:pPr>
             <a:r>
               <a:rPr lang="en-ZA" dirty="0" smtClean="0"/>
-              <a:t>United kingdom is the country that has the highest salary of 430640$ per year in 2023, followed by the united state with a salary of 392000$ per year and Canada which has a highest salary of 281000$ per year.</a:t>
+              <a:t>United </a:t>
+            </a:r>
+            <a:r>
+              <a:rPr lang="en-ZA" dirty="0" smtClean="0"/>
+              <a:t>Kingdom </a:t>
+            </a:r>
+            <a:r>
+              <a:rPr lang="en-ZA" dirty="0" smtClean="0"/>
+              <a:t>is the country that has the highest salary of 430640$ per year in 2023, followed by the </a:t>
+            </a:r>
+            <a:r>
+              <a:rPr lang="en-ZA" dirty="0" smtClean="0"/>
+              <a:t>United </a:t>
+            </a:r>
+            <a:r>
+              <a:rPr lang="en-ZA" dirty="0"/>
+              <a:t>S</a:t>
+            </a:r>
+            <a:r>
+              <a:rPr lang="en-ZA" dirty="0" smtClean="0"/>
+              <a:t>tate </a:t>
+            </a:r>
+            <a:r>
+              <a:rPr lang="en-ZA" dirty="0" smtClean="0"/>
+              <a:t>with a salary of 392000$ per </a:t>
+            </a:r>
+            <a:r>
+              <a:rPr lang="en-ZA" dirty="0" smtClean="0"/>
+              <a:t>year, </a:t>
+            </a:r>
+            <a:r>
+              <a:rPr lang="en-ZA" dirty="0" smtClean="0"/>
+              <a:t>and </a:t>
+            </a:r>
+            <a:r>
+              <a:rPr lang="en-ZA" dirty="0" smtClean="0"/>
+              <a:t>Canada </a:t>
+            </a:r>
+            <a:r>
+              <a:rPr lang="en-ZA" dirty="0" smtClean="0"/>
+              <a:t>has </a:t>
+            </a:r>
+            <a:r>
+              <a:rPr lang="en-ZA" dirty="0" smtClean="0"/>
+              <a:t>the </a:t>
+            </a:r>
+            <a:r>
+              <a:rPr lang="en-ZA" dirty="0" smtClean="0"/>
+              <a:t>highest salary of 281000$ per year.</a:t>
             </a:r>
           </a:p>
           <a:p>
@@ -12995,7 +14207,7 @@
 </p:sld>
 </file>
 
-<file path=ppt/slides/slide42.xml><?xml version="1.0" encoding="utf-8"?>
+<file path=ppt/slides/slide47.xml><?xml version="1.0" encoding="utf-8"?>
 <p:sld xmlns:a="http://schemas.openxmlformats.org/drawingml/2006/main" xmlns:r="http://schemas.openxmlformats.org/officeDocument/2006/relationships" xmlns:p="http://schemas.openxmlformats.org/presentationml/2006/main">
   <p:cSld>
     <p:spTree>
@@ -13114,7 +14326,7 @@
 </p:sld>
 </file>
 
-<file path=ppt/slides/slide43.xml><?xml version="1.0" encoding="utf-8"?>
+<file path=ppt/slides/slide48.xml><?xml version="1.0" encoding="utf-8"?>
 <p:sld xmlns:a="http://schemas.openxmlformats.org/drawingml/2006/main" xmlns:r="http://schemas.openxmlformats.org/officeDocument/2006/relationships" xmlns:p="http://schemas.openxmlformats.org/presentationml/2006/main">
   <p:cSld>
     <p:spTree>
@@ -13223,7 +14435,7 @@
 </p:sld>
 </file>
 
-<file path=ppt/slides/slide44.xml><?xml version="1.0" encoding="utf-8"?>
+<file path=ppt/slides/slide49.xml><?xml version="1.0" encoding="utf-8"?>
 <p:sld xmlns:a="http://schemas.openxmlformats.org/drawingml/2006/main" xmlns:r="http://schemas.openxmlformats.org/officeDocument/2006/relationships" xmlns:p="http://schemas.openxmlformats.org/presentationml/2006/main">
   <p:cSld>
     <p:spTree>
@@ -13332,7 +14544,7 @@
 </p:sld>
 </file>
 
-<file path=ppt/slides/slide45.xml><?xml version="1.0" encoding="utf-8"?>
+<file path=ppt/slides/slide5.xml><?xml version="1.0" encoding="utf-8"?>
 <p:sld xmlns:a="http://schemas.openxmlformats.org/drawingml/2006/main" xmlns:r="http://schemas.openxmlformats.org/officeDocument/2006/relationships" xmlns:p="http://schemas.openxmlformats.org/presentationml/2006/main">
   <p:cSld>
     <p:spTree>
@@ -13372,6 +14584,159 @@
               <a:buChar char="Ø"/>
             </a:pPr>
             <a:r>
+              <a:rPr lang="en-GB" dirty="0"/>
+              <a:t>To better understand the pricing and subscriptions data of </a:t>
+            </a:r>
+            <a:r>
+              <a:rPr lang="en-GB" dirty="0"/>
+              <a:t>Udemy</a:t>
+            </a:r>
+            <a:r>
+              <a:rPr lang="en-GB" dirty="0"/>
+              <a:t> courses (for four different subjects) and identifying trends and patterns </a:t>
+            </a:r>
+            <a:br>
+              <a:rPr lang="en-GB" dirty="0"/>
+            </a:br>
+            <a:endParaRPr lang="en-GB" dirty="0"/>
+          </a:p>
+          <a:p>
+            <a:pPr>
+              <a:buClr>
+                <a:schemeClr val="tx1"/>
+              </a:buClr>
+              <a:buFont typeface="Wingdings" panose="05000000000000000000" pitchFamily="2" charset="2"/>
+              <a:buChar char="Ø"/>
+            </a:pPr>
+            <a:r>
+              <a:rPr lang="en-GB" dirty="0"/>
+              <a:t>This will help us to:</a:t>
+            </a:r>
+            <a:br>
+              <a:rPr lang="en-GB" dirty="0"/>
+            </a:br>
+            <a:endParaRPr lang="en-GB" dirty="0"/>
+          </a:p>
+          <a:p>
+            <a:pPr>
+              <a:buClr>
+                <a:schemeClr val="tx1"/>
+              </a:buClr>
+              <a:buFont typeface="Wingdings" panose="05000000000000000000" pitchFamily="2" charset="2"/>
+              <a:buChar char="Ø"/>
+            </a:pPr>
+            <a:r>
+              <a:rPr lang="en-GB" dirty="0"/>
+              <a:t>Identify for which subject more courses should be created</a:t>
+            </a:r>
+          </a:p>
+          <a:p>
+            <a:pPr>
+              <a:buClr>
+                <a:schemeClr val="tx1"/>
+              </a:buClr>
+              <a:buFont typeface="Wingdings" panose="05000000000000000000" pitchFamily="2" charset="2"/>
+              <a:buChar char="Ø"/>
+            </a:pPr>
+            <a:r>
+              <a:rPr lang="en-GB" dirty="0"/>
+              <a:t>Create targeted strategies to increase the company revenue </a:t>
+            </a:r>
+          </a:p>
+        </p:txBody>
+      </p:sp>
+      <p:sp>
+        <p:nvSpPr>
+          <p:cNvPr id="3" name="Title 2"/>
+          <p:cNvSpPr>
+            <a:spLocks noGrp="1"/>
+          </p:cNvSpPr>
+          <p:nvPr>
+            <p:ph type="title"/>
+          </p:nvPr>
+        </p:nvSpPr>
+        <p:spPr/>
+        <p:txBody>
+          <a:bodyPr/>
+          <a:lstStyle/>
+          <a:p>
+            <a:r>
+              <a:rPr lang="en-ZA" b="1" dirty="0">
+                <a:solidFill>
+                  <a:schemeClr val="tx1"/>
+                </a:solidFill>
+              </a:rPr>
+              <a:t>Project </a:t>
+            </a:r>
+            <a:r>
+              <a:rPr lang="en-ZA" b="1" dirty="0" smtClean="0">
+                <a:solidFill>
+                  <a:schemeClr val="tx1"/>
+                </a:solidFill>
+              </a:rPr>
+              <a:t>Description</a:t>
+            </a:r>
+            <a:endParaRPr lang="en-ZA" b="1" dirty="0">
+              <a:solidFill>
+                <a:schemeClr val="tx1"/>
+              </a:solidFill>
+            </a:endParaRPr>
+          </a:p>
+        </p:txBody>
+      </p:sp>
+    </p:spTree>
+    <p:extLst>
+      <p:ext uri="{BB962C8B-B14F-4D97-AF65-F5344CB8AC3E}">
+        <p14:creationId xmlns:p14="http://schemas.microsoft.com/office/powerpoint/2010/main" val="282331697"/>
+      </p:ext>
+    </p:extLst>
+  </p:cSld>
+  <p:clrMapOvr>
+    <a:masterClrMapping/>
+  </p:clrMapOvr>
+</p:sld>
+</file>
+
+<file path=ppt/slides/slide50.xml><?xml version="1.0" encoding="utf-8"?>
+<p:sld xmlns:a="http://schemas.openxmlformats.org/drawingml/2006/main" xmlns:r="http://schemas.openxmlformats.org/officeDocument/2006/relationships" xmlns:p="http://schemas.openxmlformats.org/presentationml/2006/main">
+  <p:cSld>
+    <p:spTree>
+      <p:nvGrpSpPr>
+        <p:cNvPr id="1" name=""/>
+        <p:cNvGrpSpPr/>
+        <p:nvPr/>
+      </p:nvGrpSpPr>
+      <p:grpSpPr>
+        <a:xfrm>
+          <a:off x="0" y="0"/>
+          <a:ext cx="0" cy="0"/>
+          <a:chOff x="0" y="0"/>
+          <a:chExt cx="0" cy="0"/>
+        </a:xfrm>
+      </p:grpSpPr>
+      <p:sp>
+        <p:nvSpPr>
+          <p:cNvPr id="2" name="Content Placeholder 1"/>
+          <p:cNvSpPr>
+            <a:spLocks noGrp="1"/>
+          </p:cNvSpPr>
+          <p:nvPr>
+            <p:ph idx="1"/>
+          </p:nvPr>
+        </p:nvSpPr>
+        <p:spPr/>
+        <p:txBody>
+          <a:bodyPr/>
+          <a:lstStyle/>
+          <a:p>
+            <a:pPr>
+              <a:buClr>
+                <a:schemeClr val="tx1"/>
+              </a:buClr>
+              <a:buFont typeface="Wingdings" panose="05000000000000000000" pitchFamily="2" charset="2"/>
+              <a:buChar char="Ø"/>
+            </a:pPr>
+            <a:r>
               <a:rPr lang="en-ZA" dirty="0" smtClean="0"/>
               <a:t>In the USA, the most common job title is data engineer which consists of approximately 24% of the total job title.</a:t>
             </a:r>
@@ -13459,7 +14824,7 @@
 </p:sld>
 </file>
 
-<file path=ppt/slides/slide46.xml><?xml version="1.0" encoding="utf-8"?>
+<file path=ppt/slides/slide51.xml><?xml version="1.0" encoding="utf-8"?>
 <p:sld xmlns:a="http://schemas.openxmlformats.org/drawingml/2006/main" xmlns:r="http://schemas.openxmlformats.org/officeDocument/2006/relationships" xmlns:p="http://schemas.openxmlformats.org/presentationml/2006/main">
   <p:cSld>
     <p:spTree>
@@ -13571,7 +14936,7 @@
 </p:sld>
 </file>
 
-<file path=ppt/slides/slide47.xml><?xml version="1.0" encoding="utf-8"?>
+<file path=ppt/slides/slide52.xml><?xml version="1.0" encoding="utf-8"?>
 <p:sld xmlns:a="http://schemas.openxmlformats.org/drawingml/2006/main" xmlns:r="http://schemas.openxmlformats.org/officeDocument/2006/relationships" xmlns:p="http://schemas.openxmlformats.org/presentationml/2006/main">
   <p:cSld>
     <p:spTree>
@@ -13662,7 +15027,7 @@
 </p:sld>
 </file>
 
-<file path=ppt/slides/slide48.xml><?xml version="1.0" encoding="utf-8"?>
+<file path=ppt/slides/slide53.xml><?xml version="1.0" encoding="utf-8"?>
 <p:sld xmlns:a="http://schemas.openxmlformats.org/drawingml/2006/main" xmlns:r="http://schemas.openxmlformats.org/officeDocument/2006/relationships" xmlns:p="http://schemas.openxmlformats.org/presentationml/2006/main">
   <p:cSld>
     <p:spTree>
@@ -13723,7 +15088,7 @@
 </p:sld>
 </file>
 
-<file path=ppt/slides/slide49.xml><?xml version="1.0" encoding="utf-8"?>
+<file path=ppt/slides/slide54.xml><?xml version="1.0" encoding="utf-8"?>
 <p:sld xmlns:a="http://schemas.openxmlformats.org/drawingml/2006/main" xmlns:r="http://schemas.openxmlformats.org/officeDocument/2006/relationships" xmlns:p="http://schemas.openxmlformats.org/presentationml/2006/main">
   <p:cSld>
     <p:spTree>
@@ -13753,7 +15118,7 @@
         <p:spPr/>
         <p:txBody>
           <a:bodyPr>
-            <a:normAutofit fontScale="92500" lnSpcReduction="20000"/>
+            <a:normAutofit fontScale="92500" lnSpcReduction="10000"/>
           </a:bodyPr>
           <a:lstStyle/>
           <a:p>
@@ -13770,7 +15135,15 @@
             </a:r>
             <a:r>
               <a:rPr lang="en-ZA" b="1" dirty="0" smtClean="0"/>
-              <a:t>Top countries that have high salary for data science:</a:t>
+              <a:t>Top countries that have high </a:t>
+            </a:r>
+            <a:r>
+              <a:rPr lang="en-ZA" b="1" dirty="0" smtClean="0"/>
+              <a:t>salaries </a:t>
+            </a:r>
+            <a:r>
+              <a:rPr lang="en-ZA" b="1" dirty="0" smtClean="0"/>
+              <a:t>for data science:</a:t>
             </a:r>
           </a:p>
           <a:p>
@@ -13783,7 +15156,23 @@
             </a:pPr>
             <a:r>
               <a:rPr lang="en-ZA" dirty="0" smtClean="0"/>
-              <a:t>In conclusion, the united states have the highest average salary pay rate, followed by the united kingdom and Canada.</a:t>
+              <a:t>In conclusion, the </a:t>
+            </a:r>
+            <a:r>
+              <a:rPr lang="en-ZA" dirty="0" smtClean="0"/>
+              <a:t>United States has </a:t>
+            </a:r>
+            <a:r>
+              <a:rPr lang="en-ZA" dirty="0" smtClean="0"/>
+              <a:t>the highest average salary pay rate, followed by the </a:t>
+            </a:r>
+            <a:r>
+              <a:rPr lang="en-ZA" dirty="0" smtClean="0"/>
+              <a:t>United Kingdom </a:t>
+            </a:r>
+            <a:r>
+              <a:rPr lang="en-ZA" dirty="0" smtClean="0"/>
+              <a:t>and Canada.</a:t>
             </a:r>
           </a:p>
           <a:p>
@@ -13824,7 +15213,15 @@
             </a:pPr>
             <a:r>
               <a:rPr lang="en-ZA" dirty="0" smtClean="0"/>
-              <a:t>As a director or expert data scientist, the salary can get up to 450000$ per year. This can mostly happen when working within in large and medium company size in the United States..</a:t>
+              <a:t>As a director or expert data scientist, the salary can get up to 450000$ per year. This can mostly happen when working within </a:t>
+            </a:r>
+            <a:r>
+              <a:rPr lang="en-ZA" dirty="0" smtClean="0"/>
+              <a:t>large </a:t>
+            </a:r>
+            <a:r>
+              <a:rPr lang="en-ZA" dirty="0" smtClean="0"/>
+              <a:t>and medium company size in the United States..</a:t>
             </a:r>
             <a:endParaRPr lang="en-ZA" dirty="0"/>
           </a:p>
@@ -13866,7 +15263,47 @@
             </a:pPr>
             <a:r>
               <a:rPr lang="en-ZA" dirty="0" smtClean="0"/>
-              <a:t>After analysing the most common job title in USA, UK and Canada, we have a clear understanding that data engineer, data scientist and data analyst are the most repetitive common job title in the data science career.</a:t>
+              <a:t>After analysing the most common job </a:t>
+            </a:r>
+            <a:r>
+              <a:rPr lang="en-ZA" dirty="0" smtClean="0"/>
+              <a:t>titles </a:t>
+            </a:r>
+            <a:r>
+              <a:rPr lang="en-ZA" dirty="0" smtClean="0"/>
+              <a:t>in </a:t>
+            </a:r>
+            <a:r>
+              <a:rPr lang="en-ZA" dirty="0" smtClean="0"/>
+              <a:t>the USA</a:t>
+            </a:r>
+            <a:r>
+              <a:rPr lang="en-ZA" dirty="0" smtClean="0"/>
+              <a:t>, </a:t>
+            </a:r>
+            <a:r>
+              <a:rPr lang="en-ZA" dirty="0" smtClean="0"/>
+              <a:t>UK, </a:t>
+            </a:r>
+            <a:r>
+              <a:rPr lang="en-ZA" dirty="0" smtClean="0"/>
+              <a:t>and Canada, we have a clear understanding that data engineer, data </a:t>
+            </a:r>
+            <a:r>
+              <a:rPr lang="en-ZA" dirty="0" smtClean="0"/>
+              <a:t>scientist, </a:t>
+            </a:r>
+            <a:r>
+              <a:rPr lang="en-ZA" dirty="0" smtClean="0"/>
+              <a:t>and data analyst are the most repetitive common job title </a:t>
+            </a:r>
+            <a:r>
+              <a:rPr lang="en-ZA" dirty="0" smtClean="0"/>
+              <a:t>in a data </a:t>
+            </a:r>
+            <a:r>
+              <a:rPr lang="en-ZA" dirty="0" smtClean="0"/>
+              <a:t>science career.</a:t>
             </a:r>
             <a:endParaRPr lang="en-ZA" dirty="0"/>
           </a:p>
@@ -13927,7 +15364,7 @@
 </p:sld>
 </file>
 
-<file path=ppt/slides/slide5.xml><?xml version="1.0" encoding="utf-8"?>
+<file path=ppt/slides/slide55.xml><?xml version="1.0" encoding="utf-8"?>
 <p:sld xmlns:a="http://schemas.openxmlformats.org/drawingml/2006/main" xmlns:r="http://schemas.openxmlformats.org/officeDocument/2006/relationships" xmlns:p="http://schemas.openxmlformats.org/presentationml/2006/main">
   <p:cSld>
     <p:spTree>
@@ -13946,159 +15383,6 @@
       </p:grpSpPr>
       <p:sp>
         <p:nvSpPr>
-          <p:cNvPr id="2" name="Content Placeholder 1"/>
-          <p:cNvSpPr>
-            <a:spLocks noGrp="1"/>
-          </p:cNvSpPr>
-          <p:nvPr>
-            <p:ph idx="1"/>
-          </p:nvPr>
-        </p:nvSpPr>
-        <p:spPr/>
-        <p:txBody>
-          <a:bodyPr/>
-          <a:lstStyle/>
-          <a:p>
-            <a:pPr>
-              <a:buClr>
-                <a:schemeClr val="tx1"/>
-              </a:buClr>
-              <a:buFont typeface="Wingdings" panose="05000000000000000000" pitchFamily="2" charset="2"/>
-              <a:buChar char="Ø"/>
-            </a:pPr>
-            <a:r>
-              <a:rPr lang="en-GB" dirty="0"/>
-              <a:t>To better understand the pricing and subscriptions data of </a:t>
-            </a:r>
-            <a:r>
-              <a:rPr lang="en-GB" dirty="0" err="1"/>
-              <a:t>Udemy</a:t>
-            </a:r>
-            <a:r>
-              <a:rPr lang="en-GB" dirty="0"/>
-              <a:t> courses (for four different subjects) and identifying trends and patterns </a:t>
-            </a:r>
-            <a:br>
-              <a:rPr lang="en-GB" dirty="0"/>
-            </a:br>
-            <a:endParaRPr lang="en-GB" dirty="0"/>
-          </a:p>
-          <a:p>
-            <a:pPr>
-              <a:buClr>
-                <a:schemeClr val="tx1"/>
-              </a:buClr>
-              <a:buFont typeface="Wingdings" panose="05000000000000000000" pitchFamily="2" charset="2"/>
-              <a:buChar char="Ø"/>
-            </a:pPr>
-            <a:r>
-              <a:rPr lang="en-GB" dirty="0"/>
-              <a:t>This will help us to:</a:t>
-            </a:r>
-            <a:br>
-              <a:rPr lang="en-GB" dirty="0"/>
-            </a:br>
-            <a:endParaRPr lang="en-GB" dirty="0"/>
-          </a:p>
-          <a:p>
-            <a:pPr>
-              <a:buClr>
-                <a:schemeClr val="tx1"/>
-              </a:buClr>
-              <a:buFont typeface="Wingdings" panose="05000000000000000000" pitchFamily="2" charset="2"/>
-              <a:buChar char="Ø"/>
-            </a:pPr>
-            <a:r>
-              <a:rPr lang="en-GB" dirty="0"/>
-              <a:t>Identify for which subject more courses should be created</a:t>
-            </a:r>
-          </a:p>
-          <a:p>
-            <a:pPr>
-              <a:buClr>
-                <a:schemeClr val="tx1"/>
-              </a:buClr>
-              <a:buFont typeface="Wingdings" panose="05000000000000000000" pitchFamily="2" charset="2"/>
-              <a:buChar char="Ø"/>
-            </a:pPr>
-            <a:r>
-              <a:rPr lang="en-GB" dirty="0"/>
-              <a:t>Create targeted strategies to increase the company revenue </a:t>
-            </a:r>
-          </a:p>
-        </p:txBody>
-      </p:sp>
-      <p:sp>
-        <p:nvSpPr>
-          <p:cNvPr id="3" name="Title 2"/>
-          <p:cNvSpPr>
-            <a:spLocks noGrp="1"/>
-          </p:cNvSpPr>
-          <p:nvPr>
-            <p:ph type="title"/>
-          </p:nvPr>
-        </p:nvSpPr>
-        <p:spPr/>
-        <p:txBody>
-          <a:bodyPr/>
-          <a:lstStyle/>
-          <a:p>
-            <a:r>
-              <a:rPr lang="en-ZA" b="1" dirty="0">
-                <a:solidFill>
-                  <a:schemeClr val="tx1"/>
-                </a:solidFill>
-              </a:rPr>
-              <a:t>Project </a:t>
-            </a:r>
-            <a:r>
-              <a:rPr lang="en-ZA" b="1" dirty="0" smtClean="0">
-                <a:solidFill>
-                  <a:schemeClr val="tx1"/>
-                </a:solidFill>
-              </a:rPr>
-              <a:t>Description</a:t>
-            </a:r>
-            <a:endParaRPr lang="en-ZA" b="1" dirty="0">
-              <a:solidFill>
-                <a:schemeClr val="tx1"/>
-              </a:solidFill>
-            </a:endParaRPr>
-          </a:p>
-        </p:txBody>
-      </p:sp>
-    </p:spTree>
-    <p:extLst>
-      <p:ext uri="{BB962C8B-B14F-4D97-AF65-F5344CB8AC3E}">
-        <p14:creationId xmlns:p14="http://schemas.microsoft.com/office/powerpoint/2010/main" val="282331697"/>
-      </p:ext>
-    </p:extLst>
-  </p:cSld>
-  <p:clrMapOvr>
-    <a:masterClrMapping/>
-  </p:clrMapOvr>
-</p:sld>
-</file>
-
-<file path=ppt/slides/slide50.xml><?xml version="1.0" encoding="utf-8"?>
-<p:sld xmlns:a="http://schemas.openxmlformats.org/drawingml/2006/main" xmlns:r="http://schemas.openxmlformats.org/officeDocument/2006/relationships" xmlns:p="http://schemas.openxmlformats.org/presentationml/2006/main">
-  <p:cSld>
-    <p:spTree>
-      <p:nvGrpSpPr>
-        <p:cNvPr id="1" name=""/>
-        <p:cNvGrpSpPr/>
-        <p:nvPr/>
-      </p:nvGrpSpPr>
-      <p:grpSpPr>
-        <a:xfrm>
-          <a:off x="0" y="0"/>
-          <a:ext cx="0" cy="0"/>
-          <a:chOff x="0" y="0"/>
-          <a:chExt cx="0" cy="0"/>
-        </a:xfrm>
-      </p:grpSpPr>
-      <p:sp>
-        <p:nvSpPr>
           <p:cNvPr id="3" name="Title 2"/>
           <p:cNvSpPr>
             <a:spLocks noGrp="1"/>
@@ -14141,7 +15425,7 @@
 </p:sld>
 </file>
 
-<file path=ppt/slides/slide51.xml><?xml version="1.0" encoding="utf-8"?>
+<file path=ppt/slides/slide56.xml><?xml version="1.0" encoding="utf-8"?>
 <p:sld xmlns:a="http://schemas.openxmlformats.org/drawingml/2006/main" xmlns:r="http://schemas.openxmlformats.org/officeDocument/2006/relationships" xmlns:p="http://schemas.openxmlformats.org/presentationml/2006/main">
   <p:cSld>
     <p:spTree>
@@ -14250,7 +15534,7 @@
 </p:sld>
 </file>
 
-<file path=ppt/slides/slide52.xml><?xml version="1.0" encoding="utf-8"?>
+<file path=ppt/slides/slide57.xml><?xml version="1.0" encoding="utf-8"?>
 <p:sld xmlns:a="http://schemas.openxmlformats.org/drawingml/2006/main" xmlns:r="http://schemas.openxmlformats.org/officeDocument/2006/relationships" xmlns:p="http://schemas.openxmlformats.org/presentationml/2006/main">
   <p:cSld>
     <p:spTree>
@@ -14291,7 +15575,55 @@
             </a:pPr>
             <a:r>
               <a:rPr lang="en-ZA" dirty="0" smtClean="0"/>
-              <a:t>Our data tells us that anyone who wishes to start a career in data science and look forward to maximise his or her chance to obtain a good salary as possible, it is recommended to achieve an experts level of experience and get a job in a medium size company within the united states followed by United Kingdom and Canada.</a:t>
+              <a:t>Our data tells us that anyone who wishes to start a career in data science and </a:t>
+            </a:r>
+            <a:r>
+              <a:rPr lang="en-ZA" dirty="0" smtClean="0"/>
+              <a:t>looks </a:t>
+            </a:r>
+            <a:r>
+              <a:rPr lang="en-ZA" dirty="0" smtClean="0"/>
+              <a:t>forward to maximise his or her chance </a:t>
+            </a:r>
+            <a:r>
+              <a:rPr lang="en-ZA" dirty="0" smtClean="0"/>
+              <a:t>of obtaining </a:t>
+            </a:r>
+            <a:r>
+              <a:rPr lang="en-ZA" dirty="0" smtClean="0"/>
+              <a:t>a good salary as </a:t>
+            </a:r>
+            <a:r>
+              <a:rPr lang="en-ZA" dirty="0" smtClean="0"/>
+              <a:t>possible is </a:t>
+            </a:r>
+            <a:r>
+              <a:rPr lang="en-ZA" dirty="0" smtClean="0"/>
+              <a:t>recommended to achieve an </a:t>
+            </a:r>
+            <a:r>
+              <a:rPr lang="en-ZA" dirty="0" smtClean="0"/>
+              <a:t>expert </a:t>
+            </a:r>
+            <a:r>
+              <a:rPr lang="en-ZA" dirty="0" smtClean="0"/>
+              <a:t>level of experience and get a job in a </a:t>
+            </a:r>
+            <a:r>
+              <a:rPr lang="en-ZA" dirty="0" smtClean="0"/>
+              <a:t>medium-sized </a:t>
+            </a:r>
+            <a:r>
+              <a:rPr lang="en-ZA" dirty="0" smtClean="0"/>
+              <a:t>company within the united states followed by </a:t>
+            </a:r>
+            <a:r>
+              <a:rPr lang="en-ZA" dirty="0" smtClean="0"/>
+              <a:t>the United </a:t>
+            </a:r>
+            <a:r>
+              <a:rPr lang="en-ZA" dirty="0" smtClean="0"/>
+              <a:t>Kingdom and Canada.</a:t>
             </a:r>
             <a:endParaRPr lang="en-ZA" dirty="0"/>
           </a:p>
@@ -14333,7 +15665,7 @@
 </p:sld>
 </file>
 
-<file path=ppt/slides/slide53.xml><?xml version="1.0" encoding="utf-8"?>
+<file path=ppt/slides/slide58.xml><?xml version="1.0" encoding="utf-8"?>
 <p:sld xmlns:a="http://schemas.openxmlformats.org/drawingml/2006/main" xmlns:r="http://schemas.openxmlformats.org/officeDocument/2006/relationships" xmlns:p="http://schemas.openxmlformats.org/presentationml/2006/main">
   <p:cSld>
     <p:spTree>
@@ -14433,7 +15765,7 @@
               <a:t>The </a:t>
             </a:r>
             <a:r>
-              <a:rPr lang="en-GB" dirty="0" err="1" smtClean="0"/>
+              <a:rPr lang="en-GB" dirty="0" smtClean="0"/>
               <a:t>Udemy</a:t>
             </a:r>
             <a:r>
@@ -14465,8 +15797,8 @@
               <a:t>oogle </a:t>
             </a:r>
             <a:r>
-              <a:rPr lang="en-GB" dirty="0"/>
-              <a:t>sheets </a:t>
+              <a:rPr lang="en-GB" dirty="0" smtClean="0"/>
+              <a:t>Sheets </a:t>
             </a:r>
             <a:r>
               <a:rPr lang="en-GB" dirty="0" smtClean="0"/>
@@ -14478,7 +15810,15 @@
             </a:r>
             <a:r>
               <a:rPr lang="en-GB" dirty="0" smtClean="0"/>
-              <a:t>were used to provide proficient visualization for story telling, combined with a couple of analytical </a:t>
+              <a:t>were used to provide proficient visualization for </a:t>
+            </a:r>
+            <a:r>
+              <a:rPr lang="en-GB" dirty="0" smtClean="0"/>
+              <a:t>storytelling, </a:t>
+            </a:r>
+            <a:r>
+              <a:rPr lang="en-GB" dirty="0" smtClean="0"/>
+              <a:t>combined with a couple of analytical </a:t>
             </a:r>
             <a:r>
               <a:rPr lang="en-GB" dirty="0"/>
@@ -14486,11 +15826,23 @@
             </a:r>
             <a:r>
               <a:rPr lang="en-GB" dirty="0" smtClean="0"/>
-              <a:t>such as  pivot </a:t>
+              <a:t>such </a:t>
+            </a:r>
+            <a:r>
+              <a:rPr lang="en-GB" dirty="0" smtClean="0"/>
+              <a:t>as pivot </a:t>
             </a:r>
             <a:r>
               <a:rPr lang="en-GB" dirty="0"/>
-              <a:t>tables, IF and VLOOKUP </a:t>
+              <a:t>tables, </a:t>
+            </a:r>
+            <a:r>
+              <a:rPr lang="en-GB" dirty="0" smtClean="0"/>
+              <a:t>IF, </a:t>
+            </a:r>
+            <a:r>
+              <a:rPr lang="en-GB" dirty="0"/>
+              <a:t>and VLOOKUP </a:t>
             </a:r>
             <a:r>
               <a:rPr lang="en-GB" dirty="0" smtClean="0"/>
@@ -14924,36 +16276,62 @@
         </p:blipFill>
         <p:spPr>
           <a:xfrm>
-            <a:off x="2026763" y="1753386"/>
-            <a:ext cx="7899662" cy="4002095"/>
+            <a:off x="6249971" y="1706251"/>
+            <a:ext cx="4986781" cy="3756999"/>
           </a:xfrm>
           <a:prstGeom prst="rect">
             <a:avLst/>
           </a:prstGeom>
-          <a:ln w="127000" cap="rnd">
-            <a:solidFill>
-              <a:srgbClr val="FFFFFF"/>
-            </a:solidFill>
+          <a:ln>
+            <a:noFill/>
           </a:ln>
           <a:effectLst>
-            <a:outerShdw blurRad="76200" dist="95250" dir="10500000" sx="97000" sy="23000" kx="900000" algn="br" rotWithShape="0">
-              <a:srgbClr val="000000">
-                <a:alpha val="20000"/>
+            <a:outerShdw blurRad="292100" dist="139700" dir="2700000" algn="tl" rotWithShape="0">
+              <a:srgbClr val="333333">
+                <a:alpha val="65000"/>
               </a:srgbClr>
             </a:outerShdw>
           </a:effectLst>
-          <a:scene3d>
-            <a:camera prst="orthographicFront"/>
-            <a:lightRig rig="twoPt" dir="t">
-              <a:rot lat="0" lon="0" rev="7800000"/>
-            </a:lightRig>
-          </a:scene3d>
-          <a:sp3d contourW="6350">
-            <a:bevelT w="50800" h="16510"/>
-            <a:contourClr>
-              <a:srgbClr val="C0C0C0"/>
-            </a:contourClr>
-          </a:sp3d>
+        </p:spPr>
+      </p:pic>
+      <p:pic>
+        <p:nvPicPr>
+          <p:cNvPr id="2" name="Picture 1"/>
+          <p:cNvPicPr>
+            <a:picLocks noChangeAspect="1"/>
+          </p:cNvPicPr>
+          <p:nvPr/>
+        </p:nvPicPr>
+        <p:blipFill>
+          <a:blip r:embed="rId3">
+            <a:extLst>
+              <a:ext uri="{28A0092B-C50C-407E-A947-70E740481C1C}">
+                <a14:useLocalDpi xmlns:a14="http://schemas.microsoft.com/office/drawing/2010/main" val="0"/>
+              </a:ext>
+            </a:extLst>
+          </a:blip>
+          <a:stretch>
+            <a:fillRect/>
+          </a:stretch>
+        </p:blipFill>
+        <p:spPr>
+          <a:xfrm>
+            <a:off x="1564850" y="2394408"/>
+            <a:ext cx="4449452" cy="2569220"/>
+          </a:xfrm>
+          <a:prstGeom prst="rect">
+            <a:avLst/>
+          </a:prstGeom>
+          <a:ln>
+            <a:noFill/>
+          </a:ln>
+          <a:effectLst>
+            <a:outerShdw blurRad="292100" dist="139700" dir="2700000" algn="tl" rotWithShape="0">
+              <a:srgbClr val="333333">
+                <a:alpha val="65000"/>
+              </a:srgbClr>
+            </a:outerShdw>
+          </a:effectLst>
         </p:spPr>
       </p:pic>
     </p:spTree>
@@ -15514,6 +16892,24 @@
 </file>
 
 <file path=customXml/item1.xml><?xml version="1.0" encoding="utf-8"?>
+<?mso-contentType ?>
+<FormTemplates xmlns="http://schemas.microsoft.com/sharepoint/v3/contenttype/forms">
+  <Display>DocumentLibraryForm</Display>
+  <Edit>DocumentLibraryForm</Edit>
+  <New>DocumentLibraryForm</New>
+</FormTemplates>
+</file>
+
+<file path=customXml/item2.xml><?xml version="1.0" encoding="utf-8"?>
+<p:properties xmlns:p="http://schemas.microsoft.com/office/2006/metadata/properties" xmlns:xsi="http://www.w3.org/2001/XMLSchema-instance" xmlns:pc="http://schemas.microsoft.com/office/infopath/2007/PartnerControls">
+  <documentManagement>
+    <Status xmlns="71af3243-3dd4-4a8d-8c0d-dd76da1f02a5">Not started</Status>
+    <MediaServiceKeyPoints xmlns="71af3243-3dd4-4a8d-8c0d-dd76da1f02a5" xsi:nil="true"/>
+  </documentManagement>
+</p:properties>
+</file>
+
+<file path=customXml/item3.xml><?xml version="1.0" encoding="utf-8"?>
 <ct:contentTypeSchema xmlns:ct="http://schemas.microsoft.com/office/2006/metadata/contentType" xmlns:ma="http://schemas.microsoft.com/office/2006/metadata/properties/metaAttributes" ct:_="" ma:_="" ma:contentTypeName="Document" ma:contentTypeID="0x01010079F111ED35F8CC479449609E8A0923A6" ma:contentTypeVersion="12" ma:contentTypeDescription="Create a new document." ma:contentTypeScope="" ma:versionID="fa6e671f1cd7e4d96ff9652be322dd5e">
   <xsd:schema xmlns:xsd="http://www.w3.org/2001/XMLSchema" xmlns:xs="http://www.w3.org/2001/XMLSchema" xmlns:p="http://schemas.microsoft.com/office/2006/metadata/properties" xmlns:ns2="71af3243-3dd4-4a8d-8c0d-dd76da1f02a5" xmlns:ns3="16c05727-aa75-4e4a-9b5f-8a80a1165891" targetNamespace="http://schemas.microsoft.com/office/2006/metadata/properties" ma:root="true" ma:fieldsID="4e2496f70b101db0b8013f30a071bbf7" ns2:_="" ns3:_="">
     <xsd:import namespace="71af3243-3dd4-4a8d-8c0d-dd76da1f02a5"/>
@@ -15734,25 +17130,32 @@
 </ct:contentTypeSchema>
 </file>
 
-<file path=customXml/item2.xml><?xml version="1.0" encoding="utf-8"?>
-<?mso-contentType ?>
-<FormTemplates xmlns="http://schemas.microsoft.com/sharepoint/v3/contenttype/forms">
-  <Display>DocumentLibraryForm</Display>
-  <Edit>DocumentLibraryForm</Edit>
-  <New>DocumentLibraryForm</New>
-</FormTemplates>
+<file path=customXml/itemProps1.xml><?xml version="1.0" encoding="utf-8"?>
+<ds:datastoreItem xmlns:ds="http://schemas.openxmlformats.org/officeDocument/2006/customXml" ds:itemID="{5029FA76-0C86-4BF1-99F1-A3115FBFFAB0}">
+  <ds:schemaRefs>
+    <ds:schemaRef ds:uri="http://schemas.microsoft.com/sharepoint/v3/contenttype/forms"/>
+  </ds:schemaRefs>
+</ds:datastoreItem>
 </file>
 
-<file path=customXml/item3.xml><?xml version="1.0" encoding="utf-8"?>
-<p:properties xmlns:p="http://schemas.microsoft.com/office/2006/metadata/properties" xmlns:xsi="http://www.w3.org/2001/XMLSchema-instance" xmlns:pc="http://schemas.microsoft.com/office/infopath/2007/PartnerControls">
-  <documentManagement>
-    <Status xmlns="71af3243-3dd4-4a8d-8c0d-dd76da1f02a5">Not started</Status>
-    <MediaServiceKeyPoints xmlns="71af3243-3dd4-4a8d-8c0d-dd76da1f02a5" xsi:nil="true"/>
-  </documentManagement>
-</p:properties>
+<file path=customXml/itemProps2.xml><?xml version="1.0" encoding="utf-8"?>
+<ds:datastoreItem xmlns:ds="http://schemas.openxmlformats.org/officeDocument/2006/customXml" ds:itemID="{44FAF7B5-E40C-46BE-9C83-DA251FCAE61E}">
+  <ds:schemaRefs>
+    <ds:schemaRef ds:uri="http://schemas.microsoft.com/office/2006/documentManagement/types"/>
+    <ds:schemaRef ds:uri="http://purl.org/dc/terms/"/>
+    <ds:schemaRef ds:uri="http://purl.org/dc/dcmitype/"/>
+    <ds:schemaRef ds:uri="71af3243-3dd4-4a8d-8c0d-dd76da1f02a5"/>
+    <ds:schemaRef ds:uri="http://purl.org/dc/elements/1.1/"/>
+    <ds:schemaRef ds:uri="http://schemas.microsoft.com/office/infopath/2007/PartnerControls"/>
+    <ds:schemaRef ds:uri="16c05727-aa75-4e4a-9b5f-8a80a1165891"/>
+    <ds:schemaRef ds:uri="http://schemas.openxmlformats.org/package/2006/metadata/core-properties"/>
+    <ds:schemaRef ds:uri="http://schemas.microsoft.com/office/2006/metadata/properties"/>
+    <ds:schemaRef ds:uri="http://www.w3.org/XML/1998/namespace"/>
+  </ds:schemaRefs>
+</ds:datastoreItem>
 </file>
 
-<file path=customXml/itemProps1.xml><?xml version="1.0" encoding="utf-8"?>
+<file path=customXml/itemProps3.xml><?xml version="1.0" encoding="utf-8"?>
 <ds:datastoreItem xmlns:ds="http://schemas.openxmlformats.org/officeDocument/2006/customXml" ds:itemID="{E0A43D08-F4F9-4D95-9CB2-7DE374416074}">
   <ds:schemaRefs>
     <ds:schemaRef ds:uri="http://schemas.microsoft.com/office/2006/metadata/contentType"/>
@@ -15769,29 +17172,4 @@
     <ds:schemaRef ds:uri="http://schemas.microsoft.com/internal/obd"/>
   </ds:schemaRefs>
 </ds:datastoreItem>
-</file>
-
-<file path=customXml/itemProps2.xml><?xml version="1.0" encoding="utf-8"?>
-<ds:datastoreItem xmlns:ds="http://schemas.openxmlformats.org/officeDocument/2006/customXml" ds:itemID="{5029FA76-0C86-4BF1-99F1-A3115FBFFAB0}">
-  <ds:schemaRefs>
-    <ds:schemaRef ds:uri="http://schemas.microsoft.com/sharepoint/v3/contenttype/forms"/>
-  </ds:schemaRefs>
-</ds:datastoreItem>
-</file>
-
-<file path=customXml/itemProps3.xml><?xml version="1.0" encoding="utf-8"?>
-<ds:datastoreItem xmlns:ds="http://schemas.openxmlformats.org/officeDocument/2006/customXml" ds:itemID="{44FAF7B5-E40C-46BE-9C83-DA251FCAE61E}">
-  <ds:schemaRefs>
-    <ds:schemaRef ds:uri="http://purl.org/dc/dcmitype/"/>
-    <ds:schemaRef ds:uri="http://schemas.openxmlformats.org/package/2006/metadata/core-properties"/>
-    <ds:schemaRef ds:uri="http://purl.org/dc/elements/1.1/"/>
-    <ds:schemaRef ds:uri="http://schemas.microsoft.com/office/2006/documentManagement/types"/>
-    <ds:schemaRef ds:uri="71af3243-3dd4-4a8d-8c0d-dd76da1f02a5"/>
-    <ds:schemaRef ds:uri="http://purl.org/dc/terms/"/>
-    <ds:schemaRef ds:uri="http://www.w3.org/XML/1998/namespace"/>
-    <ds:schemaRef ds:uri="http://schemas.microsoft.com/office/2006/metadata/properties"/>
-    <ds:schemaRef ds:uri="http://schemas.microsoft.com/office/infopath/2007/PartnerControls"/>
-    <ds:schemaRef ds:uri="16c05727-aa75-4e4a-9b5f-8a80a1165891"/>
-  </ds:schemaRefs>
-</ds:datastoreItem>
 </file>